--- a/ProjectPres.pptx
+++ b/ProjectPres.pptx
@@ -4,23 +4,26 @@
   <p:sldMasterIdLst>
     <p:sldMasterId id="2147483707" r:id="rId1"/>
   </p:sldMasterIdLst>
+  <p:notesMasterIdLst>
+    <p:notesMasterId r:id="rId15"/>
+  </p:notesMasterIdLst>
   <p:sldIdLst>
     <p:sldId id="256" r:id="rId2"/>
-    <p:sldId id="257" r:id="rId3"/>
-    <p:sldId id="258" r:id="rId4"/>
-    <p:sldId id="268" r:id="rId5"/>
-    <p:sldId id="259" r:id="rId6"/>
-    <p:sldId id="260" r:id="rId7"/>
+    <p:sldId id="258" r:id="rId3"/>
+    <p:sldId id="268" r:id="rId4"/>
+    <p:sldId id="259" r:id="rId5"/>
+    <p:sldId id="260" r:id="rId6"/>
+    <p:sldId id="269" r:id="rId7"/>
     <p:sldId id="261" r:id="rId8"/>
-    <p:sldId id="262" r:id="rId9"/>
-    <p:sldId id="263" r:id="rId10"/>
+    <p:sldId id="263" r:id="rId9"/>
+    <p:sldId id="262" r:id="rId10"/>
     <p:sldId id="264" r:id="rId11"/>
     <p:sldId id="265" r:id="rId12"/>
     <p:sldId id="266" r:id="rId13"/>
     <p:sldId id="267" r:id="rId14"/>
   </p:sldIdLst>
   <p:sldSz cx="12192000" cy="6858000"/>
-  <p:notesSz cx="6858000" cy="9144000"/>
+  <p:notesSz cx="6858000" cy="1362075"/>
   <p:defaultTextStyle>
     <a:defPPr>
       <a:defRPr lang="en-US"/>
@@ -127,9 +130,1866 @@
 <file path=ppt/revisionInfo.xml><?xml version="1.0" encoding="utf-8"?>
 <p1510:revInfo xmlns:a="http://schemas.openxmlformats.org/drawingml/2006/main" xmlns:r="http://schemas.openxmlformats.org/officeDocument/2006/relationships" xmlns:p1510="http://schemas.microsoft.com/office/powerpoint/2015/10/main">
   <p1510:revLst>
-    <p1510:client id="{A2E681A2-E330-7D49-98DA-FCFC37280D3E}" v="349" dt="2018-12-08T05:49:22.968"/>
+    <p1510:client id="{DFE7AC6B-FC58-4583-9514-B4B48557894A}" v="106" dt="2018-12-12T21:42:45.452"/>
+    <p1510:client id="{2A3D0CAB-CF98-4756-BC24-29CF25AA15D6}" v="178" dt="2018-12-11T22:06:39.631"/>
   </p1510:revLst>
 </p1510:revInfo>
+</file>
+
+<file path=ppt/changesInfos/changesInfo1.xml><?xml version="1.0" encoding="utf-8"?>
+<pc:chgInfo xmlns:a="http://schemas.openxmlformats.org/drawingml/2006/main" xmlns:r="http://schemas.openxmlformats.org/officeDocument/2006/relationships" xmlns:ac="http://schemas.microsoft.com/office/drawing/2013/main/command" xmlns:pc="http://schemas.microsoft.com/office/powerpoint/2013/main/command">
+  <pc:docChgLst>
+    <pc:chgData name="Sydney M. Brougham" userId="S::broughas@mail.gvsu.edu::99508f2f-4f07-4f44-838b-2989069a5a78" providerId="AD" clId="Web-{BDE2E043-7131-4B01-818F-42C72D24877A}"/>
+    <pc:docChg chg="addSld modSld">
+      <pc:chgData name="Sydney M. Brougham" userId="S::broughas@mail.gvsu.edu::99508f2f-4f07-4f44-838b-2989069a5a78" providerId="AD" clId="Web-{BDE2E043-7131-4B01-818F-42C72D24877A}" dt="2018-12-10T21:38:29.312" v="10" actId="20577"/>
+      <pc:docMkLst>
+        <pc:docMk/>
+      </pc:docMkLst>
+      <pc:sldChg chg="modSp new">
+        <pc:chgData name="Sydney M. Brougham" userId="S::broughas@mail.gvsu.edu::99508f2f-4f07-4f44-838b-2989069a5a78" providerId="AD" clId="Web-{BDE2E043-7131-4B01-818F-42C72D24877A}" dt="2018-12-10T21:38:29.312" v="10" actId="20577"/>
+        <pc:sldMkLst>
+          <pc:docMk/>
+          <pc:sldMk cId="1778679045" sldId="269"/>
+        </pc:sldMkLst>
+        <pc:spChg chg="mod">
+          <ac:chgData name="Sydney M. Brougham" userId="S::broughas@mail.gvsu.edu::99508f2f-4f07-4f44-838b-2989069a5a78" providerId="AD" clId="Web-{BDE2E043-7131-4B01-818F-42C72D24877A}" dt="2018-12-10T21:38:29.312" v="10" actId="20577"/>
+          <ac:spMkLst>
+            <pc:docMk/>
+            <pc:sldMk cId="1778679045" sldId="269"/>
+            <ac:spMk id="2" creationId="{968519A2-FDA0-4805-A342-CE4FF3887A25}"/>
+          </ac:spMkLst>
+        </pc:spChg>
+      </pc:sldChg>
+    </pc:docChg>
+  </pc:docChgLst>
+  <pc:docChgLst>
+    <pc:chgData name="Roberto A. Sanchez" userId="S::sanchrob@mail.gvsu.edu::f5774eaa-2a9d-4c7c-9970-08beb2fa52bf" providerId="AD" clId="Web-{55364CF0-E128-C378-0421-C2079D67814D}"/>
+    <pc:docChg chg="delSld modSld">
+      <pc:chgData name="Roberto A. Sanchez" userId="S::sanchrob@mail.gvsu.edu::f5774eaa-2a9d-4c7c-9970-08beb2fa52bf" providerId="AD" clId="Web-{55364CF0-E128-C378-0421-C2079D67814D}" dt="2018-12-12T22:08:04.995" v="223" actId="20577"/>
+      <pc:docMkLst>
+        <pc:docMk/>
+      </pc:docMkLst>
+      <pc:sldChg chg="del">
+        <pc:chgData name="Roberto A. Sanchez" userId="S::sanchrob@mail.gvsu.edu::f5774eaa-2a9d-4c7c-9970-08beb2fa52bf" providerId="AD" clId="Web-{55364CF0-E128-C378-0421-C2079D67814D}" dt="2018-12-12T16:06:18.584" v="0"/>
+        <pc:sldMkLst>
+          <pc:docMk/>
+          <pc:sldMk cId="674387800" sldId="257"/>
+        </pc:sldMkLst>
+      </pc:sldChg>
+      <pc:sldChg chg="addSp delSp modSp">
+        <pc:chgData name="Roberto A. Sanchez" userId="S::sanchrob@mail.gvsu.edu::f5774eaa-2a9d-4c7c-9970-08beb2fa52bf" providerId="AD" clId="Web-{55364CF0-E128-C378-0421-C2079D67814D}" dt="2018-12-12T22:08:04.995" v="222" actId="20577"/>
+        <pc:sldMkLst>
+          <pc:docMk/>
+          <pc:sldMk cId="1449443782" sldId="264"/>
+        </pc:sldMkLst>
+        <pc:spChg chg="mod">
+          <ac:chgData name="Roberto A. Sanchez" userId="S::sanchrob@mail.gvsu.edu::f5774eaa-2a9d-4c7c-9970-08beb2fa52bf" providerId="AD" clId="Web-{55364CF0-E128-C378-0421-C2079D67814D}" dt="2018-12-12T22:08:04.995" v="222" actId="20577"/>
+          <ac:spMkLst>
+            <pc:docMk/>
+            <pc:sldMk cId="1449443782" sldId="264"/>
+            <ac:spMk id="3" creationId="{22C4E376-BEFA-4A9F-94E9-68EF845A4550}"/>
+          </ac:spMkLst>
+        </pc:spChg>
+        <pc:picChg chg="add del mod">
+          <ac:chgData name="Roberto A. Sanchez" userId="S::sanchrob@mail.gvsu.edu::f5774eaa-2a9d-4c7c-9970-08beb2fa52bf" providerId="AD" clId="Web-{55364CF0-E128-C378-0421-C2079D67814D}" dt="2018-12-12T22:01:29.105" v="120"/>
+          <ac:picMkLst>
+            <pc:docMk/>
+            <pc:sldMk cId="1449443782" sldId="264"/>
+            <ac:picMk id="4" creationId="{35252B27-7526-4D0F-AF79-221DD49F4803}"/>
+          </ac:picMkLst>
+        </pc:picChg>
+        <pc:picChg chg="add mod">
+          <ac:chgData name="Roberto A. Sanchez" userId="S::sanchrob@mail.gvsu.edu::f5774eaa-2a9d-4c7c-9970-08beb2fa52bf" providerId="AD" clId="Web-{55364CF0-E128-C378-0421-C2079D67814D}" dt="2018-12-12T22:07:13.932" v="212" actId="14100"/>
+          <ac:picMkLst>
+            <pc:docMk/>
+            <pc:sldMk cId="1449443782" sldId="264"/>
+            <ac:picMk id="6" creationId="{C83B5D6F-96DA-486A-8DD7-77FFF01CCEC1}"/>
+          </ac:picMkLst>
+        </pc:picChg>
+        <pc:picChg chg="add mod">
+          <ac:chgData name="Roberto A. Sanchez" userId="S::sanchrob@mail.gvsu.edu::f5774eaa-2a9d-4c7c-9970-08beb2fa52bf" providerId="AD" clId="Web-{55364CF0-E128-C378-0421-C2079D67814D}" dt="2018-12-12T22:07:17.635" v="213" actId="14100"/>
+          <ac:picMkLst>
+            <pc:docMk/>
+            <pc:sldMk cId="1449443782" sldId="264"/>
+            <ac:picMk id="8" creationId="{1FBF891F-1037-4E88-83D1-900FBA76BC60}"/>
+          </ac:picMkLst>
+        </pc:picChg>
+      </pc:sldChg>
+    </pc:docChg>
+  </pc:docChgLst>
+  <pc:docChgLst>
+    <pc:chgData name="Sydney M. Brougham" userId="S::broughas@mail.gvsu.edu::99508f2f-4f07-4f44-838b-2989069a5a78" providerId="AD" clId="Web-{34DAE95E-A881-38ED-FD7F-482E20B806DB}"/>
+    <pc:docChg chg="modSld">
+      <pc:chgData name="Sydney M. Brougham" userId="S::broughas@mail.gvsu.edu::99508f2f-4f07-4f44-838b-2989069a5a78" providerId="AD" clId="Web-{34DAE95E-A881-38ED-FD7F-482E20B806DB}" dt="2018-12-12T13:13:53.215" v="49" actId="20577"/>
+      <pc:docMkLst>
+        <pc:docMk/>
+      </pc:docMkLst>
+      <pc:sldChg chg="modSp">
+        <pc:chgData name="Sydney M. Brougham" userId="S::broughas@mail.gvsu.edu::99508f2f-4f07-4f44-838b-2989069a5a78" providerId="AD" clId="Web-{34DAE95E-A881-38ED-FD7F-482E20B806DB}" dt="2018-12-12T13:13:07.260" v="44" actId="20577"/>
+        <pc:sldMkLst>
+          <pc:docMk/>
+          <pc:sldMk cId="674387800" sldId="257"/>
+        </pc:sldMkLst>
+        <pc:spChg chg="mod">
+          <ac:chgData name="Sydney M. Brougham" userId="S::broughas@mail.gvsu.edu::99508f2f-4f07-4f44-838b-2989069a5a78" providerId="AD" clId="Web-{34DAE95E-A881-38ED-FD7F-482E20B806DB}" dt="2018-12-12T13:13:07.260" v="44" actId="20577"/>
+          <ac:spMkLst>
+            <pc:docMk/>
+            <pc:sldMk cId="674387800" sldId="257"/>
+            <ac:spMk id="3" creationId="{2781EC10-466C-4AE5-AC2D-79BFD06D27FA}"/>
+          </ac:spMkLst>
+        </pc:spChg>
+      </pc:sldChg>
+      <pc:sldChg chg="modSp">
+        <pc:chgData name="Sydney M. Brougham" userId="S::broughas@mail.gvsu.edu::99508f2f-4f07-4f44-838b-2989069a5a78" providerId="AD" clId="Web-{34DAE95E-A881-38ED-FD7F-482E20B806DB}" dt="2018-12-12T13:13:53.215" v="48" actId="20577"/>
+        <pc:sldMkLst>
+          <pc:docMk/>
+          <pc:sldMk cId="3611312546" sldId="267"/>
+        </pc:sldMkLst>
+        <pc:spChg chg="mod">
+          <ac:chgData name="Sydney M. Brougham" userId="S::broughas@mail.gvsu.edu::99508f2f-4f07-4f44-838b-2989069a5a78" providerId="AD" clId="Web-{34DAE95E-A881-38ED-FD7F-482E20B806DB}" dt="2018-12-12T13:13:53.215" v="48" actId="20577"/>
+          <ac:spMkLst>
+            <pc:docMk/>
+            <pc:sldMk cId="3611312546" sldId="267"/>
+            <ac:spMk id="3" creationId="{6E64D0F3-B8F8-42C1-AA0D-CA97102EF45C}"/>
+          </ac:spMkLst>
+        </pc:spChg>
+      </pc:sldChg>
+    </pc:docChg>
+  </pc:docChgLst>
+  <pc:docChgLst>
+    <pc:chgData name="Sydney M. Brougham" userId="99508f2f-4f07-4f44-838b-2989069a5a78" providerId="ADAL" clId="{2A3D0CAB-CF98-4756-BC24-29CF25AA15D6}"/>
+    <pc:docChg chg="undo redo custSel mod modSld sldOrd">
+      <pc:chgData name="Sydney M. Brougham" userId="99508f2f-4f07-4f44-838b-2989069a5a78" providerId="ADAL" clId="{2A3D0CAB-CF98-4756-BC24-29CF25AA15D6}" dt="2018-12-11T22:54:59.063" v="1114" actId="20577"/>
+      <pc:docMkLst>
+        <pc:docMk/>
+      </pc:docMkLst>
+      <pc:sldChg chg="addSp delSp modSp">
+        <pc:chgData name="Sydney M. Brougham" userId="99508f2f-4f07-4f44-838b-2989069a5a78" providerId="ADAL" clId="{2A3D0CAB-CF98-4756-BC24-29CF25AA15D6}" dt="2018-12-11T21:26:34.734" v="702" actId="20577"/>
+        <pc:sldMkLst>
+          <pc:docMk/>
+          <pc:sldMk cId="1415813509" sldId="259"/>
+        </pc:sldMkLst>
+        <pc:spChg chg="mod">
+          <ac:chgData name="Sydney M. Brougham" userId="99508f2f-4f07-4f44-838b-2989069a5a78" providerId="ADAL" clId="{2A3D0CAB-CF98-4756-BC24-29CF25AA15D6}" dt="2018-12-11T21:26:34.734" v="702" actId="20577"/>
+          <ac:spMkLst>
+            <pc:docMk/>
+            <pc:sldMk cId="1415813509" sldId="259"/>
+            <ac:spMk id="3" creationId="{7CD049B3-7351-4032-963A-C17390A3373C}"/>
+          </ac:spMkLst>
+        </pc:spChg>
+        <pc:graphicFrameChg chg="add del mod modGraphic">
+          <ac:chgData name="Sydney M. Brougham" userId="99508f2f-4f07-4f44-838b-2989069a5a78" providerId="ADAL" clId="{2A3D0CAB-CF98-4756-BC24-29CF25AA15D6}" dt="2018-12-11T20:05:32.190" v="519" actId="478"/>
+          <ac:graphicFrameMkLst>
+            <pc:docMk/>
+            <pc:sldMk cId="1415813509" sldId="259"/>
+            <ac:graphicFrameMk id="4" creationId="{9B5F0B46-294B-4B40-994E-D33911D4CE0E}"/>
+          </ac:graphicFrameMkLst>
+        </pc:graphicFrameChg>
+        <pc:graphicFrameChg chg="add del">
+          <ac:chgData name="Sydney M. Brougham" userId="99508f2f-4f07-4f44-838b-2989069a5a78" providerId="ADAL" clId="{2A3D0CAB-CF98-4756-BC24-29CF25AA15D6}" dt="2018-12-11T21:05:15.643" v="521"/>
+          <ac:graphicFrameMkLst>
+            <pc:docMk/>
+            <pc:sldMk cId="1415813509" sldId="259"/>
+            <ac:graphicFrameMk id="5" creationId="{4D179593-BA33-4BEF-8DB0-CFC1695F5EFD}"/>
+          </ac:graphicFrameMkLst>
+        </pc:graphicFrameChg>
+        <pc:graphicFrameChg chg="add del">
+          <ac:chgData name="Sydney M. Brougham" userId="99508f2f-4f07-4f44-838b-2989069a5a78" providerId="ADAL" clId="{2A3D0CAB-CF98-4756-BC24-29CF25AA15D6}" dt="2018-12-11T21:06:11.864" v="527"/>
+          <ac:graphicFrameMkLst>
+            <pc:docMk/>
+            <pc:sldMk cId="1415813509" sldId="259"/>
+            <ac:graphicFrameMk id="7" creationId="{4B2F3EDC-CC60-4002-9488-1D382A2287C9}"/>
+          </ac:graphicFrameMkLst>
+        </pc:graphicFrameChg>
+        <pc:graphicFrameChg chg="add del">
+          <ac:chgData name="Sydney M. Brougham" userId="99508f2f-4f07-4f44-838b-2989069a5a78" providerId="ADAL" clId="{2A3D0CAB-CF98-4756-BC24-29CF25AA15D6}" dt="2018-12-11T21:06:51.664" v="531"/>
+          <ac:graphicFrameMkLst>
+            <pc:docMk/>
+            <pc:sldMk cId="1415813509" sldId="259"/>
+            <ac:graphicFrameMk id="9" creationId="{5A0EFFAE-F129-46EA-AABC-6D6E1EB9869D}"/>
+          </ac:graphicFrameMkLst>
+        </pc:graphicFrameChg>
+        <pc:graphicFrameChg chg="add del">
+          <ac:chgData name="Sydney M. Brougham" userId="99508f2f-4f07-4f44-838b-2989069a5a78" providerId="ADAL" clId="{2A3D0CAB-CF98-4756-BC24-29CF25AA15D6}" dt="2018-12-11T21:07:44.614" v="536"/>
+          <ac:graphicFrameMkLst>
+            <pc:docMk/>
+            <pc:sldMk cId="1415813509" sldId="259"/>
+            <ac:graphicFrameMk id="11" creationId="{A5202672-BEB8-4059-ACC5-1886597F3813}"/>
+          </ac:graphicFrameMkLst>
+        </pc:graphicFrameChg>
+        <pc:graphicFrameChg chg="add del">
+          <ac:chgData name="Sydney M. Brougham" userId="99508f2f-4f07-4f44-838b-2989069a5a78" providerId="ADAL" clId="{2A3D0CAB-CF98-4756-BC24-29CF25AA15D6}" dt="2018-12-11T21:08:40.056" v="541"/>
+          <ac:graphicFrameMkLst>
+            <pc:docMk/>
+            <pc:sldMk cId="1415813509" sldId="259"/>
+            <ac:graphicFrameMk id="13" creationId="{291E769D-58E0-4164-814C-D5DE1AB39CD7}"/>
+          </ac:graphicFrameMkLst>
+        </pc:graphicFrameChg>
+        <pc:graphicFrameChg chg="add del">
+          <ac:chgData name="Sydney M. Brougham" userId="99508f2f-4f07-4f44-838b-2989069a5a78" providerId="ADAL" clId="{2A3D0CAB-CF98-4756-BC24-29CF25AA15D6}" dt="2018-12-11T21:11:39.197" v="546"/>
+          <ac:graphicFrameMkLst>
+            <pc:docMk/>
+            <pc:sldMk cId="1415813509" sldId="259"/>
+            <ac:graphicFrameMk id="15" creationId="{6E2EDBD5-4647-4D09-B0C8-3C18A1C8AD22}"/>
+          </ac:graphicFrameMkLst>
+        </pc:graphicFrameChg>
+        <pc:graphicFrameChg chg="add del">
+          <ac:chgData name="Sydney M. Brougham" userId="99508f2f-4f07-4f44-838b-2989069a5a78" providerId="ADAL" clId="{2A3D0CAB-CF98-4756-BC24-29CF25AA15D6}" dt="2018-12-11T21:13:22.451" v="558"/>
+          <ac:graphicFrameMkLst>
+            <pc:docMk/>
+            <pc:sldMk cId="1415813509" sldId="259"/>
+            <ac:graphicFrameMk id="17" creationId="{6B45AABD-C02C-4424-B815-1E3007A3D77A}"/>
+          </ac:graphicFrameMkLst>
+        </pc:graphicFrameChg>
+        <pc:graphicFrameChg chg="add del">
+          <ac:chgData name="Sydney M. Brougham" userId="99508f2f-4f07-4f44-838b-2989069a5a78" providerId="ADAL" clId="{2A3D0CAB-CF98-4756-BC24-29CF25AA15D6}" dt="2018-12-11T21:13:58.286" v="570"/>
+          <ac:graphicFrameMkLst>
+            <pc:docMk/>
+            <pc:sldMk cId="1415813509" sldId="259"/>
+            <ac:graphicFrameMk id="19" creationId="{F7108B01-3803-42C6-99D7-E9FCA48575C7}"/>
+          </ac:graphicFrameMkLst>
+        </pc:graphicFrameChg>
+        <pc:graphicFrameChg chg="add del">
+          <ac:chgData name="Sydney M. Brougham" userId="99508f2f-4f07-4f44-838b-2989069a5a78" providerId="ADAL" clId="{2A3D0CAB-CF98-4756-BC24-29CF25AA15D6}" dt="2018-12-11T21:14:56.687" v="577"/>
+          <ac:graphicFrameMkLst>
+            <pc:docMk/>
+            <pc:sldMk cId="1415813509" sldId="259"/>
+            <ac:graphicFrameMk id="21" creationId="{FBABC7DB-8DB6-45F2-99FF-1E060F979D4D}"/>
+          </ac:graphicFrameMkLst>
+        </pc:graphicFrameChg>
+        <pc:graphicFrameChg chg="add del">
+          <ac:chgData name="Sydney M. Brougham" userId="99508f2f-4f07-4f44-838b-2989069a5a78" providerId="ADAL" clId="{2A3D0CAB-CF98-4756-BC24-29CF25AA15D6}" dt="2018-12-11T21:24:46.697" v="668"/>
+          <ac:graphicFrameMkLst>
+            <pc:docMk/>
+            <pc:sldMk cId="1415813509" sldId="259"/>
+            <ac:graphicFrameMk id="23" creationId="{6A480F1E-1879-4E8C-B4BF-C3783CAF2AF7}"/>
+          </ac:graphicFrameMkLst>
+        </pc:graphicFrameChg>
+        <pc:picChg chg="add del">
+          <ac:chgData name="Sydney M. Brougham" userId="99508f2f-4f07-4f44-838b-2989069a5a78" providerId="ADAL" clId="{2A3D0CAB-CF98-4756-BC24-29CF25AA15D6}" dt="2018-12-11T21:05:25.597" v="523" actId="478"/>
+          <ac:picMkLst>
+            <pc:docMk/>
+            <pc:sldMk cId="1415813509" sldId="259"/>
+            <ac:picMk id="6" creationId="{570161BB-4685-4F30-A8D5-EA684B3AB484}"/>
+          </ac:picMkLst>
+        </pc:picChg>
+        <pc:picChg chg="add del">
+          <ac:chgData name="Sydney M. Brougham" userId="99508f2f-4f07-4f44-838b-2989069a5a78" providerId="ADAL" clId="{2A3D0CAB-CF98-4756-BC24-29CF25AA15D6}" dt="2018-12-11T21:06:25.053" v="529" actId="478"/>
+          <ac:picMkLst>
+            <pc:docMk/>
+            <pc:sldMk cId="1415813509" sldId="259"/>
+            <ac:picMk id="8" creationId="{7A9DCAC4-D51D-4A71-BAA9-B4845B9DEEAC}"/>
+          </ac:picMkLst>
+        </pc:picChg>
+        <pc:picChg chg="add del mod">
+          <ac:chgData name="Sydney M. Brougham" userId="99508f2f-4f07-4f44-838b-2989069a5a78" providerId="ADAL" clId="{2A3D0CAB-CF98-4756-BC24-29CF25AA15D6}" dt="2018-12-11T21:06:57.244" v="534" actId="478"/>
+          <ac:picMkLst>
+            <pc:docMk/>
+            <pc:sldMk cId="1415813509" sldId="259"/>
+            <ac:picMk id="10" creationId="{82F13755-656E-4DB6-8FD6-D4972EE07F1B}"/>
+          </ac:picMkLst>
+        </pc:picChg>
+        <pc:picChg chg="add del mod">
+          <ac:chgData name="Sydney M. Brougham" userId="99508f2f-4f07-4f44-838b-2989069a5a78" providerId="ADAL" clId="{2A3D0CAB-CF98-4756-BC24-29CF25AA15D6}" dt="2018-12-11T21:07:57.638" v="539" actId="478"/>
+          <ac:picMkLst>
+            <pc:docMk/>
+            <pc:sldMk cId="1415813509" sldId="259"/>
+            <ac:picMk id="12" creationId="{DE50D321-A55E-4774-B727-D19C5E32F9CD}"/>
+          </ac:picMkLst>
+        </pc:picChg>
+        <pc:picChg chg="add del mod">
+          <ac:chgData name="Sydney M. Brougham" userId="99508f2f-4f07-4f44-838b-2989069a5a78" providerId="ADAL" clId="{2A3D0CAB-CF98-4756-BC24-29CF25AA15D6}" dt="2018-12-11T21:09:01.909" v="544" actId="478"/>
+          <ac:picMkLst>
+            <pc:docMk/>
+            <pc:sldMk cId="1415813509" sldId="259"/>
+            <ac:picMk id="14" creationId="{2B63E29D-151A-4743-B659-A67194EE68B6}"/>
+          </ac:picMkLst>
+        </pc:picChg>
+        <pc:picChg chg="add del mod">
+          <ac:chgData name="Sydney M. Brougham" userId="99508f2f-4f07-4f44-838b-2989069a5a78" providerId="ADAL" clId="{2A3D0CAB-CF98-4756-BC24-29CF25AA15D6}" dt="2018-12-11T21:13:19.133" v="556" actId="478"/>
+          <ac:picMkLst>
+            <pc:docMk/>
+            <pc:sldMk cId="1415813509" sldId="259"/>
+            <ac:picMk id="16" creationId="{C1E291AC-AA33-407D-8539-18C2EE2CAEAF}"/>
+          </ac:picMkLst>
+        </pc:picChg>
+        <pc:picChg chg="add del mod">
+          <ac:chgData name="Sydney M. Brougham" userId="99508f2f-4f07-4f44-838b-2989069a5a78" providerId="ADAL" clId="{2A3D0CAB-CF98-4756-BC24-29CF25AA15D6}" dt="2018-12-11T21:13:54.962" v="568" actId="478"/>
+          <ac:picMkLst>
+            <pc:docMk/>
+            <pc:sldMk cId="1415813509" sldId="259"/>
+            <ac:picMk id="18" creationId="{5770A911-E7B4-41CE-8EE6-8E462244D145}"/>
+          </ac:picMkLst>
+        </pc:picChg>
+        <pc:picChg chg="add del mod">
+          <ac:chgData name="Sydney M. Brougham" userId="99508f2f-4f07-4f44-838b-2989069a5a78" providerId="ADAL" clId="{2A3D0CAB-CF98-4756-BC24-29CF25AA15D6}" dt="2018-12-11T21:24:48.198" v="670" actId="478"/>
+          <ac:picMkLst>
+            <pc:docMk/>
+            <pc:sldMk cId="1415813509" sldId="259"/>
+            <ac:picMk id="20" creationId="{81FEA38A-223D-488B-8F67-063886E17023}"/>
+          </ac:picMkLst>
+        </pc:picChg>
+        <pc:picChg chg="add del mod">
+          <ac:chgData name="Sydney M. Brougham" userId="99508f2f-4f07-4f44-838b-2989069a5a78" providerId="ADAL" clId="{2A3D0CAB-CF98-4756-BC24-29CF25AA15D6}" dt="2018-12-11T21:15:03.537" v="580" actId="478"/>
+          <ac:picMkLst>
+            <pc:docMk/>
+            <pc:sldMk cId="1415813509" sldId="259"/>
+            <ac:picMk id="22" creationId="{272F7614-5030-41FD-ADB7-6314334DB12E}"/>
+          </ac:picMkLst>
+        </pc:picChg>
+        <pc:picChg chg="add mod">
+          <ac:chgData name="Sydney M. Brougham" userId="99508f2f-4f07-4f44-838b-2989069a5a78" providerId="ADAL" clId="{2A3D0CAB-CF98-4756-BC24-29CF25AA15D6}" dt="2018-12-11T21:25:32.820" v="691" actId="1076"/>
+          <ac:picMkLst>
+            <pc:docMk/>
+            <pc:sldMk cId="1415813509" sldId="259"/>
+            <ac:picMk id="24" creationId="{C45F78F7-5023-4779-9329-4EE10F76B6FA}"/>
+          </ac:picMkLst>
+        </pc:picChg>
+      </pc:sldChg>
+      <pc:sldChg chg="modSp">
+        <pc:chgData name="Sydney M. Brougham" userId="99508f2f-4f07-4f44-838b-2989069a5a78" providerId="ADAL" clId="{2A3D0CAB-CF98-4756-BC24-29CF25AA15D6}" dt="2018-12-11T21:23:45.673" v="665" actId="20577"/>
+        <pc:sldMkLst>
+          <pc:docMk/>
+          <pc:sldMk cId="3854098894" sldId="260"/>
+        </pc:sldMkLst>
+        <pc:spChg chg="mod">
+          <ac:chgData name="Sydney M. Brougham" userId="99508f2f-4f07-4f44-838b-2989069a5a78" providerId="ADAL" clId="{2A3D0CAB-CF98-4756-BC24-29CF25AA15D6}" dt="2018-12-11T21:23:04.047" v="647" actId="20577"/>
+          <ac:spMkLst>
+            <pc:docMk/>
+            <pc:sldMk cId="3854098894" sldId="260"/>
+            <ac:spMk id="2" creationId="{3D540E11-3C78-43E4-9DD4-598CB5F5122B}"/>
+          </ac:spMkLst>
+        </pc:spChg>
+        <pc:spChg chg="mod">
+          <ac:chgData name="Sydney M. Brougham" userId="99508f2f-4f07-4f44-838b-2989069a5a78" providerId="ADAL" clId="{2A3D0CAB-CF98-4756-BC24-29CF25AA15D6}" dt="2018-12-11T21:23:45.673" v="665" actId="20577"/>
+          <ac:spMkLst>
+            <pc:docMk/>
+            <pc:sldMk cId="3854098894" sldId="260"/>
+            <ac:spMk id="3" creationId="{C45B66EB-0441-478B-B86C-1CA71CFA2572}"/>
+          </ac:spMkLst>
+        </pc:spChg>
+      </pc:sldChg>
+      <pc:sldChg chg="modSp modNotesTx">
+        <pc:chgData name="Sydney M. Brougham" userId="99508f2f-4f07-4f44-838b-2989069a5a78" providerId="ADAL" clId="{2A3D0CAB-CF98-4756-BC24-29CF25AA15D6}" dt="2018-12-11T21:30:24.284" v="738" actId="5793"/>
+        <pc:sldMkLst>
+          <pc:docMk/>
+          <pc:sldMk cId="2052842698" sldId="261"/>
+        </pc:sldMkLst>
+        <pc:spChg chg="mod">
+          <ac:chgData name="Sydney M. Brougham" userId="99508f2f-4f07-4f44-838b-2989069a5a78" providerId="ADAL" clId="{2A3D0CAB-CF98-4756-BC24-29CF25AA15D6}" dt="2018-12-11T21:30:24.284" v="738" actId="5793"/>
+          <ac:spMkLst>
+            <pc:docMk/>
+            <pc:sldMk cId="2052842698" sldId="261"/>
+            <ac:spMk id="3" creationId="{FD1B0693-4AB7-4ADC-AFC0-1BE293A8E749}"/>
+          </ac:spMkLst>
+        </pc:spChg>
+      </pc:sldChg>
+      <pc:sldChg chg="addSp delSp modSp ord modNotesTx">
+        <pc:chgData name="Sydney M. Brougham" userId="99508f2f-4f07-4f44-838b-2989069a5a78" providerId="ADAL" clId="{2A3D0CAB-CF98-4756-BC24-29CF25AA15D6}" dt="2018-12-11T22:54:59.063" v="1114" actId="20577"/>
+        <pc:sldMkLst>
+          <pc:docMk/>
+          <pc:sldMk cId="1039510516" sldId="262"/>
+        </pc:sldMkLst>
+        <pc:spChg chg="mod">
+          <ac:chgData name="Sydney M. Brougham" userId="99508f2f-4f07-4f44-838b-2989069a5a78" providerId="ADAL" clId="{2A3D0CAB-CF98-4756-BC24-29CF25AA15D6}" dt="2018-12-10T18:41:39.281" v="258" actId="1038"/>
+          <ac:spMkLst>
+            <pc:docMk/>
+            <pc:sldMk cId="1039510516" sldId="262"/>
+            <ac:spMk id="2" creationId="{0B2B2562-F5A0-461B-B73A-3C7652BDEEBB}"/>
+          </ac:spMkLst>
+        </pc:spChg>
+        <pc:spChg chg="del mod">
+          <ac:chgData name="Sydney M. Brougham" userId="99508f2f-4f07-4f44-838b-2989069a5a78" providerId="ADAL" clId="{2A3D0CAB-CF98-4756-BC24-29CF25AA15D6}" dt="2018-12-10T18:28:59.173" v="52" actId="478"/>
+          <ac:spMkLst>
+            <pc:docMk/>
+            <pc:sldMk cId="1039510516" sldId="262"/>
+            <ac:spMk id="3" creationId="{B18CCB84-2B3F-4DA6-839C-E3ED75289343}"/>
+          </ac:spMkLst>
+        </pc:spChg>
+        <pc:spChg chg="add">
+          <ac:chgData name="Sydney M. Brougham" userId="99508f2f-4f07-4f44-838b-2989069a5a78" providerId="ADAL" clId="{2A3D0CAB-CF98-4756-BC24-29CF25AA15D6}" dt="2018-12-10T18:27:16.975" v="43"/>
+          <ac:spMkLst>
+            <pc:docMk/>
+            <pc:sldMk cId="1039510516" sldId="262"/>
+            <ac:spMk id="4" creationId="{5090BD3F-38B8-4ECC-B4D6-1D08E05C5539}"/>
+          </ac:spMkLst>
+        </pc:spChg>
+        <pc:spChg chg="add">
+          <ac:chgData name="Sydney M. Brougham" userId="99508f2f-4f07-4f44-838b-2989069a5a78" providerId="ADAL" clId="{2A3D0CAB-CF98-4756-BC24-29CF25AA15D6}" dt="2018-12-10T18:27:16.975" v="43"/>
+          <ac:spMkLst>
+            <pc:docMk/>
+            <pc:sldMk cId="1039510516" sldId="262"/>
+            <ac:spMk id="5" creationId="{D1E36563-941D-4088-8377-0B405560840A}"/>
+          </ac:spMkLst>
+        </pc:spChg>
+        <pc:spChg chg="add del mod">
+          <ac:chgData name="Sydney M. Brougham" userId="99508f2f-4f07-4f44-838b-2989069a5a78" providerId="ADAL" clId="{2A3D0CAB-CF98-4756-BC24-29CF25AA15D6}" dt="2018-12-10T18:27:32.941" v="46" actId="478"/>
+          <ac:spMkLst>
+            <pc:docMk/>
+            <pc:sldMk cId="1039510516" sldId="262"/>
+            <ac:spMk id="6" creationId="{28573BF3-9BF7-4728-9979-02FBE1488E02}"/>
+          </ac:spMkLst>
+        </pc:spChg>
+        <pc:spChg chg="add del">
+          <ac:chgData name="Sydney M. Brougham" userId="99508f2f-4f07-4f44-838b-2989069a5a78" providerId="ADAL" clId="{2A3D0CAB-CF98-4756-BC24-29CF25AA15D6}" dt="2018-12-10T18:27:32.941" v="46" actId="478"/>
+          <ac:spMkLst>
+            <pc:docMk/>
+            <pc:sldMk cId="1039510516" sldId="262"/>
+            <ac:spMk id="7" creationId="{8AA1DA10-ACAB-48A4-A2B4-22FB9B48DA10}"/>
+          </ac:spMkLst>
+        </pc:spChg>
+        <pc:spChg chg="add del mod">
+          <ac:chgData name="Sydney M. Brougham" userId="99508f2f-4f07-4f44-838b-2989069a5a78" providerId="ADAL" clId="{2A3D0CAB-CF98-4756-BC24-29CF25AA15D6}" dt="2018-12-10T18:40:28.115" v="209" actId="767"/>
+          <ac:spMkLst>
+            <pc:docMk/>
+            <pc:sldMk cId="1039510516" sldId="262"/>
+            <ac:spMk id="10" creationId="{34064CB1-11A0-40D6-B775-FBE100856D7F}"/>
+          </ac:spMkLst>
+        </pc:spChg>
+        <pc:picChg chg="add mod">
+          <ac:chgData name="Sydney M. Brougham" userId="99508f2f-4f07-4f44-838b-2989069a5a78" providerId="ADAL" clId="{2A3D0CAB-CF98-4756-BC24-29CF25AA15D6}" dt="2018-12-10T18:40:29.537" v="211" actId="14100"/>
+          <ac:picMkLst>
+            <pc:docMk/>
+            <pc:sldMk cId="1039510516" sldId="262"/>
+            <ac:picMk id="8" creationId="{3414CEAB-FC8D-405A-B538-0AA760478C37}"/>
+          </ac:picMkLst>
+        </pc:picChg>
+        <pc:picChg chg="add mod">
+          <ac:chgData name="Sydney M. Brougham" userId="99508f2f-4f07-4f44-838b-2989069a5a78" providerId="ADAL" clId="{2A3D0CAB-CF98-4756-BC24-29CF25AA15D6}" dt="2018-12-10T18:40:29.537" v="211" actId="14100"/>
+          <ac:picMkLst>
+            <pc:docMk/>
+            <pc:sldMk cId="1039510516" sldId="262"/>
+            <ac:picMk id="9" creationId="{0C8CECD6-43EE-4B87-A466-E48A5F06718B}"/>
+          </ac:picMkLst>
+        </pc:picChg>
+      </pc:sldChg>
+      <pc:sldChg chg="addSp delSp modSp ord">
+        <pc:chgData name="Sydney M. Brougham" userId="99508f2f-4f07-4f44-838b-2989069a5a78" providerId="ADAL" clId="{2A3D0CAB-CF98-4756-BC24-29CF25AA15D6}" dt="2018-12-11T22:06:25.603" v="1079" actId="20577"/>
+        <pc:sldMkLst>
+          <pc:docMk/>
+          <pc:sldMk cId="2030640651" sldId="263"/>
+        </pc:sldMkLst>
+        <pc:spChg chg="mod">
+          <ac:chgData name="Sydney M. Brougham" userId="99508f2f-4f07-4f44-838b-2989069a5a78" providerId="ADAL" clId="{2A3D0CAB-CF98-4756-BC24-29CF25AA15D6}" dt="2018-12-11T21:56:17.562" v="895" actId="20577"/>
+          <ac:spMkLst>
+            <pc:docMk/>
+            <pc:sldMk cId="2030640651" sldId="263"/>
+            <ac:spMk id="2" creationId="{EFD5F03B-00AC-4F8C-8D25-02EDC468F49C}"/>
+          </ac:spMkLst>
+        </pc:spChg>
+        <pc:spChg chg="mod">
+          <ac:chgData name="Sydney M. Brougham" userId="99508f2f-4f07-4f44-838b-2989069a5a78" providerId="ADAL" clId="{2A3D0CAB-CF98-4756-BC24-29CF25AA15D6}" dt="2018-12-11T22:02:43.141" v="1005" actId="1076"/>
+          <ac:spMkLst>
+            <pc:docMk/>
+            <pc:sldMk cId="2030640651" sldId="263"/>
+            <ac:spMk id="3" creationId="{3A597E3D-2780-4DE5-AFB6-DDCCE0A5135B}"/>
+          </ac:spMkLst>
+        </pc:spChg>
+        <pc:spChg chg="add mod">
+          <ac:chgData name="Sydney M. Brougham" userId="99508f2f-4f07-4f44-838b-2989069a5a78" providerId="ADAL" clId="{2A3D0CAB-CF98-4756-BC24-29CF25AA15D6}" dt="2018-12-11T22:06:25.603" v="1079" actId="20577"/>
+          <ac:spMkLst>
+            <pc:docMk/>
+            <pc:sldMk cId="2030640651" sldId="263"/>
+            <ac:spMk id="6" creationId="{28702943-E2D8-4867-8701-A59906C916F3}"/>
+          </ac:spMkLst>
+        </pc:spChg>
+        <pc:picChg chg="add mod">
+          <ac:chgData name="Sydney M. Brougham" userId="99508f2f-4f07-4f44-838b-2989069a5a78" providerId="ADAL" clId="{2A3D0CAB-CF98-4756-BC24-29CF25AA15D6}" dt="2018-12-11T22:03:31.076" v="1009" actId="1076"/>
+          <ac:picMkLst>
+            <pc:docMk/>
+            <pc:sldMk cId="2030640651" sldId="263"/>
+            <ac:picMk id="4" creationId="{2B0A74D6-1F3A-439C-B474-7D4EEEE690CF}"/>
+          </ac:picMkLst>
+        </pc:picChg>
+        <pc:picChg chg="add del">
+          <ac:chgData name="Sydney M. Brougham" userId="99508f2f-4f07-4f44-838b-2989069a5a78" providerId="ADAL" clId="{2A3D0CAB-CF98-4756-BC24-29CF25AA15D6}" dt="2018-12-10T18:38:20.457" v="124" actId="478"/>
+          <ac:picMkLst>
+            <pc:docMk/>
+            <pc:sldMk cId="2030640651" sldId="263"/>
+            <ac:picMk id="4" creationId="{CEABF41D-4056-4335-816F-60AF12491514}"/>
+          </ac:picMkLst>
+        </pc:picChg>
+        <pc:picChg chg="add del mod">
+          <ac:chgData name="Sydney M. Brougham" userId="99508f2f-4f07-4f44-838b-2989069a5a78" providerId="ADAL" clId="{2A3D0CAB-CF98-4756-BC24-29CF25AA15D6}" dt="2018-12-11T21:45:45.476" v="826" actId="478"/>
+          <ac:picMkLst>
+            <pc:docMk/>
+            <pc:sldMk cId="2030640651" sldId="263"/>
+            <ac:picMk id="5" creationId="{76110D9A-AB3C-493A-9076-57BDB3F04631}"/>
+          </ac:picMkLst>
+        </pc:picChg>
+        <pc:picChg chg="add mod modCrop">
+          <ac:chgData name="Sydney M. Brougham" userId="99508f2f-4f07-4f44-838b-2989069a5a78" providerId="ADAL" clId="{2A3D0CAB-CF98-4756-BC24-29CF25AA15D6}" dt="2018-12-11T22:03:53.235" v="1034" actId="1036"/>
+          <ac:picMkLst>
+            <pc:docMk/>
+            <pc:sldMk cId="2030640651" sldId="263"/>
+            <ac:picMk id="7" creationId="{BA42A510-321D-4BC1-931D-0BF39EDCB3EF}"/>
+          </ac:picMkLst>
+        </pc:picChg>
+        <pc:picChg chg="add mod">
+          <ac:chgData name="Sydney M. Brougham" userId="99508f2f-4f07-4f44-838b-2989069a5a78" providerId="ADAL" clId="{2A3D0CAB-CF98-4756-BC24-29CF25AA15D6}" dt="2018-12-11T22:02:43.141" v="1005" actId="1076"/>
+          <ac:picMkLst>
+            <pc:docMk/>
+            <pc:sldMk cId="2030640651" sldId="263"/>
+            <ac:picMk id="8" creationId="{59B823EB-5649-47D1-8F89-3C9D6748768C}"/>
+          </ac:picMkLst>
+        </pc:picChg>
+        <pc:picChg chg="add mod">
+          <ac:chgData name="Sydney M. Brougham" userId="99508f2f-4f07-4f44-838b-2989069a5a78" providerId="ADAL" clId="{2A3D0CAB-CF98-4756-BC24-29CF25AA15D6}" dt="2018-12-11T22:04:00.232" v="1040" actId="1036"/>
+          <ac:picMkLst>
+            <pc:docMk/>
+            <pc:sldMk cId="2030640651" sldId="263"/>
+            <ac:picMk id="9" creationId="{944B6939-248E-4823-BD7D-76DDB4B864FE}"/>
+          </ac:picMkLst>
+        </pc:picChg>
+      </pc:sldChg>
+      <pc:sldChg chg="modSp">
+        <pc:chgData name="Sydney M. Brougham" userId="99508f2f-4f07-4f44-838b-2989069a5a78" providerId="ADAL" clId="{2A3D0CAB-CF98-4756-BC24-29CF25AA15D6}" dt="2018-12-10T19:01:59.884" v="427" actId="113"/>
+        <pc:sldMkLst>
+          <pc:docMk/>
+          <pc:sldMk cId="3611312546" sldId="267"/>
+        </pc:sldMkLst>
+        <pc:spChg chg="mod">
+          <ac:chgData name="Sydney M. Brougham" userId="99508f2f-4f07-4f44-838b-2989069a5a78" providerId="ADAL" clId="{2A3D0CAB-CF98-4756-BC24-29CF25AA15D6}" dt="2018-12-10T19:01:59.884" v="427" actId="113"/>
+          <ac:spMkLst>
+            <pc:docMk/>
+            <pc:sldMk cId="3611312546" sldId="267"/>
+            <ac:spMk id="3" creationId="{6E64D0F3-B8F8-42C1-AA0D-CA97102EF45C}"/>
+          </ac:spMkLst>
+        </pc:spChg>
+      </pc:sldChg>
+      <pc:sldChg chg="addSp delSp modSp mod setBg setClrOvrMap">
+        <pc:chgData name="Sydney M. Brougham" userId="99508f2f-4f07-4f44-838b-2989069a5a78" providerId="ADAL" clId="{2A3D0CAB-CF98-4756-BC24-29CF25AA15D6}" dt="2018-12-11T20:03:21.055" v="518" actId="1076"/>
+        <pc:sldMkLst>
+          <pc:docMk/>
+          <pc:sldMk cId="204303838" sldId="268"/>
+        </pc:sldMkLst>
+        <pc:spChg chg="mod">
+          <ac:chgData name="Sydney M. Brougham" userId="99508f2f-4f07-4f44-838b-2989069a5a78" providerId="ADAL" clId="{2A3D0CAB-CF98-4756-BC24-29CF25AA15D6}" dt="2018-12-11T20:01:35.005" v="507" actId="26606"/>
+          <ac:spMkLst>
+            <pc:docMk/>
+            <pc:sldMk cId="204303838" sldId="268"/>
+            <ac:spMk id="2" creationId="{345C708F-9ABA-394C-9D44-EC5AD4F6DD40}"/>
+          </ac:spMkLst>
+        </pc:spChg>
+        <pc:spChg chg="mod">
+          <ac:chgData name="Sydney M. Brougham" userId="99508f2f-4f07-4f44-838b-2989069a5a78" providerId="ADAL" clId="{2A3D0CAB-CF98-4756-BC24-29CF25AA15D6}" dt="2018-12-11T20:01:46.117" v="510" actId="1076"/>
+          <ac:spMkLst>
+            <pc:docMk/>
+            <pc:sldMk cId="204303838" sldId="268"/>
+            <ac:spMk id="3" creationId="{33E51D26-3E03-8B45-BE1F-7AE62CDAAD34}"/>
+          </ac:spMkLst>
+        </pc:spChg>
+        <pc:spChg chg="add del">
+          <ac:chgData name="Sydney M. Brougham" userId="99508f2f-4f07-4f44-838b-2989069a5a78" providerId="ADAL" clId="{2A3D0CAB-CF98-4756-BC24-29CF25AA15D6}" dt="2018-12-11T20:01:35.005" v="507" actId="26606"/>
+          <ac:spMkLst>
+            <pc:docMk/>
+            <pc:sldMk cId="204303838" sldId="268"/>
+            <ac:spMk id="13" creationId="{4AC0CD9D-7610-4620-93B4-798CCD9AB581}"/>
+          </ac:spMkLst>
+        </pc:spChg>
+        <pc:spChg chg="add del">
+          <ac:chgData name="Sydney M. Brougham" userId="99508f2f-4f07-4f44-838b-2989069a5a78" providerId="ADAL" clId="{2A3D0CAB-CF98-4756-BC24-29CF25AA15D6}" dt="2018-12-11T20:01:35.005" v="507" actId="26606"/>
+          <ac:spMkLst>
+            <pc:docMk/>
+            <pc:sldMk cId="204303838" sldId="268"/>
+            <ac:spMk id="19" creationId="{DE4D62F9-188E-4530-84C2-24BDEE4BEB82}"/>
+          </ac:spMkLst>
+        </pc:spChg>
+        <pc:spChg chg="add del">
+          <ac:chgData name="Sydney M. Brougham" userId="99508f2f-4f07-4f44-838b-2989069a5a78" providerId="ADAL" clId="{2A3D0CAB-CF98-4756-BC24-29CF25AA15D6}" dt="2018-12-11T20:01:35.005" v="507" actId="26606"/>
+          <ac:spMkLst>
+            <pc:docMk/>
+            <pc:sldMk cId="204303838" sldId="268"/>
+            <ac:spMk id="21" creationId="{D27CF008-4B18-436D-B2D5-C1346C12438E}"/>
+          </ac:spMkLst>
+        </pc:spChg>
+        <pc:spChg chg="add del">
+          <ac:chgData name="Sydney M. Brougham" userId="99508f2f-4f07-4f44-838b-2989069a5a78" providerId="ADAL" clId="{2A3D0CAB-CF98-4756-BC24-29CF25AA15D6}" dt="2018-12-11T20:01:35.005" v="507" actId="26606"/>
+          <ac:spMkLst>
+            <pc:docMk/>
+            <pc:sldMk cId="204303838" sldId="268"/>
+            <ac:spMk id="23" creationId="{CE22DAD8-5F67-4B73-ADA9-06EF381F7AD6}"/>
+          </ac:spMkLst>
+        </pc:spChg>
+        <pc:spChg chg="add del">
+          <ac:chgData name="Sydney M. Brougham" userId="99508f2f-4f07-4f44-838b-2989069a5a78" providerId="ADAL" clId="{2A3D0CAB-CF98-4756-BC24-29CF25AA15D6}" dt="2018-12-11T20:01:35.005" v="507" actId="26606"/>
+          <ac:spMkLst>
+            <pc:docMk/>
+            <pc:sldMk cId="204303838" sldId="268"/>
+            <ac:spMk id="25" creationId="{E4F17063-EDA4-417B-946F-BA357F3B390D}"/>
+          </ac:spMkLst>
+        </pc:spChg>
+        <pc:spChg chg="add del">
+          <ac:chgData name="Sydney M. Brougham" userId="99508f2f-4f07-4f44-838b-2989069a5a78" providerId="ADAL" clId="{2A3D0CAB-CF98-4756-BC24-29CF25AA15D6}" dt="2018-12-11T20:01:35.005" v="507" actId="26606"/>
+          <ac:spMkLst>
+            <pc:docMk/>
+            <pc:sldMk cId="204303838" sldId="268"/>
+            <ac:spMk id="27" creationId="{D36F3EEA-55D4-4677-80E7-92D00B8F343B}"/>
+          </ac:spMkLst>
+        </pc:spChg>
+        <pc:spChg chg="add del">
+          <ac:chgData name="Sydney M. Brougham" userId="99508f2f-4f07-4f44-838b-2989069a5a78" providerId="ADAL" clId="{2A3D0CAB-CF98-4756-BC24-29CF25AA15D6}" dt="2018-12-11T20:01:32.964" v="506" actId="26606"/>
+          <ac:spMkLst>
+            <pc:docMk/>
+            <pc:sldMk cId="204303838" sldId="268"/>
+            <ac:spMk id="36" creationId="{4AC0CD9D-7610-4620-93B4-798CCD9AB581}"/>
+          </ac:spMkLst>
+        </pc:spChg>
+        <pc:spChg chg="add del">
+          <ac:chgData name="Sydney M. Brougham" userId="99508f2f-4f07-4f44-838b-2989069a5a78" providerId="ADAL" clId="{2A3D0CAB-CF98-4756-BC24-29CF25AA15D6}" dt="2018-12-11T20:01:32.964" v="506" actId="26606"/>
+          <ac:spMkLst>
+            <pc:docMk/>
+            <pc:sldMk cId="204303838" sldId="268"/>
+            <ac:spMk id="42" creationId="{DE4D62F9-188E-4530-84C2-24BDEE4BEB82}"/>
+          </ac:spMkLst>
+        </pc:spChg>
+        <pc:spChg chg="add del">
+          <ac:chgData name="Sydney M. Brougham" userId="99508f2f-4f07-4f44-838b-2989069a5a78" providerId="ADAL" clId="{2A3D0CAB-CF98-4756-BC24-29CF25AA15D6}" dt="2018-12-11T20:01:32.964" v="506" actId="26606"/>
+          <ac:spMkLst>
+            <pc:docMk/>
+            <pc:sldMk cId="204303838" sldId="268"/>
+            <ac:spMk id="44" creationId="{757B325C-3E35-45CF-9D07-3BCB281F3B9C}"/>
+          </ac:spMkLst>
+        </pc:spChg>
+        <pc:spChg chg="add del">
+          <ac:chgData name="Sydney M. Brougham" userId="99508f2f-4f07-4f44-838b-2989069a5a78" providerId="ADAL" clId="{2A3D0CAB-CF98-4756-BC24-29CF25AA15D6}" dt="2018-12-11T20:01:32.964" v="506" actId="26606"/>
+          <ac:spMkLst>
+            <pc:docMk/>
+            <pc:sldMk cId="204303838" sldId="268"/>
+            <ac:spMk id="46" creationId="{C24BEC42-AFF3-40D1-93A2-A27A42E1E23C}"/>
+          </ac:spMkLst>
+        </pc:spChg>
+        <pc:spChg chg="add del">
+          <ac:chgData name="Sydney M. Brougham" userId="99508f2f-4f07-4f44-838b-2989069a5a78" providerId="ADAL" clId="{2A3D0CAB-CF98-4756-BC24-29CF25AA15D6}" dt="2018-12-11T20:01:32.964" v="506" actId="26606"/>
+          <ac:spMkLst>
+            <pc:docMk/>
+            <pc:sldMk cId="204303838" sldId="268"/>
+            <ac:spMk id="48" creationId="{608F427C-1EC9-4280-9367-F2B3AA063E82}"/>
+          </ac:spMkLst>
+        </pc:spChg>
+        <pc:spChg chg="add del">
+          <ac:chgData name="Sydney M. Brougham" userId="99508f2f-4f07-4f44-838b-2989069a5a78" providerId="ADAL" clId="{2A3D0CAB-CF98-4756-BC24-29CF25AA15D6}" dt="2018-12-11T20:01:32.964" v="506" actId="26606"/>
+          <ac:spMkLst>
+            <pc:docMk/>
+            <pc:sldMk cId="204303838" sldId="268"/>
+            <ac:spMk id="50" creationId="{F98810A7-E114-447A-A7D6-69B27CFB5650}"/>
+          </ac:spMkLst>
+        </pc:spChg>
+        <pc:picChg chg="add del mod ord">
+          <ac:chgData name="Sydney M. Brougham" userId="99508f2f-4f07-4f44-838b-2989069a5a78" providerId="ADAL" clId="{2A3D0CAB-CF98-4756-BC24-29CF25AA15D6}" dt="2018-12-11T20:01:58.092" v="512" actId="478"/>
+          <ac:picMkLst>
+            <pc:docMk/>
+            <pc:sldMk cId="204303838" sldId="268"/>
+            <ac:picMk id="4" creationId="{5D635FB7-BA01-4AFA-849F-A8883B2297E3}"/>
+          </ac:picMkLst>
+        </pc:picChg>
+        <pc:picChg chg="add del mod">
+          <ac:chgData name="Sydney M. Brougham" userId="99508f2f-4f07-4f44-838b-2989069a5a78" providerId="ADAL" clId="{2A3D0CAB-CF98-4756-BC24-29CF25AA15D6}" dt="2018-12-10T18:02:34.674" v="34" actId="478"/>
+          <ac:picMkLst>
+            <pc:docMk/>
+            <pc:sldMk cId="204303838" sldId="268"/>
+            <ac:picMk id="4" creationId="{B6DD79B2-D10D-49E6-96D9-6DA750D35EE3}"/>
+          </ac:picMkLst>
+        </pc:picChg>
+        <pc:picChg chg="add del mod">
+          <ac:chgData name="Sydney M. Brougham" userId="99508f2f-4f07-4f44-838b-2989069a5a78" providerId="ADAL" clId="{2A3D0CAB-CF98-4756-BC24-29CF25AA15D6}" dt="2018-12-11T20:00:45.617" v="502" actId="478"/>
+          <ac:picMkLst>
+            <pc:docMk/>
+            <pc:sldMk cId="204303838" sldId="268"/>
+            <ac:picMk id="5" creationId="{3C36DC3E-9D2D-4779-B392-C7C806950C51}"/>
+          </ac:picMkLst>
+        </pc:picChg>
+        <pc:picChg chg="add mod">
+          <ac:chgData name="Sydney M. Brougham" userId="99508f2f-4f07-4f44-838b-2989069a5a78" providerId="ADAL" clId="{2A3D0CAB-CF98-4756-BC24-29CF25AA15D6}" dt="2018-12-11T20:03:21.055" v="518" actId="1076"/>
+          <ac:picMkLst>
+            <pc:docMk/>
+            <pc:sldMk cId="204303838" sldId="268"/>
+            <ac:picMk id="6" creationId="{31AB83EB-30DA-49D8-A42B-A0AC07DE336A}"/>
+          </ac:picMkLst>
+        </pc:picChg>
+        <pc:picChg chg="add del">
+          <ac:chgData name="Sydney M. Brougham" userId="99508f2f-4f07-4f44-838b-2989069a5a78" providerId="ADAL" clId="{2A3D0CAB-CF98-4756-BC24-29CF25AA15D6}" dt="2018-12-11T20:01:35.005" v="507" actId="26606"/>
+          <ac:picMkLst>
+            <pc:docMk/>
+            <pc:sldMk cId="204303838" sldId="268"/>
+            <ac:picMk id="9" creationId="{41B68C77-138E-4BF7-A276-BD0C78A4219F}"/>
+          </ac:picMkLst>
+        </pc:picChg>
+        <pc:picChg chg="add del">
+          <ac:chgData name="Sydney M. Brougham" userId="99508f2f-4f07-4f44-838b-2989069a5a78" providerId="ADAL" clId="{2A3D0CAB-CF98-4756-BC24-29CF25AA15D6}" dt="2018-12-11T20:01:35.005" v="507" actId="26606"/>
+          <ac:picMkLst>
+            <pc:docMk/>
+            <pc:sldMk cId="204303838" sldId="268"/>
+            <ac:picMk id="11" creationId="{7C268552-D473-46ED-B1B8-422042C4DEF1}"/>
+          </ac:picMkLst>
+        </pc:picChg>
+        <pc:picChg chg="add del">
+          <ac:chgData name="Sydney M. Brougham" userId="99508f2f-4f07-4f44-838b-2989069a5a78" providerId="ADAL" clId="{2A3D0CAB-CF98-4756-BC24-29CF25AA15D6}" dt="2018-12-11T20:01:35.005" v="507" actId="26606"/>
+          <ac:picMkLst>
+            <pc:docMk/>
+            <pc:sldMk cId="204303838" sldId="268"/>
+            <ac:picMk id="15" creationId="{B9238B3E-24AA-439A-B527-6C5DF6D72145}"/>
+          </ac:picMkLst>
+        </pc:picChg>
+        <pc:picChg chg="add del">
+          <ac:chgData name="Sydney M. Brougham" userId="99508f2f-4f07-4f44-838b-2989069a5a78" providerId="ADAL" clId="{2A3D0CAB-CF98-4756-BC24-29CF25AA15D6}" dt="2018-12-11T20:01:35.005" v="507" actId="26606"/>
+          <ac:picMkLst>
+            <pc:docMk/>
+            <pc:sldMk cId="204303838" sldId="268"/>
+            <ac:picMk id="17" creationId="{69F01145-BEA3-4CBF-AA21-10077B948CA8}"/>
+          </ac:picMkLst>
+        </pc:picChg>
+        <pc:picChg chg="add del">
+          <ac:chgData name="Sydney M. Brougham" userId="99508f2f-4f07-4f44-838b-2989069a5a78" providerId="ADAL" clId="{2A3D0CAB-CF98-4756-BC24-29CF25AA15D6}" dt="2018-12-11T20:01:32.964" v="506" actId="26606"/>
+          <ac:picMkLst>
+            <pc:docMk/>
+            <pc:sldMk cId="204303838" sldId="268"/>
+            <ac:picMk id="32" creationId="{41B68C77-138E-4BF7-A276-BD0C78A4219F}"/>
+          </ac:picMkLst>
+        </pc:picChg>
+        <pc:picChg chg="add del">
+          <ac:chgData name="Sydney M. Brougham" userId="99508f2f-4f07-4f44-838b-2989069a5a78" providerId="ADAL" clId="{2A3D0CAB-CF98-4756-BC24-29CF25AA15D6}" dt="2018-12-11T20:01:32.964" v="506" actId="26606"/>
+          <ac:picMkLst>
+            <pc:docMk/>
+            <pc:sldMk cId="204303838" sldId="268"/>
+            <ac:picMk id="34" creationId="{7C268552-D473-46ED-B1B8-422042C4DEF1}"/>
+          </ac:picMkLst>
+        </pc:picChg>
+        <pc:picChg chg="add del">
+          <ac:chgData name="Sydney M. Brougham" userId="99508f2f-4f07-4f44-838b-2989069a5a78" providerId="ADAL" clId="{2A3D0CAB-CF98-4756-BC24-29CF25AA15D6}" dt="2018-12-11T20:01:32.964" v="506" actId="26606"/>
+          <ac:picMkLst>
+            <pc:docMk/>
+            <pc:sldMk cId="204303838" sldId="268"/>
+            <ac:picMk id="38" creationId="{B9238B3E-24AA-439A-B527-6C5DF6D72145}"/>
+          </ac:picMkLst>
+        </pc:picChg>
+        <pc:picChg chg="add del">
+          <ac:chgData name="Sydney M. Brougham" userId="99508f2f-4f07-4f44-838b-2989069a5a78" providerId="ADAL" clId="{2A3D0CAB-CF98-4756-BC24-29CF25AA15D6}" dt="2018-12-11T20:01:32.964" v="506" actId="26606"/>
+          <ac:picMkLst>
+            <pc:docMk/>
+            <pc:sldMk cId="204303838" sldId="268"/>
+            <ac:picMk id="40" creationId="{69F01145-BEA3-4CBF-AA21-10077B948CA8}"/>
+          </ac:picMkLst>
+        </pc:picChg>
+      </pc:sldChg>
+      <pc:sldChg chg="addSp delSp modSp modNotesTx">
+        <pc:chgData name="Sydney M. Brougham" userId="99508f2f-4f07-4f44-838b-2989069a5a78" providerId="ADAL" clId="{2A3D0CAB-CF98-4756-BC24-29CF25AA15D6}" dt="2018-12-11T21:28:00.119" v="728" actId="20577"/>
+        <pc:sldMkLst>
+          <pc:docMk/>
+          <pc:sldMk cId="1778679045" sldId="269"/>
+        </pc:sldMkLst>
+        <pc:spChg chg="mod">
+          <ac:chgData name="Sydney M. Brougham" userId="99508f2f-4f07-4f44-838b-2989069a5a78" providerId="ADAL" clId="{2A3D0CAB-CF98-4756-BC24-29CF25AA15D6}" dt="2018-12-11T21:28:00.119" v="728" actId="20577"/>
+          <ac:spMkLst>
+            <pc:docMk/>
+            <pc:sldMk cId="1778679045" sldId="269"/>
+            <ac:spMk id="2" creationId="{968519A2-FDA0-4805-A342-CE4FF3887A25}"/>
+          </ac:spMkLst>
+        </pc:spChg>
+        <pc:spChg chg="del">
+          <ac:chgData name="Sydney M. Brougham" userId="99508f2f-4f07-4f44-838b-2989069a5a78" providerId="ADAL" clId="{2A3D0CAB-CF98-4756-BC24-29CF25AA15D6}" dt="2018-12-11T21:21:29.717" v="610" actId="931"/>
+          <ac:spMkLst>
+            <pc:docMk/>
+            <pc:sldMk cId="1778679045" sldId="269"/>
+            <ac:spMk id="3" creationId="{93964C14-C80C-4D51-B64B-8FC23728BBB5}"/>
+          </ac:spMkLst>
+        </pc:spChg>
+        <pc:spChg chg="add del">
+          <ac:chgData name="Sydney M. Brougham" userId="99508f2f-4f07-4f44-838b-2989069a5a78" providerId="ADAL" clId="{2A3D0CAB-CF98-4756-BC24-29CF25AA15D6}" dt="2018-12-11T21:19:47.004" v="609" actId="478"/>
+          <ac:spMkLst>
+            <pc:docMk/>
+            <pc:sldMk cId="1778679045" sldId="269"/>
+            <ac:spMk id="4" creationId="{F4CE7F95-33A1-442E-A31C-1BF72B21B964}"/>
+          </ac:spMkLst>
+        </pc:spChg>
+        <pc:spChg chg="add del">
+          <ac:chgData name="Sydney M. Brougham" userId="99508f2f-4f07-4f44-838b-2989069a5a78" providerId="ADAL" clId="{2A3D0CAB-CF98-4756-BC24-29CF25AA15D6}" dt="2018-12-11T21:19:47.004" v="609" actId="478"/>
+          <ac:spMkLst>
+            <pc:docMk/>
+            <pc:sldMk cId="1778679045" sldId="269"/>
+            <ac:spMk id="5" creationId="{FCFE65C0-AA65-4A53-A46C-75B8A38C7A95}"/>
+          </ac:spMkLst>
+        </pc:spChg>
+        <pc:picChg chg="add mod">
+          <ac:chgData name="Sydney M. Brougham" userId="99508f2f-4f07-4f44-838b-2989069a5a78" providerId="ADAL" clId="{2A3D0CAB-CF98-4756-BC24-29CF25AA15D6}" dt="2018-12-11T21:21:34.115" v="612" actId="27614"/>
+          <ac:picMkLst>
+            <pc:docMk/>
+            <pc:sldMk cId="1778679045" sldId="269"/>
+            <ac:picMk id="7" creationId="{35D07031-F9C7-4095-A28E-EA3986C7F3D6}"/>
+          </ac:picMkLst>
+        </pc:picChg>
+        <pc:picChg chg="add del mod">
+          <ac:chgData name="Sydney M. Brougham" userId="99508f2f-4f07-4f44-838b-2989069a5a78" providerId="ADAL" clId="{2A3D0CAB-CF98-4756-BC24-29CF25AA15D6}" dt="2018-12-11T21:22:00.659" v="615" actId="478"/>
+          <ac:picMkLst>
+            <pc:docMk/>
+            <pc:sldMk cId="1778679045" sldId="269"/>
+            <ac:picMk id="8" creationId="{42DB269A-7BA1-4EE3-BC8B-B492E94CF787}"/>
+          </ac:picMkLst>
+        </pc:picChg>
+        <pc:picChg chg="add mod">
+          <ac:chgData name="Sydney M. Brougham" userId="99508f2f-4f07-4f44-838b-2989069a5a78" providerId="ADAL" clId="{2A3D0CAB-CF98-4756-BC24-29CF25AA15D6}" dt="2018-12-11T21:22:27.682" v="619" actId="1076"/>
+          <ac:picMkLst>
+            <pc:docMk/>
+            <pc:sldMk cId="1778679045" sldId="269"/>
+            <ac:picMk id="9" creationId="{1147D4A3-467C-4737-8141-235D2473C405}"/>
+          </ac:picMkLst>
+        </pc:picChg>
+      </pc:sldChg>
+    </pc:docChg>
+  </pc:docChgLst>
+  <pc:docChgLst>
+    <pc:chgData name="Sydney M. Brougham" userId="99508f2f-4f07-4f44-838b-2989069a5a78" providerId="ADAL" clId="{DFE7AC6B-FC58-4583-9514-B4B48557894A}"/>
+    <pc:docChg chg="custSel modSld">
+      <pc:chgData name="Sydney M. Brougham" userId="99508f2f-4f07-4f44-838b-2989069a5a78" providerId="ADAL" clId="{DFE7AC6B-FC58-4583-9514-B4B48557894A}" dt="2018-12-12T21:42:45.452" v="127" actId="1076"/>
+      <pc:docMkLst>
+        <pc:docMk/>
+      </pc:docMkLst>
+      <pc:sldChg chg="modSp">
+        <pc:chgData name="Sydney M. Brougham" userId="99508f2f-4f07-4f44-838b-2989069a5a78" providerId="ADAL" clId="{DFE7AC6B-FC58-4583-9514-B4B48557894A}" dt="2018-12-12T18:53:07.570" v="21" actId="20577"/>
+        <pc:sldMkLst>
+          <pc:docMk/>
+          <pc:sldMk cId="3606645971" sldId="266"/>
+        </pc:sldMkLst>
+        <pc:spChg chg="mod">
+          <ac:chgData name="Sydney M. Brougham" userId="99508f2f-4f07-4f44-838b-2989069a5a78" providerId="ADAL" clId="{DFE7AC6B-FC58-4583-9514-B4B48557894A}" dt="2018-12-12T18:53:07.570" v="21" actId="20577"/>
+          <ac:spMkLst>
+            <pc:docMk/>
+            <pc:sldMk cId="3606645971" sldId="266"/>
+            <ac:spMk id="3" creationId="{117C98C0-53DE-45AF-B4E8-AEF4EB6031DC}"/>
+          </ac:spMkLst>
+        </pc:spChg>
+      </pc:sldChg>
+      <pc:sldChg chg="addSp delSp modSp">
+        <pc:chgData name="Sydney M. Brougham" userId="99508f2f-4f07-4f44-838b-2989069a5a78" providerId="ADAL" clId="{DFE7AC6B-FC58-4583-9514-B4B48557894A}" dt="2018-12-12T21:42:45.452" v="127" actId="1076"/>
+        <pc:sldMkLst>
+          <pc:docMk/>
+          <pc:sldMk cId="1778679045" sldId="269"/>
+        </pc:sldMkLst>
+        <pc:spChg chg="add mod">
+          <ac:chgData name="Sydney M. Brougham" userId="99508f2f-4f07-4f44-838b-2989069a5a78" providerId="ADAL" clId="{DFE7AC6B-FC58-4583-9514-B4B48557894A}" dt="2018-12-12T21:42:45.452" v="127" actId="1076"/>
+          <ac:spMkLst>
+            <pc:docMk/>
+            <pc:sldMk cId="1778679045" sldId="269"/>
+            <ac:spMk id="4" creationId="{F3B56569-6F55-4C4B-A618-08B3DB3A3908}"/>
+          </ac:spMkLst>
+        </pc:spChg>
+        <pc:picChg chg="add del mod">
+          <ac:chgData name="Sydney M. Brougham" userId="99508f2f-4f07-4f44-838b-2989069a5a78" providerId="ADAL" clId="{DFE7AC6B-FC58-4583-9514-B4B48557894A}" dt="2018-12-12T21:41:59.749" v="123" actId="478"/>
+          <ac:picMkLst>
+            <pc:docMk/>
+            <pc:sldMk cId="1778679045" sldId="269"/>
+            <ac:picMk id="3" creationId="{C297F75B-59FF-4C07-A8A3-5AA86F0B944D}"/>
+          </ac:picMkLst>
+        </pc:picChg>
+        <pc:picChg chg="mod">
+          <ac:chgData name="Sydney M. Brougham" userId="99508f2f-4f07-4f44-838b-2989069a5a78" providerId="ADAL" clId="{DFE7AC6B-FC58-4583-9514-B4B48557894A}" dt="2018-12-12T21:42:40.285" v="126" actId="14100"/>
+          <ac:picMkLst>
+            <pc:docMk/>
+            <pc:sldMk cId="1778679045" sldId="269"/>
+            <ac:picMk id="7" creationId="{35D07031-F9C7-4095-A28E-EA3986C7F3D6}"/>
+          </ac:picMkLst>
+        </pc:picChg>
+        <pc:picChg chg="mod">
+          <ac:chgData name="Sydney M. Brougham" userId="99508f2f-4f07-4f44-838b-2989069a5a78" providerId="ADAL" clId="{DFE7AC6B-FC58-4583-9514-B4B48557894A}" dt="2018-12-12T21:42:40.285" v="126" actId="14100"/>
+          <ac:picMkLst>
+            <pc:docMk/>
+            <pc:sldMk cId="1778679045" sldId="269"/>
+            <ac:picMk id="9" creationId="{1147D4A3-467C-4737-8141-235D2473C405}"/>
+          </ac:picMkLst>
+        </pc:picChg>
+      </pc:sldChg>
+    </pc:docChg>
+  </pc:docChgLst>
+  <pc:docChgLst>
+    <pc:chgData name="Sydney M. Brougham" userId="S::broughas@mail.gvsu.edu::99508f2f-4f07-4f44-838b-2989069a5a78" providerId="AD" clId="Web-{7148A973-8103-B84F-985D-E8089D04DE43}"/>
+    <pc:docChg chg="modSld">
+      <pc:chgData name="Sydney M. Brougham" userId="S::broughas@mail.gvsu.edu::99508f2f-4f07-4f44-838b-2989069a5a78" providerId="AD" clId="Web-{7148A973-8103-B84F-985D-E8089D04DE43}" dt="2018-12-10T19:34:22.806" v="73" actId="20577"/>
+      <pc:docMkLst>
+        <pc:docMk/>
+      </pc:docMkLst>
+      <pc:sldChg chg="modSp">
+        <pc:chgData name="Sydney M. Brougham" userId="S::broughas@mail.gvsu.edu::99508f2f-4f07-4f44-838b-2989069a5a78" providerId="AD" clId="Web-{7148A973-8103-B84F-985D-E8089D04DE43}" dt="2018-12-10T19:34:22.806" v="72" actId="20577"/>
+        <pc:sldMkLst>
+          <pc:docMk/>
+          <pc:sldMk cId="3606645971" sldId="266"/>
+        </pc:sldMkLst>
+        <pc:spChg chg="mod">
+          <ac:chgData name="Sydney M. Brougham" userId="S::broughas@mail.gvsu.edu::99508f2f-4f07-4f44-838b-2989069a5a78" providerId="AD" clId="Web-{7148A973-8103-B84F-985D-E8089D04DE43}" dt="2018-12-10T19:34:22.806" v="72" actId="20577"/>
+          <ac:spMkLst>
+            <pc:docMk/>
+            <pc:sldMk cId="3606645971" sldId="266"/>
+            <ac:spMk id="3" creationId="{117C98C0-53DE-45AF-B4E8-AEF4EB6031DC}"/>
+          </ac:spMkLst>
+        </pc:spChg>
+      </pc:sldChg>
+    </pc:docChg>
+  </pc:docChgLst>
+</pc:chgInfo>
+</file>
+
+<file path=ppt/notesMasters/notesMaster1.xml><?xml version="1.0" encoding="utf-8"?>
+<p:notesMaster xmlns:a="http://schemas.openxmlformats.org/drawingml/2006/main" xmlns:r="http://schemas.openxmlformats.org/officeDocument/2006/relationships" xmlns:p="http://schemas.openxmlformats.org/presentationml/2006/main">
+  <p:cSld>
+    <p:bg>
+      <p:bgRef idx="1001">
+        <a:schemeClr val="bg1"/>
+      </p:bgRef>
+    </p:bg>
+    <p:spTree>
+      <p:nvGrpSpPr>
+        <p:cNvPr id="1" name=""/>
+        <p:cNvGrpSpPr/>
+        <p:nvPr/>
+      </p:nvGrpSpPr>
+      <p:grpSpPr>
+        <a:xfrm>
+          <a:off x="0" y="0"/>
+          <a:ext cx="0" cy="0"/>
+          <a:chOff x="0" y="0"/>
+          <a:chExt cx="0" cy="0"/>
+        </a:xfrm>
+      </p:grpSpPr>
+      <p:sp>
+        <p:nvSpPr>
+          <p:cNvPr id="2" name="Header Placeholder 1"/>
+          <p:cNvSpPr>
+            <a:spLocks noGrp="1"/>
+          </p:cNvSpPr>
+          <p:nvPr>
+            <p:ph type="hdr" sz="quarter"/>
+          </p:nvPr>
+        </p:nvSpPr>
+        <p:spPr>
+          <a:xfrm>
+            <a:off x="0" y="0"/>
+            <a:ext cx="2971800" cy="458788"/>
+          </a:xfrm>
+          <a:prstGeom prst="rect">
+            <a:avLst/>
+          </a:prstGeom>
+        </p:spPr>
+        <p:txBody>
+          <a:bodyPr vert="horz" lIns="91440" tIns="45720" rIns="91440" bIns="45720" rtlCol="0"/>
+          <a:lstStyle>
+            <a:lvl1pPr algn="l">
+              <a:defRPr sz="1200"/>
+            </a:lvl1pPr>
+          </a:lstStyle>
+          <a:p>
+            <a:endParaRPr lang="en-US"/>
+          </a:p>
+        </p:txBody>
+      </p:sp>
+      <p:sp>
+        <p:nvSpPr>
+          <p:cNvPr id="3" name="Date Placeholder 2"/>
+          <p:cNvSpPr>
+            <a:spLocks noGrp="1"/>
+          </p:cNvSpPr>
+          <p:nvPr>
+            <p:ph type="dt" idx="1"/>
+          </p:nvPr>
+        </p:nvSpPr>
+        <p:spPr>
+          <a:xfrm>
+            <a:off x="3884613" y="0"/>
+            <a:ext cx="2971800" cy="458788"/>
+          </a:xfrm>
+          <a:prstGeom prst="rect">
+            <a:avLst/>
+          </a:prstGeom>
+        </p:spPr>
+        <p:txBody>
+          <a:bodyPr vert="horz" lIns="91440" tIns="45720" rIns="91440" bIns="45720" rtlCol="0"/>
+          <a:lstStyle>
+            <a:lvl1pPr algn="r">
+              <a:defRPr sz="1200"/>
+            </a:lvl1pPr>
+          </a:lstStyle>
+          <a:p>
+            <a:fld id="{9BA66D86-E006-4282-B56B-4CF604369963}" type="datetimeFigureOut">
+              <a:rPr lang="en-US" smtClean="0"/>
+              <a:t>12/12/18</a:t>
+            </a:fld>
+            <a:endParaRPr lang="en-US"/>
+          </a:p>
+        </p:txBody>
+      </p:sp>
+      <p:sp>
+        <p:nvSpPr>
+          <p:cNvPr id="4" name="Slide Image Placeholder 3"/>
+          <p:cNvSpPr>
+            <a:spLocks noGrp="1" noRot="1" noChangeAspect="1"/>
+          </p:cNvSpPr>
+          <p:nvPr>
+            <p:ph type="sldImg" idx="2"/>
+          </p:nvPr>
+        </p:nvSpPr>
+        <p:spPr>
+          <a:xfrm>
+            <a:off x="685800" y="1143000"/>
+            <a:ext cx="5486400" cy="3086100"/>
+          </a:xfrm>
+          <a:prstGeom prst="rect">
+            <a:avLst/>
+          </a:prstGeom>
+          <a:noFill/>
+          <a:ln w="12700">
+            <a:solidFill>
+              <a:prstClr val="black"/>
+            </a:solidFill>
+          </a:ln>
+        </p:spPr>
+        <p:txBody>
+          <a:bodyPr vert="horz" lIns="91440" tIns="45720" rIns="91440" bIns="45720" rtlCol="0" anchor="ctr"/>
+          <a:lstStyle/>
+          <a:p>
+            <a:endParaRPr lang="en-US"/>
+          </a:p>
+        </p:txBody>
+      </p:sp>
+      <p:sp>
+        <p:nvSpPr>
+          <p:cNvPr id="5" name="Notes Placeholder 4"/>
+          <p:cNvSpPr>
+            <a:spLocks noGrp="1"/>
+          </p:cNvSpPr>
+          <p:nvPr>
+            <p:ph type="body" sz="quarter" idx="3"/>
+          </p:nvPr>
+        </p:nvSpPr>
+        <p:spPr>
+          <a:xfrm>
+            <a:off x="685800" y="4400550"/>
+            <a:ext cx="5486400" cy="3600450"/>
+          </a:xfrm>
+          <a:prstGeom prst="rect">
+            <a:avLst/>
+          </a:prstGeom>
+        </p:spPr>
+        <p:txBody>
+          <a:bodyPr vert="horz" lIns="91440" tIns="45720" rIns="91440" bIns="45720" rtlCol="0"/>
+          <a:lstStyle/>
+          <a:p>
+            <a:pPr lvl="0"/>
+            <a:r>
+              <a:rPr lang="en-US"/>
+              <a:t>Edit Master text styles</a:t>
+            </a:r>
+          </a:p>
+          <a:p>
+            <a:pPr lvl="1"/>
+            <a:r>
+              <a:rPr lang="en-US"/>
+              <a:t>Second level</a:t>
+            </a:r>
+          </a:p>
+          <a:p>
+            <a:pPr lvl="2"/>
+            <a:r>
+              <a:rPr lang="en-US"/>
+              <a:t>Third level</a:t>
+            </a:r>
+          </a:p>
+          <a:p>
+            <a:pPr lvl="3"/>
+            <a:r>
+              <a:rPr lang="en-US"/>
+              <a:t>Fourth level</a:t>
+            </a:r>
+          </a:p>
+          <a:p>
+            <a:pPr lvl="4"/>
+            <a:r>
+              <a:rPr lang="en-US"/>
+              <a:t>Fifth level</a:t>
+            </a:r>
+          </a:p>
+        </p:txBody>
+      </p:sp>
+      <p:sp>
+        <p:nvSpPr>
+          <p:cNvPr id="6" name="Footer Placeholder 5"/>
+          <p:cNvSpPr>
+            <a:spLocks noGrp="1"/>
+          </p:cNvSpPr>
+          <p:nvPr>
+            <p:ph type="ftr" sz="quarter" idx="4"/>
+          </p:nvPr>
+        </p:nvSpPr>
+        <p:spPr>
+          <a:xfrm>
+            <a:off x="0" y="8685213"/>
+            <a:ext cx="2971800" cy="458787"/>
+          </a:xfrm>
+          <a:prstGeom prst="rect">
+            <a:avLst/>
+          </a:prstGeom>
+        </p:spPr>
+        <p:txBody>
+          <a:bodyPr vert="horz" lIns="91440" tIns="45720" rIns="91440" bIns="45720" rtlCol="0" anchor="b"/>
+          <a:lstStyle>
+            <a:lvl1pPr algn="l">
+              <a:defRPr sz="1200"/>
+            </a:lvl1pPr>
+          </a:lstStyle>
+          <a:p>
+            <a:endParaRPr lang="en-US"/>
+          </a:p>
+        </p:txBody>
+      </p:sp>
+      <p:sp>
+        <p:nvSpPr>
+          <p:cNvPr id="7" name="Slide Number Placeholder 6"/>
+          <p:cNvSpPr>
+            <a:spLocks noGrp="1"/>
+          </p:cNvSpPr>
+          <p:nvPr>
+            <p:ph type="sldNum" sz="quarter" idx="5"/>
+          </p:nvPr>
+        </p:nvSpPr>
+        <p:spPr>
+          <a:xfrm>
+            <a:off x="3884613" y="8685213"/>
+            <a:ext cx="2971800" cy="458787"/>
+          </a:xfrm>
+          <a:prstGeom prst="rect">
+            <a:avLst/>
+          </a:prstGeom>
+        </p:spPr>
+        <p:txBody>
+          <a:bodyPr vert="horz" lIns="91440" tIns="45720" rIns="91440" bIns="45720" rtlCol="0" anchor="b"/>
+          <a:lstStyle>
+            <a:lvl1pPr algn="r">
+              <a:defRPr sz="1200"/>
+            </a:lvl1pPr>
+          </a:lstStyle>
+          <a:p>
+            <a:fld id="{6378D28E-2F6D-4603-817C-4AD1E7A55A47}" type="slidenum">
+              <a:rPr lang="en-US" smtClean="0"/>
+              <a:t>‹#›</a:t>
+            </a:fld>
+            <a:endParaRPr lang="en-US"/>
+          </a:p>
+        </p:txBody>
+      </p:sp>
+    </p:spTree>
+    <p:extLst>
+      <p:ext uri="{BB962C8B-B14F-4D97-AF65-F5344CB8AC3E}">
+        <p14:creationId xmlns:p14="http://schemas.microsoft.com/office/powerpoint/2010/main" val="2287423051"/>
+      </p:ext>
+    </p:extLst>
+  </p:cSld>
+  <p:clrMap bg1="lt1" tx1="dk1" bg2="lt2" tx2="dk2" accent1="accent1" accent2="accent2" accent3="accent3" accent4="accent4" accent5="accent5" accent6="accent6" hlink="hlink" folHlink="folHlink"/>
+  <p:notesStyle>
+    <a:lvl1pPr marL="0" algn="l" defTabSz="914400" rtl="0" eaLnBrk="1" latinLnBrk="0" hangingPunct="1">
+      <a:defRPr sz="1200" kern="1200">
+        <a:solidFill>
+          <a:schemeClr val="tx1"/>
+        </a:solidFill>
+        <a:latin typeface="+mn-lt"/>
+        <a:ea typeface="+mn-ea"/>
+        <a:cs typeface="+mn-cs"/>
+      </a:defRPr>
+    </a:lvl1pPr>
+    <a:lvl2pPr marL="457200" algn="l" defTabSz="914400" rtl="0" eaLnBrk="1" latinLnBrk="0" hangingPunct="1">
+      <a:defRPr sz="1200" kern="1200">
+        <a:solidFill>
+          <a:schemeClr val="tx1"/>
+        </a:solidFill>
+        <a:latin typeface="+mn-lt"/>
+        <a:ea typeface="+mn-ea"/>
+        <a:cs typeface="+mn-cs"/>
+      </a:defRPr>
+    </a:lvl2pPr>
+    <a:lvl3pPr marL="914400" algn="l" defTabSz="914400" rtl="0" eaLnBrk="1" latinLnBrk="0" hangingPunct="1">
+      <a:defRPr sz="1200" kern="1200">
+        <a:solidFill>
+          <a:schemeClr val="tx1"/>
+        </a:solidFill>
+        <a:latin typeface="+mn-lt"/>
+        <a:ea typeface="+mn-ea"/>
+        <a:cs typeface="+mn-cs"/>
+      </a:defRPr>
+    </a:lvl3pPr>
+    <a:lvl4pPr marL="1371600" algn="l" defTabSz="914400" rtl="0" eaLnBrk="1" latinLnBrk="0" hangingPunct="1">
+      <a:defRPr sz="1200" kern="1200">
+        <a:solidFill>
+          <a:schemeClr val="tx1"/>
+        </a:solidFill>
+        <a:latin typeface="+mn-lt"/>
+        <a:ea typeface="+mn-ea"/>
+        <a:cs typeface="+mn-cs"/>
+      </a:defRPr>
+    </a:lvl4pPr>
+    <a:lvl5pPr marL="1828800" algn="l" defTabSz="914400" rtl="0" eaLnBrk="1" latinLnBrk="0" hangingPunct="1">
+      <a:defRPr sz="1200" kern="1200">
+        <a:solidFill>
+          <a:schemeClr val="tx1"/>
+        </a:solidFill>
+        <a:latin typeface="+mn-lt"/>
+        <a:ea typeface="+mn-ea"/>
+        <a:cs typeface="+mn-cs"/>
+      </a:defRPr>
+    </a:lvl5pPr>
+    <a:lvl6pPr marL="2286000" algn="l" defTabSz="914400" rtl="0" eaLnBrk="1" latinLnBrk="0" hangingPunct="1">
+      <a:defRPr sz="1200" kern="1200">
+        <a:solidFill>
+          <a:schemeClr val="tx1"/>
+        </a:solidFill>
+        <a:latin typeface="+mn-lt"/>
+        <a:ea typeface="+mn-ea"/>
+        <a:cs typeface="+mn-cs"/>
+      </a:defRPr>
+    </a:lvl6pPr>
+    <a:lvl7pPr marL="2743200" algn="l" defTabSz="914400" rtl="0" eaLnBrk="1" latinLnBrk="0" hangingPunct="1">
+      <a:defRPr sz="1200" kern="1200">
+        <a:solidFill>
+          <a:schemeClr val="tx1"/>
+        </a:solidFill>
+        <a:latin typeface="+mn-lt"/>
+        <a:ea typeface="+mn-ea"/>
+        <a:cs typeface="+mn-cs"/>
+      </a:defRPr>
+    </a:lvl7pPr>
+    <a:lvl8pPr marL="3200400" algn="l" defTabSz="914400" rtl="0" eaLnBrk="1" latinLnBrk="0" hangingPunct="1">
+      <a:defRPr sz="1200" kern="1200">
+        <a:solidFill>
+          <a:schemeClr val="tx1"/>
+        </a:solidFill>
+        <a:latin typeface="+mn-lt"/>
+        <a:ea typeface="+mn-ea"/>
+        <a:cs typeface="+mn-cs"/>
+      </a:defRPr>
+    </a:lvl8pPr>
+    <a:lvl9pPr marL="3657600" algn="l" defTabSz="914400" rtl="0" eaLnBrk="1" latinLnBrk="0" hangingPunct="1">
+      <a:defRPr sz="1200" kern="1200">
+        <a:solidFill>
+          <a:schemeClr val="tx1"/>
+        </a:solidFill>
+        <a:latin typeface="+mn-lt"/>
+        <a:ea typeface="+mn-ea"/>
+        <a:cs typeface="+mn-cs"/>
+      </a:defRPr>
+    </a:lvl9pPr>
+  </p:notesStyle>
+</p:notesMaster>
+</file>
+
+<file path=ppt/notesSlides/notesSlide1.xml><?xml version="1.0" encoding="utf-8"?>
+<p:notes xmlns:a="http://schemas.openxmlformats.org/drawingml/2006/main" xmlns:r="http://schemas.openxmlformats.org/officeDocument/2006/relationships" xmlns:p="http://schemas.openxmlformats.org/presentationml/2006/main">
+  <p:cSld>
+    <p:spTree>
+      <p:nvGrpSpPr>
+        <p:cNvPr id="1" name=""/>
+        <p:cNvGrpSpPr/>
+        <p:nvPr/>
+      </p:nvGrpSpPr>
+      <p:grpSpPr>
+        <a:xfrm>
+          <a:off x="0" y="0"/>
+          <a:ext cx="0" cy="0"/>
+          <a:chOff x="0" y="0"/>
+          <a:chExt cx="0" cy="0"/>
+        </a:xfrm>
+      </p:grpSpPr>
+      <p:sp>
+        <p:nvSpPr>
+          <p:cNvPr id="2" name="Slide Image Placeholder 1"/>
+          <p:cNvSpPr>
+            <a:spLocks noGrp="1" noRot="1" noChangeAspect="1"/>
+          </p:cNvSpPr>
+          <p:nvPr>
+            <p:ph type="sldImg"/>
+          </p:nvPr>
+        </p:nvSpPr>
+        <p:spPr/>
+      </p:sp>
+      <p:sp>
+        <p:nvSpPr>
+          <p:cNvPr id="3" name="Notes Placeholder 2"/>
+          <p:cNvSpPr>
+            <a:spLocks noGrp="1"/>
+          </p:cNvSpPr>
+          <p:nvPr>
+            <p:ph type="body" idx="1"/>
+          </p:nvPr>
+        </p:nvSpPr>
+        <p:spPr/>
+        <p:txBody>
+          <a:bodyPr/>
+          <a:lstStyle/>
+          <a:p>
+            <a:r>
+              <a:rPr lang="en-US"/>
+              <a:t>P&lt;0.0001 slope and int</a:t>
+            </a:r>
+          </a:p>
+        </p:txBody>
+      </p:sp>
+      <p:sp>
+        <p:nvSpPr>
+          <p:cNvPr id="4" name="Slide Number Placeholder 3"/>
+          <p:cNvSpPr>
+            <a:spLocks noGrp="1"/>
+          </p:cNvSpPr>
+          <p:nvPr>
+            <p:ph type="sldNum" sz="quarter" idx="5"/>
+          </p:nvPr>
+        </p:nvSpPr>
+        <p:spPr/>
+        <p:txBody>
+          <a:bodyPr/>
+          <a:lstStyle/>
+          <a:p>
+            <a:fld id="{6378D28E-2F6D-4603-817C-4AD1E7A55A47}" type="slidenum">
+              <a:rPr lang="en-US" smtClean="0"/>
+              <a:t>6</a:t>
+            </a:fld>
+            <a:endParaRPr lang="en-US"/>
+          </a:p>
+        </p:txBody>
+      </p:sp>
+    </p:spTree>
+    <p:extLst>
+      <p:ext uri="{BB962C8B-B14F-4D97-AF65-F5344CB8AC3E}">
+        <p14:creationId xmlns:p14="http://schemas.microsoft.com/office/powerpoint/2010/main" val="3602332281"/>
+      </p:ext>
+    </p:extLst>
+  </p:cSld>
+  <p:clrMapOvr>
+    <a:masterClrMapping/>
+  </p:clrMapOvr>
+</p:notes>
+</file>
+
+<file path=ppt/notesSlides/notesSlide2.xml><?xml version="1.0" encoding="utf-8"?>
+<p:notes xmlns:a="http://schemas.openxmlformats.org/drawingml/2006/main" xmlns:r="http://schemas.openxmlformats.org/officeDocument/2006/relationships" xmlns:p="http://schemas.openxmlformats.org/presentationml/2006/main">
+  <p:cSld>
+    <p:spTree>
+      <p:nvGrpSpPr>
+        <p:cNvPr id="1" name=""/>
+        <p:cNvGrpSpPr/>
+        <p:nvPr/>
+      </p:nvGrpSpPr>
+      <p:grpSpPr>
+        <a:xfrm>
+          <a:off x="0" y="0"/>
+          <a:ext cx="0" cy="0"/>
+          <a:chOff x="0" y="0"/>
+          <a:chExt cx="0" cy="0"/>
+        </a:xfrm>
+      </p:grpSpPr>
+      <p:sp>
+        <p:nvSpPr>
+          <p:cNvPr id="2" name="Slide Image Placeholder 1"/>
+          <p:cNvSpPr>
+            <a:spLocks noGrp="1" noRot="1" noChangeAspect="1"/>
+          </p:cNvSpPr>
+          <p:nvPr>
+            <p:ph type="sldImg"/>
+          </p:nvPr>
+        </p:nvSpPr>
+        <p:spPr/>
+      </p:sp>
+      <mc:AlternateContent xmlns:mc="http://schemas.openxmlformats.org/markup-compatibility/2006" xmlns:a14="http://schemas.microsoft.com/office/drawing/2010/main">
+        <mc:Choice Requires="a14">
+          <p:sp>
+            <p:nvSpPr>
+              <p:cNvPr id="3" name="Notes Placeholder 2"/>
+              <p:cNvSpPr>
+                <a:spLocks noGrp="1"/>
+              </p:cNvSpPr>
+              <p:nvPr>
+                <p:ph type="body" idx="1"/>
+              </p:nvPr>
+            </p:nvSpPr>
+            <p:spPr/>
+            <p:txBody>
+              <a:bodyPr/>
+              <a:lstStyle/>
+              <a:p>
+                <a:r>
+                  <a:rPr lang="en-US"/>
+                  <a:t>where RS = runs scored and RA = runs allowed</a:t>
+                </a:r>
+              </a:p>
+              <a:p>
+                <a:pPr marL="0" marR="0" lvl="0" indent="0" algn="l" defTabSz="914400" rtl="0" eaLnBrk="1" fontAlgn="auto" latinLnBrk="0" hangingPunct="1">
+                  <a:lnSpc>
+                    <a:spcPct val="100000"/>
+                  </a:lnSpc>
+                  <a:spcBef>
+                    <a:spcPts val="0"/>
+                  </a:spcBef>
+                  <a:spcAft>
+                    <a:spcPts val="0"/>
+                  </a:spcAft>
+                  <a:buClrTx/>
+                  <a:buSzTx/>
+                  <a:buFontTx/>
+                  <a:buNone/>
+                  <a:tabLst/>
+                  <a:defRPr/>
+                </a:pPr>
+                <a:r>
+                  <a:rPr lang="en-US"/>
+                  <a:t>Research exists adapting the formula for NBA, NHL, and NFL</a:t>
+                </a:r>
+              </a:p>
+              <a:p>
+                <a:endParaRPr lang="en-US"/>
+              </a:p>
+              <a:p>
+                <a:pPr marL="0" marR="0" lvl="0" indent="0" algn="l" defTabSz="914400" rtl="0" eaLnBrk="1" fontAlgn="auto" latinLnBrk="0" hangingPunct="1">
+                  <a:lnSpc>
+                    <a:spcPct val="100000"/>
+                  </a:lnSpc>
+                  <a:spcBef>
+                    <a:spcPts val="0"/>
+                  </a:spcBef>
+                  <a:spcAft>
+                    <a:spcPts val="0"/>
+                  </a:spcAft>
+                  <a:buClrTx/>
+                  <a:buSzTx/>
+                  <a:buFontTx/>
+                  <a:buNone/>
+                  <a:tabLst/>
+                  <a:defRPr/>
+                </a:pPr>
+                <a:r>
+                  <a:rPr lang="en-US"/>
+                  <a:t>Model: </a:t>
+                </a:r>
+                <a14:m>
+                  <m:oMath xmlns:m="http://schemas.openxmlformats.org/officeDocument/2006/math">
+                    <m:r>
+                      <a:rPr lang="en-US" b="0" i="1" smtClean="0">
+                        <a:latin typeface="Cambria Math" panose="02040503050406030204" pitchFamily="18" charset="0"/>
+                      </a:rPr>
+                      <m:t>𝑙𝑜𝑔𝑊𝑟𝑎𝑡𝑖𝑜</m:t>
+                    </m:r>
+                    <m:r>
+                      <a:rPr lang="en-US" b="0" i="1" smtClean="0">
+                        <a:latin typeface="Cambria Math" panose="02040503050406030204" pitchFamily="18" charset="0"/>
+                      </a:rPr>
+                      <m:t>=0+</m:t>
+                    </m:r>
+                    <m:r>
+                      <a:rPr lang="en-US" b="0" i="1" smtClean="0">
+                        <a:latin typeface="Cambria Math" panose="02040503050406030204" pitchFamily="18" charset="0"/>
+                      </a:rPr>
+                      <m:t>𝑙𝑜𝑔𝑅𝑟𝑎𝑡𝑖𝑜</m:t>
+                    </m:r>
+                  </m:oMath>
+                </a14:m>
+                <a:r>
+                  <a:rPr lang="en-US"/>
+                  <a:t> (no intercept)</a:t>
+                </a:r>
+              </a:p>
+              <a:p>
+                <a:pPr marL="0" marR="0" lvl="0" indent="0" algn="l" defTabSz="914400" rtl="0" eaLnBrk="1" fontAlgn="auto" latinLnBrk="0" hangingPunct="1">
+                  <a:lnSpc>
+                    <a:spcPct val="100000"/>
+                  </a:lnSpc>
+                  <a:spcBef>
+                    <a:spcPts val="0"/>
+                  </a:spcBef>
+                  <a:spcAft>
+                    <a:spcPts val="0"/>
+                  </a:spcAft>
+                  <a:buClrTx/>
+                  <a:buSzTx/>
+                  <a:buFontTx/>
+                  <a:buNone/>
+                  <a:tabLst/>
+                  <a:defRPr/>
+                </a:pPr>
+                <a14:m>
+                  <m:oMath xmlns:m="http://schemas.openxmlformats.org/officeDocument/2006/math">
+                    <m:r>
+                      <a:rPr lang="en-US" b="0" i="1" smtClean="0">
+                        <a:latin typeface="Cambria Math" panose="02040503050406030204" pitchFamily="18" charset="0"/>
+                      </a:rPr>
+                      <m:t>𝑘</m:t>
+                    </m:r>
+                    <m:r>
+                      <a:rPr lang="en-US" b="0" i="1" smtClean="0">
+                        <a:latin typeface="Cambria Math" panose="02040503050406030204" pitchFamily="18" charset="0"/>
+                      </a:rPr>
+                      <m:t>→</m:t>
+                    </m:r>
+                    <m:r>
+                      <a:rPr lang="en-US" b="0" i="1" smtClean="0">
+                        <a:latin typeface="Cambria Math" panose="02040503050406030204" pitchFamily="18" charset="0"/>
+                      </a:rPr>
+                      <m:t>𝑙𝑜𝑔𝑅𝑟𝑎𝑡𝑖𝑜</m:t>
+                    </m:r>
+                  </m:oMath>
+                </a14:m>
+                <a:r>
+                  <a:rPr lang="en-US"/>
+                  <a:t> parameter estimate (exponent)</a:t>
+                </a:r>
+              </a:p>
+              <a:p>
+                <a:endParaRPr lang="en-US"/>
+              </a:p>
+            </p:txBody>
+          </p:sp>
+        </mc:Choice>
+        <mc:Fallback xmlns="">
+          <p:sp>
+            <p:nvSpPr>
+              <p:cNvPr id="3" name="Notes Placeholder 2"/>
+              <p:cNvSpPr>
+                <a:spLocks noGrp="1"/>
+              </p:cNvSpPr>
+              <p:nvPr>
+                <p:ph type="body" idx="1"/>
+              </p:nvPr>
+            </p:nvSpPr>
+            <p:spPr/>
+            <p:txBody>
+              <a:bodyPr/>
+              <a:lstStyle/>
+              <a:p>
+                <a:r>
+                  <a:rPr lang="en-US"/>
+                  <a:t>where RS = runs scored and RA = runs allowed</a:t>
+                </a:r>
+              </a:p>
+              <a:p>
+                <a:pPr marL="0" marR="0" lvl="0" indent="0" algn="l" defTabSz="914400" rtl="0" eaLnBrk="1" fontAlgn="auto" latinLnBrk="0" hangingPunct="1">
+                  <a:lnSpc>
+                    <a:spcPct val="100000"/>
+                  </a:lnSpc>
+                  <a:spcBef>
+                    <a:spcPts val="0"/>
+                  </a:spcBef>
+                  <a:spcAft>
+                    <a:spcPts val="0"/>
+                  </a:spcAft>
+                  <a:buClrTx/>
+                  <a:buSzTx/>
+                  <a:buFontTx/>
+                  <a:buNone/>
+                  <a:tabLst/>
+                  <a:defRPr/>
+                </a:pPr>
+                <a:r>
+                  <a:rPr lang="en-US"/>
+                  <a:t>Research exists adapting the formula for NBA, NHL, and NFL</a:t>
+                </a:r>
+              </a:p>
+              <a:p>
+                <a:endParaRPr lang="en-US"/>
+              </a:p>
+              <a:p>
+                <a:pPr marL="0" marR="0" lvl="0" indent="0" algn="l" defTabSz="914400" rtl="0" eaLnBrk="1" fontAlgn="auto" latinLnBrk="0" hangingPunct="1">
+                  <a:lnSpc>
+                    <a:spcPct val="100000"/>
+                  </a:lnSpc>
+                  <a:spcBef>
+                    <a:spcPts val="0"/>
+                  </a:spcBef>
+                  <a:spcAft>
+                    <a:spcPts val="0"/>
+                  </a:spcAft>
+                  <a:buClrTx/>
+                  <a:buSzTx/>
+                  <a:buFontTx/>
+                  <a:buNone/>
+                  <a:tabLst/>
+                  <a:defRPr/>
+                </a:pPr>
+                <a:r>
+                  <a:rPr lang="en-US"/>
+                  <a:t>Model: </a:t>
+                </a:r>
+                <a:r>
+                  <a:rPr lang="en-US" b="0" i="0">
+                    <a:latin typeface="Cambria Math" panose="02040503050406030204" pitchFamily="18" charset="0"/>
+                  </a:rPr>
+                  <a:t>𝑙𝑜𝑔𝑊𝑟𝑎𝑡𝑖𝑜=0+𝑙𝑜𝑔𝑅𝑟𝑎𝑡𝑖𝑜</a:t>
+                </a:r>
+                <a:r>
+                  <a:rPr lang="en-US"/>
+                  <a:t> (no intercept)</a:t>
+                </a:r>
+              </a:p>
+              <a:p>
+                <a:pPr marL="0" marR="0" lvl="0" indent="0" algn="l" defTabSz="914400" rtl="0" eaLnBrk="1" fontAlgn="auto" latinLnBrk="0" hangingPunct="1">
+                  <a:lnSpc>
+                    <a:spcPct val="100000"/>
+                  </a:lnSpc>
+                  <a:spcBef>
+                    <a:spcPts val="0"/>
+                  </a:spcBef>
+                  <a:spcAft>
+                    <a:spcPts val="0"/>
+                  </a:spcAft>
+                  <a:buClrTx/>
+                  <a:buSzTx/>
+                  <a:buFontTx/>
+                  <a:buNone/>
+                  <a:tabLst/>
+                  <a:defRPr/>
+                </a:pPr>
+                <a:r>
+                  <a:rPr lang="en-US" b="0" i="0">
+                    <a:latin typeface="Cambria Math" panose="02040503050406030204" pitchFamily="18" charset="0"/>
+                  </a:rPr>
+                  <a:t>𝑘→𝑙𝑜𝑔𝑅𝑟𝑎𝑡𝑖𝑜</a:t>
+                </a:r>
+                <a:r>
+                  <a:rPr lang="en-US"/>
+                  <a:t> parameter estimate (exponent)</a:t>
+                </a:r>
+              </a:p>
+              <a:p>
+                <a:endParaRPr lang="en-US"/>
+              </a:p>
+            </p:txBody>
+          </p:sp>
+        </mc:Fallback>
+      </mc:AlternateContent>
+      <p:sp>
+        <p:nvSpPr>
+          <p:cNvPr id="4" name="Slide Number Placeholder 3"/>
+          <p:cNvSpPr>
+            <a:spLocks noGrp="1"/>
+          </p:cNvSpPr>
+          <p:nvPr>
+            <p:ph type="sldNum" sz="quarter" idx="5"/>
+          </p:nvPr>
+        </p:nvSpPr>
+        <p:spPr/>
+        <p:txBody>
+          <a:bodyPr/>
+          <a:lstStyle/>
+          <a:p>
+            <a:fld id="{6378D28E-2F6D-4603-817C-4AD1E7A55A47}" type="slidenum">
+              <a:rPr lang="en-US" smtClean="0"/>
+              <a:t>7</a:t>
+            </a:fld>
+            <a:endParaRPr lang="en-US"/>
+          </a:p>
+        </p:txBody>
+      </p:sp>
+    </p:spTree>
+    <p:extLst>
+      <p:ext uri="{BB962C8B-B14F-4D97-AF65-F5344CB8AC3E}">
+        <p14:creationId xmlns:p14="http://schemas.microsoft.com/office/powerpoint/2010/main" val="3393003743"/>
+      </p:ext>
+    </p:extLst>
+  </p:cSld>
+  <p:clrMapOvr>
+    <a:masterClrMapping/>
+  </p:clrMapOvr>
+</p:notes>
+</file>
+
+<file path=ppt/notesSlides/notesSlide3.xml><?xml version="1.0" encoding="utf-8"?>
+<p:notes xmlns:a="http://schemas.openxmlformats.org/drawingml/2006/main" xmlns:r="http://schemas.openxmlformats.org/officeDocument/2006/relationships" xmlns:p="http://schemas.openxmlformats.org/presentationml/2006/main">
+  <p:cSld>
+    <p:spTree>
+      <p:nvGrpSpPr>
+        <p:cNvPr id="1" name=""/>
+        <p:cNvGrpSpPr/>
+        <p:nvPr/>
+      </p:nvGrpSpPr>
+      <p:grpSpPr>
+        <a:xfrm>
+          <a:off x="0" y="0"/>
+          <a:ext cx="0" cy="0"/>
+          <a:chOff x="0" y="0"/>
+          <a:chExt cx="0" cy="0"/>
+        </a:xfrm>
+      </p:grpSpPr>
+      <p:sp>
+        <p:nvSpPr>
+          <p:cNvPr id="2" name="Slide Image Placeholder 1"/>
+          <p:cNvSpPr>
+            <a:spLocks noGrp="1" noRot="1" noChangeAspect="1"/>
+          </p:cNvSpPr>
+          <p:nvPr>
+            <p:ph type="sldImg"/>
+          </p:nvPr>
+        </p:nvSpPr>
+        <p:spPr/>
+      </p:sp>
+      <p:sp>
+        <p:nvSpPr>
+          <p:cNvPr id="3" name="Notes Placeholder 2"/>
+          <p:cNvSpPr>
+            <a:spLocks noGrp="1"/>
+          </p:cNvSpPr>
+          <p:nvPr>
+            <p:ph type="body" idx="1"/>
+          </p:nvPr>
+        </p:nvSpPr>
+        <p:spPr/>
+        <p:txBody>
+          <a:bodyPr/>
+          <a:lstStyle/>
+          <a:p>
+            <a:r>
+              <a:rPr lang="en-US" i="1"/>
+              <a:t>SAS Nonlinear regression</a:t>
+            </a:r>
+            <a:r>
+              <a:rPr lang="en-US"/>
+              <a:t> is a form of </a:t>
+            </a:r>
+            <a:r>
+              <a:rPr lang="en-US" i="1"/>
+              <a:t>regression</a:t>
+            </a:r>
+            <a:r>
+              <a:rPr lang="en-US"/>
+              <a:t> analysis in which data is fit to a </a:t>
+            </a:r>
+            <a:r>
+              <a:rPr lang="en-US" i="1"/>
+              <a:t>model</a:t>
+            </a:r>
+            <a:r>
+              <a:rPr lang="en-US"/>
+              <a:t> and then expressed as a mathematical function.</a:t>
+            </a:r>
+          </a:p>
+        </p:txBody>
+      </p:sp>
+      <p:sp>
+        <p:nvSpPr>
+          <p:cNvPr id="4" name="Slide Number Placeholder 3"/>
+          <p:cNvSpPr>
+            <a:spLocks noGrp="1"/>
+          </p:cNvSpPr>
+          <p:nvPr>
+            <p:ph type="sldNum" sz="quarter" idx="5"/>
+          </p:nvPr>
+        </p:nvSpPr>
+        <p:spPr/>
+        <p:txBody>
+          <a:bodyPr/>
+          <a:lstStyle/>
+          <a:p>
+            <a:fld id="{6378D28E-2F6D-4603-817C-4AD1E7A55A47}" type="slidenum">
+              <a:rPr lang="en-US" smtClean="0"/>
+              <a:t>8</a:t>
+            </a:fld>
+            <a:endParaRPr lang="en-US"/>
+          </a:p>
+        </p:txBody>
+      </p:sp>
+    </p:spTree>
+    <p:extLst>
+      <p:ext uri="{BB962C8B-B14F-4D97-AF65-F5344CB8AC3E}">
+        <p14:creationId xmlns:p14="http://schemas.microsoft.com/office/powerpoint/2010/main" val="2920164222"/>
+      </p:ext>
+    </p:extLst>
+  </p:cSld>
+  <p:clrMapOvr>
+    <a:masterClrMapping/>
+  </p:clrMapOvr>
+</p:notes>
+</file>
+
+<file path=ppt/notesSlides/notesSlide4.xml><?xml version="1.0" encoding="utf-8"?>
+<p:notes xmlns:a="http://schemas.openxmlformats.org/drawingml/2006/main" xmlns:r="http://schemas.openxmlformats.org/officeDocument/2006/relationships" xmlns:p="http://schemas.openxmlformats.org/presentationml/2006/main">
+  <p:cSld>
+    <p:spTree>
+      <p:nvGrpSpPr>
+        <p:cNvPr id="1" name=""/>
+        <p:cNvGrpSpPr/>
+        <p:nvPr/>
+      </p:nvGrpSpPr>
+      <p:grpSpPr>
+        <a:xfrm>
+          <a:off x="0" y="0"/>
+          <a:ext cx="0" cy="0"/>
+          <a:chOff x="0" y="0"/>
+          <a:chExt cx="0" cy="0"/>
+        </a:xfrm>
+      </p:grpSpPr>
+      <p:sp>
+        <p:nvSpPr>
+          <p:cNvPr id="2" name="Slide Image Placeholder 1"/>
+          <p:cNvSpPr>
+            <a:spLocks noGrp="1" noRot="1" noChangeAspect="1"/>
+          </p:cNvSpPr>
+          <p:nvPr>
+            <p:ph type="sldImg"/>
+          </p:nvPr>
+        </p:nvSpPr>
+        <p:spPr/>
+      </p:sp>
+      <p:sp>
+        <p:nvSpPr>
+          <p:cNvPr id="3" name="Notes Placeholder 2"/>
+          <p:cNvSpPr>
+            <a:spLocks noGrp="1"/>
+          </p:cNvSpPr>
+          <p:nvPr>
+            <p:ph type="body" idx="1"/>
+          </p:nvPr>
+        </p:nvSpPr>
+        <p:spPr/>
+        <p:txBody>
+          <a:bodyPr/>
+          <a:lstStyle/>
+          <a:p>
+            <a:r>
+              <a:rPr lang="en-US"/>
+              <a:t>Safe to roll with the mean for all years</a:t>
+            </a:r>
+          </a:p>
+          <a:p>
+            <a:r>
+              <a:rPr lang="en-US"/>
+              <a:t>(need transition to Weibull here)</a:t>
+            </a:r>
+          </a:p>
+        </p:txBody>
+      </p:sp>
+      <p:sp>
+        <p:nvSpPr>
+          <p:cNvPr id="4" name="Slide Number Placeholder 3"/>
+          <p:cNvSpPr>
+            <a:spLocks noGrp="1"/>
+          </p:cNvSpPr>
+          <p:nvPr>
+            <p:ph type="sldNum" sz="quarter" idx="5"/>
+          </p:nvPr>
+        </p:nvSpPr>
+        <p:spPr/>
+        <p:txBody>
+          <a:bodyPr/>
+          <a:lstStyle/>
+          <a:p>
+            <a:fld id="{6378D28E-2F6D-4603-817C-4AD1E7A55A47}" type="slidenum">
+              <a:rPr lang="en-US" smtClean="0"/>
+              <a:t>9</a:t>
+            </a:fld>
+            <a:endParaRPr lang="en-US"/>
+          </a:p>
+        </p:txBody>
+      </p:sp>
+    </p:spTree>
+    <p:extLst>
+      <p:ext uri="{BB962C8B-B14F-4D97-AF65-F5344CB8AC3E}">
+        <p14:creationId xmlns:p14="http://schemas.microsoft.com/office/powerpoint/2010/main" val="1370613882"/>
+      </p:ext>
+    </p:extLst>
+  </p:cSld>
+  <p:clrMapOvr>
+    <a:masterClrMapping/>
+  </p:clrMapOvr>
+</p:notes>
 </file>
 
 <file path=ppt/slideLayouts/slideLayout1.xml><?xml version="1.0" encoding="utf-8"?>
@@ -174,7 +2034,7 @@
           </a:lstStyle>
           <a:p>
             <a:r>
-              <a:rPr lang="en-US" dirty="0"/>
+              <a:rPr lang="en-US"/>
               <a:t>Click to edit Master title style</a:t>
             </a:r>
           </a:p>
@@ -293,7 +2153,7 @@
           </a:lstStyle>
           <a:p>
             <a:r>
-              <a:rPr lang="en-US" dirty="0"/>
+              <a:rPr lang="en-US"/>
               <a:t>Click to edit Master subtitle style</a:t>
             </a:r>
           </a:p>
@@ -316,9 +2176,9 @@
           <a:p>
             <a:fld id="{4AAD347D-5ACD-4C99-B74B-A9C85AD731AF}" type="datetimeFigureOut">
               <a:rPr lang="en-US" dirty="0"/>
-              <a:t>12/8/18</a:t>
+              <a:t>12/12/18</a:t>
             </a:fld>
-            <a:endParaRPr lang="en-US" dirty="0"/>
+            <a:endParaRPr lang="en-US"/>
           </a:p>
         </p:txBody>
       </p:sp>
@@ -337,7 +2197,7 @@
           <a:bodyPr/>
           <a:lstStyle/>
           <a:p>
-            <a:endParaRPr lang="en-US" dirty="0"/>
+            <a:endParaRPr lang="en-US"/>
           </a:p>
         </p:txBody>
       </p:sp>
@@ -360,7 +2220,7 @@
               <a:rPr lang="en-US" dirty="0"/>
               <a:t>‹#›</a:t>
             </a:fld>
-            <a:endParaRPr lang="en-US" dirty="0"/>
+            <a:endParaRPr lang="en-US"/>
           </a:p>
         </p:txBody>
       </p:sp>
@@ -421,7 +2281,7 @@
           </a:lstStyle>
           <a:p>
             <a:r>
-              <a:rPr lang="en-US" dirty="0"/>
+              <a:rPr lang="en-US"/>
               <a:t>Click to edit Master title style</a:t>
             </a:r>
           </a:p>
@@ -499,7 +2359,7 @@
           </a:lstStyle>
           <a:p>
             <a:r>
-              <a:rPr lang="en-US" dirty="0"/>
+              <a:rPr lang="en-US"/>
               <a:t>Click icon to add picture</a:t>
             </a:r>
           </a:p>
@@ -566,7 +2426,7 @@
           <a:p>
             <a:pPr lvl="0"/>
             <a:r>
-              <a:rPr lang="en-US" dirty="0"/>
+              <a:rPr lang="en-US"/>
               <a:t>Edit Master text styles</a:t>
             </a:r>
           </a:p>
@@ -589,9 +2449,9 @@
           <a:p>
             <a:fld id="{4509A250-FF31-4206-8172-F9D3106AACB1}" type="datetimeFigureOut">
               <a:rPr lang="en-US" dirty="0"/>
-              <a:t>12/8/18</a:t>
+              <a:t>12/12/18</a:t>
             </a:fld>
-            <a:endParaRPr lang="en-US" dirty="0"/>
+            <a:endParaRPr lang="en-US"/>
           </a:p>
         </p:txBody>
       </p:sp>
@@ -610,7 +2470,7 @@
           <a:bodyPr/>
           <a:lstStyle/>
           <a:p>
-            <a:endParaRPr lang="en-US" dirty="0"/>
+            <a:endParaRPr lang="en-US"/>
           </a:p>
         </p:txBody>
       </p:sp>
@@ -633,7 +2493,7 @@
               <a:rPr lang="en-US" dirty="0"/>
               <a:t>‹#›</a:t>
             </a:fld>
-            <a:endParaRPr lang="en-US" dirty="0"/>
+            <a:endParaRPr lang="en-US"/>
           </a:p>
         </p:txBody>
       </p:sp>
@@ -692,7 +2552,7 @@
           </a:lstStyle>
           <a:p>
             <a:r>
-              <a:rPr lang="en-US" dirty="0"/>
+              <a:rPr lang="en-US"/>
               <a:t>Click to edit Master title style</a:t>
             </a:r>
           </a:p>
@@ -759,7 +2619,7 @@
           <a:p>
             <a:pPr lvl="0"/>
             <a:r>
-              <a:rPr lang="en-US" dirty="0"/>
+              <a:rPr lang="en-US"/>
               <a:t>Edit Master text styles</a:t>
             </a:r>
           </a:p>
@@ -782,9 +2642,9 @@
           <a:p>
             <a:fld id="{4509A250-FF31-4206-8172-F9D3106AACB1}" type="datetimeFigureOut">
               <a:rPr lang="en-US" dirty="0"/>
-              <a:t>12/8/18</a:t>
+              <a:t>12/12/18</a:t>
             </a:fld>
-            <a:endParaRPr lang="en-US" dirty="0"/>
+            <a:endParaRPr lang="en-US"/>
           </a:p>
         </p:txBody>
       </p:sp>
@@ -803,7 +2663,7 @@
           <a:bodyPr/>
           <a:lstStyle/>
           <a:p>
-            <a:endParaRPr lang="en-US" dirty="0"/>
+            <a:endParaRPr lang="en-US"/>
           </a:p>
         </p:txBody>
       </p:sp>
@@ -826,7 +2686,7 @@
               <a:rPr lang="en-US" dirty="0"/>
               <a:t>‹#›</a:t>
             </a:fld>
-            <a:endParaRPr lang="en-US" dirty="0"/>
+            <a:endParaRPr lang="en-US"/>
           </a:p>
         </p:txBody>
       </p:sp>
@@ -885,7 +2745,7 @@
           </a:lstStyle>
           <a:p>
             <a:r>
-              <a:rPr lang="en-US" dirty="0"/>
+              <a:rPr lang="en-US"/>
               <a:t>Click to edit Master title style</a:t>
             </a:r>
           </a:p>
@@ -964,7 +2824,7 @@
               <a:buNone/>
             </a:pPr>
             <a:r>
-              <a:rPr lang="en-US" dirty="0"/>
+              <a:rPr lang="en-US"/>
               <a:t>Edit Master text styles</a:t>
             </a:r>
           </a:p>
@@ -1031,7 +2891,7 @@
           <a:p>
             <a:pPr lvl="0"/>
             <a:r>
-              <a:rPr lang="en-US" dirty="0"/>
+              <a:rPr lang="en-US"/>
               <a:t>Edit Master text styles</a:t>
             </a:r>
           </a:p>
@@ -1054,9 +2914,9 @@
           <a:p>
             <a:fld id="{4AAD347D-5ACD-4C99-B74B-A9C85AD731AF}" type="datetimeFigureOut">
               <a:rPr lang="en-US" dirty="0"/>
-              <a:t>12/8/18</a:t>
+              <a:t>12/12/18</a:t>
             </a:fld>
-            <a:endParaRPr lang="en-US" dirty="0"/>
+            <a:endParaRPr lang="en-US"/>
           </a:p>
         </p:txBody>
       </p:sp>
@@ -1075,7 +2935,7 @@
           <a:bodyPr/>
           <a:lstStyle/>
           <a:p>
-            <a:endParaRPr lang="en-US" dirty="0"/>
+            <a:endParaRPr lang="en-US"/>
           </a:p>
         </p:txBody>
       </p:sp>
@@ -1098,7 +2958,7 @@
               <a:rPr lang="en-US" dirty="0"/>
               <a:t>‹#›</a:t>
             </a:fld>
-            <a:endParaRPr lang="en-US" dirty="0"/>
+            <a:endParaRPr lang="en-US"/>
           </a:p>
         </p:txBody>
       </p:sp>
@@ -1143,7 +3003,7 @@
           <a:p>
             <a:pPr lvl="0"/>
             <a:r>
-              <a:rPr lang="en-US" dirty="0"/>
+              <a:rPr lang="en-US"/>
               <a:t>“</a:t>
             </a:r>
           </a:p>
@@ -1190,7 +3050,7 @@
           <a:p>
             <a:pPr lvl="0"/>
             <a:r>
-              <a:rPr lang="en-US" dirty="0"/>
+              <a:rPr lang="en-US"/>
               <a:t>”</a:t>
             </a:r>
           </a:p>
@@ -1252,7 +3112,7 @@
           </a:lstStyle>
           <a:p>
             <a:r>
-              <a:rPr lang="en-US" dirty="0"/>
+              <a:rPr lang="en-US"/>
               <a:t>Click to edit Master title style</a:t>
             </a:r>
           </a:p>
@@ -1372,7 +3232,7 @@
           <a:p>
             <a:pPr lvl="0"/>
             <a:r>
-              <a:rPr lang="en-US" dirty="0"/>
+              <a:rPr lang="en-US"/>
               <a:t>Edit Master text styles</a:t>
             </a:r>
           </a:p>
@@ -1395,9 +3255,9 @@
           <a:p>
             <a:fld id="{4509A250-FF31-4206-8172-F9D3106AACB1}" type="datetimeFigureOut">
               <a:rPr lang="en-US" dirty="0"/>
-              <a:t>12/8/18</a:t>
+              <a:t>12/12/18</a:t>
             </a:fld>
-            <a:endParaRPr lang="en-US" dirty="0"/>
+            <a:endParaRPr lang="en-US"/>
           </a:p>
         </p:txBody>
       </p:sp>
@@ -1416,7 +3276,7 @@
           <a:bodyPr/>
           <a:lstStyle/>
           <a:p>
-            <a:endParaRPr lang="en-US" dirty="0"/>
+            <a:endParaRPr lang="en-US"/>
           </a:p>
         </p:txBody>
       </p:sp>
@@ -1439,7 +3299,7 @@
               <a:rPr lang="en-US" dirty="0"/>
               <a:t>‹#›</a:t>
             </a:fld>
-            <a:endParaRPr lang="en-US" dirty="0"/>
+            <a:endParaRPr lang="en-US"/>
           </a:p>
         </p:txBody>
       </p:sp>
@@ -1493,7 +3353,7 @@
           </a:lstStyle>
           <a:p>
             <a:r>
-              <a:rPr lang="en-US" dirty="0"/>
+              <a:rPr lang="en-US"/>
               <a:t>Click to edit Master title style</a:t>
             </a:r>
           </a:p>
@@ -1567,7 +3427,7 @@
           <a:p>
             <a:pPr lvl="0"/>
             <a:r>
-              <a:rPr lang="en-US" dirty="0"/>
+              <a:rPr lang="en-US"/>
               <a:t>Edit Master text styles</a:t>
             </a:r>
           </a:p>
@@ -1634,7 +3494,7 @@
           <a:p>
             <a:pPr lvl="0"/>
             <a:r>
-              <a:rPr lang="en-US" dirty="0"/>
+              <a:rPr lang="en-US"/>
               <a:t>Edit Master text styles</a:t>
             </a:r>
           </a:p>
@@ -1708,7 +3568,7 @@
           <a:p>
             <a:pPr lvl="0"/>
             <a:r>
-              <a:rPr lang="en-US" dirty="0"/>
+              <a:rPr lang="en-US"/>
               <a:t>Edit Master text styles</a:t>
             </a:r>
           </a:p>
@@ -1775,7 +3635,7 @@
           <a:p>
             <a:pPr lvl="0"/>
             <a:r>
-              <a:rPr lang="en-US" dirty="0"/>
+              <a:rPr lang="en-US"/>
               <a:t>Edit Master text styles</a:t>
             </a:r>
           </a:p>
@@ -1849,7 +3709,7 @@
           <a:p>
             <a:pPr lvl="0"/>
             <a:r>
-              <a:rPr lang="en-US" dirty="0"/>
+              <a:rPr lang="en-US"/>
               <a:t>Edit Master text styles</a:t>
             </a:r>
           </a:p>
@@ -1916,7 +3776,7 @@
           <a:p>
             <a:pPr lvl="0"/>
             <a:r>
-              <a:rPr lang="en-US" dirty="0"/>
+              <a:rPr lang="en-US"/>
               <a:t>Edit Master text styles</a:t>
             </a:r>
           </a:p>
@@ -2017,9 +3877,9 @@
           <a:p>
             <a:fld id="{4509A250-FF31-4206-8172-F9D3106AACB1}" type="datetimeFigureOut">
               <a:rPr lang="en-US" dirty="0"/>
-              <a:t>12/8/18</a:t>
+              <a:t>12/12/18</a:t>
             </a:fld>
-            <a:endParaRPr lang="en-US" dirty="0"/>
+            <a:endParaRPr lang="en-US"/>
           </a:p>
         </p:txBody>
       </p:sp>
@@ -2038,7 +3898,7 @@
           <a:bodyPr/>
           <a:lstStyle/>
           <a:p>
-            <a:endParaRPr lang="en-US" dirty="0"/>
+            <a:endParaRPr lang="en-US"/>
           </a:p>
         </p:txBody>
       </p:sp>
@@ -2061,7 +3921,7 @@
               <a:rPr lang="en-US" dirty="0"/>
               <a:t>‹#›</a:t>
             </a:fld>
-            <a:endParaRPr lang="en-US" dirty="0"/>
+            <a:endParaRPr lang="en-US"/>
           </a:p>
         </p:txBody>
       </p:sp>
@@ -2115,7 +3975,7 @@
           </a:lstStyle>
           <a:p>
             <a:r>
-              <a:rPr lang="en-US" dirty="0"/>
+              <a:rPr lang="en-US"/>
               <a:t>Click to edit Master title style</a:t>
             </a:r>
           </a:p>
@@ -2189,7 +4049,7 @@
           <a:p>
             <a:pPr lvl="0"/>
             <a:r>
-              <a:rPr lang="en-US" dirty="0"/>
+              <a:rPr lang="en-US"/>
               <a:t>Edit Master text styles</a:t>
             </a:r>
           </a:p>
@@ -2267,7 +4127,7 @@
           </a:lstStyle>
           <a:p>
             <a:r>
-              <a:rPr lang="en-US" dirty="0"/>
+              <a:rPr lang="en-US"/>
               <a:t>Click icon to add picture</a:t>
             </a:r>
           </a:p>
@@ -2334,7 +4194,7 @@
           <a:p>
             <a:pPr lvl="0"/>
             <a:r>
-              <a:rPr lang="en-US" dirty="0"/>
+              <a:rPr lang="en-US"/>
               <a:t>Edit Master text styles</a:t>
             </a:r>
           </a:p>
@@ -2408,7 +4268,7 @@
           <a:p>
             <a:pPr lvl="0"/>
             <a:r>
-              <a:rPr lang="en-US" dirty="0"/>
+              <a:rPr lang="en-US"/>
               <a:t>Edit Master text styles</a:t>
             </a:r>
           </a:p>
@@ -2486,7 +4346,7 @@
           </a:lstStyle>
           <a:p>
             <a:r>
-              <a:rPr lang="en-US" dirty="0"/>
+              <a:rPr lang="en-US"/>
               <a:t>Click icon to add picture</a:t>
             </a:r>
           </a:p>
@@ -2553,7 +4413,7 @@
           <a:p>
             <a:pPr lvl="0"/>
             <a:r>
-              <a:rPr lang="en-US" dirty="0"/>
+              <a:rPr lang="en-US"/>
               <a:t>Edit Master text styles</a:t>
             </a:r>
           </a:p>
@@ -2627,7 +4487,7 @@
           <a:p>
             <a:pPr lvl="0"/>
             <a:r>
-              <a:rPr lang="en-US" dirty="0"/>
+              <a:rPr lang="en-US"/>
               <a:t>Edit Master text styles</a:t>
             </a:r>
           </a:p>
@@ -2705,7 +4565,7 @@
           </a:lstStyle>
           <a:p>
             <a:r>
-              <a:rPr lang="en-US" dirty="0"/>
+              <a:rPr lang="en-US"/>
               <a:t>Click icon to add picture</a:t>
             </a:r>
           </a:p>
@@ -2772,7 +4632,7 @@
           <a:p>
             <a:pPr lvl="0"/>
             <a:r>
-              <a:rPr lang="en-US" dirty="0"/>
+              <a:rPr lang="en-US"/>
               <a:t>Edit Master text styles</a:t>
             </a:r>
           </a:p>
@@ -2873,9 +4733,9 @@
           <a:p>
             <a:fld id="{4509A250-FF31-4206-8172-F9D3106AACB1}" type="datetimeFigureOut">
               <a:rPr lang="en-US" dirty="0"/>
-              <a:t>12/8/18</a:t>
+              <a:t>12/12/18</a:t>
             </a:fld>
-            <a:endParaRPr lang="en-US" dirty="0"/>
+            <a:endParaRPr lang="en-US"/>
           </a:p>
         </p:txBody>
       </p:sp>
@@ -2894,7 +4754,7 @@
           <a:bodyPr/>
           <a:lstStyle/>
           <a:p>
-            <a:endParaRPr lang="en-US" dirty="0"/>
+            <a:endParaRPr lang="en-US"/>
           </a:p>
         </p:txBody>
       </p:sp>
@@ -2917,7 +4777,7 @@
               <a:rPr lang="en-US" dirty="0"/>
               <a:t>‹#›</a:t>
             </a:fld>
-            <a:endParaRPr lang="en-US" dirty="0"/>
+            <a:endParaRPr lang="en-US"/>
           </a:p>
         </p:txBody>
       </p:sp>
@@ -2967,7 +4827,7 @@
           <a:lstStyle/>
           <a:p>
             <a:r>
-              <a:rPr lang="en-US" dirty="0"/>
+              <a:rPr lang="en-US"/>
               <a:t>Click to edit Master title style</a:t>
             </a:r>
           </a:p>
@@ -2990,35 +4850,35 @@
           <a:p>
             <a:pPr lvl="0"/>
             <a:r>
-              <a:rPr lang="en-US" dirty="0"/>
+              <a:rPr lang="en-US"/>
               <a:t>Edit Master text styles</a:t>
             </a:r>
           </a:p>
           <a:p>
             <a:pPr lvl="1"/>
             <a:r>
-              <a:rPr lang="en-US" dirty="0"/>
+              <a:rPr lang="en-US"/>
               <a:t>Second level</a:t>
             </a:r>
           </a:p>
           <a:p>
             <a:pPr lvl="2"/>
             <a:r>
-              <a:rPr lang="en-US" dirty="0"/>
+              <a:rPr lang="en-US"/>
               <a:t>Third level</a:t>
             </a:r>
           </a:p>
           <a:p>
             <a:pPr lvl="3"/>
             <a:r>
-              <a:rPr lang="en-US" dirty="0"/>
+              <a:rPr lang="en-US"/>
               <a:t>Fourth level</a:t>
             </a:r>
           </a:p>
           <a:p>
             <a:pPr lvl="4"/>
             <a:r>
-              <a:rPr lang="en-US" dirty="0"/>
+              <a:rPr lang="en-US"/>
               <a:t>Fifth level</a:t>
             </a:r>
           </a:p>
@@ -3041,9 +4901,9 @@
           <a:p>
             <a:fld id="{4509A250-FF31-4206-8172-F9D3106AACB1}" type="datetimeFigureOut">
               <a:rPr lang="en-US" dirty="0"/>
-              <a:t>12/8/18</a:t>
+              <a:t>12/12/18</a:t>
             </a:fld>
-            <a:endParaRPr lang="en-US" dirty="0"/>
+            <a:endParaRPr lang="en-US"/>
           </a:p>
         </p:txBody>
       </p:sp>
@@ -3062,7 +4922,7 @@
           <a:bodyPr/>
           <a:lstStyle/>
           <a:p>
-            <a:endParaRPr lang="en-US" dirty="0"/>
+            <a:endParaRPr lang="en-US"/>
           </a:p>
         </p:txBody>
       </p:sp>
@@ -3085,7 +4945,7 @@
               <a:rPr lang="en-US" dirty="0"/>
               <a:t>‹#›</a:t>
             </a:fld>
-            <a:endParaRPr lang="en-US" dirty="0"/>
+            <a:endParaRPr lang="en-US"/>
           </a:p>
         </p:txBody>
       </p:sp>
@@ -3140,7 +5000,7 @@
           <a:lstStyle/>
           <a:p>
             <a:r>
-              <a:rPr lang="en-US" dirty="0"/>
+              <a:rPr lang="en-US"/>
               <a:t>Click to edit Master title style</a:t>
             </a:r>
           </a:p>
@@ -3168,35 +5028,35 @@
           <a:p>
             <a:pPr lvl="0"/>
             <a:r>
-              <a:rPr lang="en-US" dirty="0"/>
+              <a:rPr lang="en-US"/>
               <a:t>Edit Master text styles</a:t>
             </a:r>
           </a:p>
           <a:p>
             <a:pPr lvl="1"/>
             <a:r>
-              <a:rPr lang="en-US" dirty="0"/>
+              <a:rPr lang="en-US"/>
               <a:t>Second level</a:t>
             </a:r>
           </a:p>
           <a:p>
             <a:pPr lvl="2"/>
             <a:r>
-              <a:rPr lang="en-US" dirty="0"/>
+              <a:rPr lang="en-US"/>
               <a:t>Third level</a:t>
             </a:r>
           </a:p>
           <a:p>
             <a:pPr lvl="3"/>
             <a:r>
-              <a:rPr lang="en-US" dirty="0"/>
+              <a:rPr lang="en-US"/>
               <a:t>Fourth level</a:t>
             </a:r>
           </a:p>
           <a:p>
             <a:pPr lvl="4"/>
             <a:r>
-              <a:rPr lang="en-US" dirty="0"/>
+              <a:rPr lang="en-US"/>
               <a:t>Fifth level</a:t>
             </a:r>
           </a:p>
@@ -3219,9 +5079,9 @@
           <a:p>
             <a:fld id="{4509A250-FF31-4206-8172-F9D3106AACB1}" type="datetimeFigureOut">
               <a:rPr lang="en-US" dirty="0"/>
-              <a:t>12/8/18</a:t>
+              <a:t>12/12/18</a:t>
             </a:fld>
-            <a:endParaRPr lang="en-US" dirty="0"/>
+            <a:endParaRPr lang="en-US"/>
           </a:p>
         </p:txBody>
       </p:sp>
@@ -3240,7 +5100,7 @@
           <a:bodyPr/>
           <a:lstStyle/>
           <a:p>
-            <a:endParaRPr lang="en-US" dirty="0"/>
+            <a:endParaRPr lang="en-US"/>
           </a:p>
         </p:txBody>
       </p:sp>
@@ -3263,7 +5123,7 @@
               <a:rPr lang="en-US" dirty="0"/>
               <a:t>‹#›</a:t>
             </a:fld>
-            <a:endParaRPr lang="en-US" dirty="0"/>
+            <a:endParaRPr lang="en-US"/>
           </a:p>
         </p:txBody>
       </p:sp>
@@ -3313,7 +5173,7 @@
           <a:lstStyle/>
           <a:p>
             <a:r>
-              <a:rPr lang="en-US" dirty="0"/>
+              <a:rPr lang="en-US"/>
               <a:t>Click to edit Master title style</a:t>
             </a:r>
           </a:p>
@@ -3336,35 +5196,35 @@
           <a:p>
             <a:pPr lvl="0"/>
             <a:r>
-              <a:rPr lang="en-US" dirty="0"/>
+              <a:rPr lang="en-US"/>
               <a:t>Edit Master text styles</a:t>
             </a:r>
           </a:p>
           <a:p>
             <a:pPr lvl="1"/>
             <a:r>
-              <a:rPr lang="en-US" dirty="0"/>
+              <a:rPr lang="en-US"/>
               <a:t>Second level</a:t>
             </a:r>
           </a:p>
           <a:p>
             <a:pPr lvl="2"/>
             <a:r>
-              <a:rPr lang="en-US" dirty="0"/>
+              <a:rPr lang="en-US"/>
               <a:t>Third level</a:t>
             </a:r>
           </a:p>
           <a:p>
             <a:pPr lvl="3"/>
             <a:r>
-              <a:rPr lang="en-US" dirty="0"/>
+              <a:rPr lang="en-US"/>
               <a:t>Fourth level</a:t>
             </a:r>
           </a:p>
           <a:p>
             <a:pPr lvl="4"/>
             <a:r>
-              <a:rPr lang="en-US" dirty="0"/>
+              <a:rPr lang="en-US"/>
               <a:t>Fifth level</a:t>
             </a:r>
           </a:p>
@@ -3387,9 +5247,9 @@
           <a:p>
             <a:fld id="{4509A250-FF31-4206-8172-F9D3106AACB1}" type="datetimeFigureOut">
               <a:rPr lang="en-US" dirty="0"/>
-              <a:t>12/8/18</a:t>
+              <a:t>12/12/18</a:t>
             </a:fld>
-            <a:endParaRPr lang="en-US" dirty="0"/>
+            <a:endParaRPr lang="en-US"/>
           </a:p>
         </p:txBody>
       </p:sp>
@@ -3408,7 +5268,7 @@
           <a:bodyPr/>
           <a:lstStyle/>
           <a:p>
-            <a:endParaRPr lang="en-US" dirty="0"/>
+            <a:endParaRPr lang="en-US"/>
           </a:p>
         </p:txBody>
       </p:sp>
@@ -3431,7 +5291,7 @@
               <a:rPr lang="en-US" dirty="0"/>
               <a:t>‹#›</a:t>
             </a:fld>
-            <a:endParaRPr lang="en-US" dirty="0"/>
+            <a:endParaRPr lang="en-US"/>
           </a:p>
         </p:txBody>
       </p:sp>
@@ -3490,7 +5350,7 @@
           </a:lstStyle>
           <a:p>
             <a:r>
-              <a:rPr lang="en-US" dirty="0"/>
+              <a:rPr lang="en-US"/>
               <a:t>Click to edit Master title style</a:t>
             </a:r>
           </a:p>
@@ -3610,7 +5470,7 @@
           <a:p>
             <a:pPr lvl="0"/>
             <a:r>
-              <a:rPr lang="en-US" dirty="0"/>
+              <a:rPr lang="en-US"/>
               <a:t>Edit Master text styles</a:t>
             </a:r>
           </a:p>
@@ -3633,9 +5493,9 @@
           <a:p>
             <a:fld id="{9796027F-7875-4030-9381-8BD8C4F21935}" type="datetimeFigureOut">
               <a:rPr lang="en-US" dirty="0"/>
-              <a:t>12/8/18</a:t>
+              <a:t>12/12/18</a:t>
             </a:fld>
-            <a:endParaRPr lang="en-US" dirty="0"/>
+            <a:endParaRPr lang="en-US"/>
           </a:p>
         </p:txBody>
       </p:sp>
@@ -3654,7 +5514,7 @@
           <a:bodyPr/>
           <a:lstStyle/>
           <a:p>
-            <a:endParaRPr lang="en-US" dirty="0"/>
+            <a:endParaRPr lang="en-US"/>
           </a:p>
         </p:txBody>
       </p:sp>
@@ -3677,7 +5537,7 @@
               <a:rPr lang="en-US" dirty="0"/>
               <a:t>‹#›</a:t>
             </a:fld>
-            <a:endParaRPr lang="en-US" dirty="0"/>
+            <a:endParaRPr lang="en-US"/>
           </a:p>
         </p:txBody>
       </p:sp>
@@ -3727,7 +5587,7 @@
           <a:lstStyle/>
           <a:p>
             <a:r>
-              <a:rPr lang="en-US" dirty="0"/>
+              <a:rPr lang="en-US"/>
               <a:t>Click to edit Master title style</a:t>
             </a:r>
           </a:p>
@@ -3785,35 +5645,35 @@
           <a:p>
             <a:pPr lvl="0"/>
             <a:r>
-              <a:rPr lang="en-US" dirty="0"/>
+              <a:rPr lang="en-US"/>
               <a:t>Edit Master text styles</a:t>
             </a:r>
           </a:p>
           <a:p>
             <a:pPr lvl="1"/>
             <a:r>
-              <a:rPr lang="en-US" dirty="0"/>
+              <a:rPr lang="en-US"/>
               <a:t>Second level</a:t>
             </a:r>
           </a:p>
           <a:p>
             <a:pPr lvl="2"/>
             <a:r>
-              <a:rPr lang="en-US" dirty="0"/>
+              <a:rPr lang="en-US"/>
               <a:t>Third level</a:t>
             </a:r>
           </a:p>
           <a:p>
             <a:pPr lvl="3"/>
             <a:r>
-              <a:rPr lang="en-US" dirty="0"/>
+              <a:rPr lang="en-US"/>
               <a:t>Fourth level</a:t>
             </a:r>
           </a:p>
           <a:p>
             <a:pPr lvl="4"/>
             <a:r>
-              <a:rPr lang="en-US" dirty="0"/>
+              <a:rPr lang="en-US"/>
               <a:t>Fifth level</a:t>
             </a:r>
           </a:p>
@@ -3871,35 +5731,35 @@
           <a:p>
             <a:pPr lvl="0"/>
             <a:r>
-              <a:rPr lang="en-US" dirty="0"/>
+              <a:rPr lang="en-US"/>
               <a:t>Edit Master text styles</a:t>
             </a:r>
           </a:p>
           <a:p>
             <a:pPr lvl="1"/>
             <a:r>
-              <a:rPr lang="en-US" dirty="0"/>
+              <a:rPr lang="en-US"/>
               <a:t>Second level</a:t>
             </a:r>
           </a:p>
           <a:p>
             <a:pPr lvl="2"/>
             <a:r>
-              <a:rPr lang="en-US" dirty="0"/>
+              <a:rPr lang="en-US"/>
               <a:t>Third level</a:t>
             </a:r>
           </a:p>
           <a:p>
             <a:pPr lvl="3"/>
             <a:r>
-              <a:rPr lang="en-US" dirty="0"/>
+              <a:rPr lang="en-US"/>
               <a:t>Fourth level</a:t>
             </a:r>
           </a:p>
           <a:p>
             <a:pPr lvl="4"/>
             <a:r>
-              <a:rPr lang="en-US" dirty="0"/>
+              <a:rPr lang="en-US"/>
               <a:t>Fifth level</a:t>
             </a:r>
           </a:p>
@@ -3922,9 +5782,9 @@
           <a:p>
             <a:fld id="{9796027F-7875-4030-9381-8BD8C4F21935}" type="datetimeFigureOut">
               <a:rPr lang="en-US" dirty="0"/>
-              <a:t>12/8/18</a:t>
+              <a:t>12/12/18</a:t>
             </a:fld>
-            <a:endParaRPr lang="en-US" dirty="0"/>
+            <a:endParaRPr lang="en-US"/>
           </a:p>
         </p:txBody>
       </p:sp>
@@ -3943,7 +5803,7 @@
           <a:bodyPr/>
           <a:lstStyle/>
           <a:p>
-            <a:endParaRPr lang="en-US" dirty="0"/>
+            <a:endParaRPr lang="en-US"/>
           </a:p>
         </p:txBody>
       </p:sp>
@@ -3966,7 +5826,7 @@
               <a:rPr lang="en-US" dirty="0"/>
               <a:t>‹#›</a:t>
             </a:fld>
-            <a:endParaRPr lang="en-US" dirty="0"/>
+            <a:endParaRPr lang="en-US"/>
           </a:p>
         </p:txBody>
       </p:sp>
@@ -4020,7 +5880,7 @@
           </a:lstStyle>
           <a:p>
             <a:r>
-              <a:rPr lang="en-US" dirty="0"/>
+              <a:rPr lang="en-US"/>
               <a:t>Click to edit Master title style</a:t>
             </a:r>
           </a:p>
@@ -4094,7 +5954,7 @@
           <a:p>
             <a:pPr lvl="0"/>
             <a:r>
-              <a:rPr lang="en-US" dirty="0"/>
+              <a:rPr lang="en-US"/>
               <a:t>Edit Master text styles</a:t>
             </a:r>
           </a:p>
@@ -4152,35 +6012,35 @@
           <a:p>
             <a:pPr lvl="0"/>
             <a:r>
-              <a:rPr lang="en-US" dirty="0"/>
+              <a:rPr lang="en-US"/>
               <a:t>Edit Master text styles</a:t>
             </a:r>
           </a:p>
           <a:p>
             <a:pPr lvl="1"/>
             <a:r>
-              <a:rPr lang="en-US" dirty="0"/>
+              <a:rPr lang="en-US"/>
               <a:t>Second level</a:t>
             </a:r>
           </a:p>
           <a:p>
             <a:pPr lvl="2"/>
             <a:r>
-              <a:rPr lang="en-US" dirty="0"/>
+              <a:rPr lang="en-US"/>
               <a:t>Third level</a:t>
             </a:r>
           </a:p>
           <a:p>
             <a:pPr lvl="3"/>
             <a:r>
-              <a:rPr lang="en-US" dirty="0"/>
+              <a:rPr lang="en-US"/>
               <a:t>Fourth level</a:t>
             </a:r>
           </a:p>
           <a:p>
             <a:pPr lvl="4"/>
             <a:r>
-              <a:rPr lang="en-US" dirty="0"/>
+              <a:rPr lang="en-US"/>
               <a:t>Fifth level</a:t>
             </a:r>
           </a:p>
@@ -4254,7 +6114,7 @@
           <a:p>
             <a:pPr lvl="0"/>
             <a:r>
-              <a:rPr lang="en-US" dirty="0"/>
+              <a:rPr lang="en-US"/>
               <a:t>Edit Master text styles</a:t>
             </a:r>
           </a:p>
@@ -4312,35 +6172,35 @@
           <a:p>
             <a:pPr lvl="0"/>
             <a:r>
-              <a:rPr lang="en-US" dirty="0"/>
+              <a:rPr lang="en-US"/>
               <a:t>Edit Master text styles</a:t>
             </a:r>
           </a:p>
           <a:p>
             <a:pPr lvl="1"/>
             <a:r>
-              <a:rPr lang="en-US" dirty="0"/>
+              <a:rPr lang="en-US"/>
               <a:t>Second level</a:t>
             </a:r>
           </a:p>
           <a:p>
             <a:pPr lvl="2"/>
             <a:r>
-              <a:rPr lang="en-US" dirty="0"/>
+              <a:rPr lang="en-US"/>
               <a:t>Third level</a:t>
             </a:r>
           </a:p>
           <a:p>
             <a:pPr lvl="3"/>
             <a:r>
-              <a:rPr lang="en-US" dirty="0"/>
+              <a:rPr lang="en-US"/>
               <a:t>Fourth level</a:t>
             </a:r>
           </a:p>
           <a:p>
             <a:pPr lvl="4"/>
             <a:r>
-              <a:rPr lang="en-US" dirty="0"/>
+              <a:rPr lang="en-US"/>
               <a:t>Fifth level</a:t>
             </a:r>
           </a:p>
@@ -4363,9 +6223,9 @@
           <a:p>
             <a:fld id="{9796027F-7875-4030-9381-8BD8C4F21935}" type="datetimeFigureOut">
               <a:rPr lang="en-US" dirty="0"/>
-              <a:t>12/8/18</a:t>
+              <a:t>12/12/18</a:t>
             </a:fld>
-            <a:endParaRPr lang="en-US" dirty="0"/>
+            <a:endParaRPr lang="en-US"/>
           </a:p>
         </p:txBody>
       </p:sp>
@@ -4384,7 +6244,7 @@
           <a:bodyPr/>
           <a:lstStyle/>
           <a:p>
-            <a:endParaRPr lang="en-US" dirty="0"/>
+            <a:endParaRPr lang="en-US"/>
           </a:p>
         </p:txBody>
       </p:sp>
@@ -4407,7 +6267,7 @@
               <a:rPr lang="en-US" dirty="0"/>
               <a:t>‹#›</a:t>
             </a:fld>
-            <a:endParaRPr lang="en-US" dirty="0"/>
+            <a:endParaRPr lang="en-US"/>
           </a:p>
         </p:txBody>
       </p:sp>
@@ -4457,7 +6317,7 @@
           <a:lstStyle/>
           <a:p>
             <a:r>
-              <a:rPr lang="en-US" dirty="0"/>
+              <a:rPr lang="en-US"/>
               <a:t>Click to edit Master title style</a:t>
             </a:r>
           </a:p>
@@ -4480,9 +6340,9 @@
           <a:p>
             <a:fld id="{4509A250-FF31-4206-8172-F9D3106AACB1}" type="datetimeFigureOut">
               <a:rPr lang="en-US" dirty="0"/>
-              <a:t>12/8/18</a:t>
+              <a:t>12/12/18</a:t>
             </a:fld>
-            <a:endParaRPr lang="en-US" dirty="0"/>
+            <a:endParaRPr lang="en-US"/>
           </a:p>
         </p:txBody>
       </p:sp>
@@ -4501,7 +6361,7 @@
           <a:bodyPr/>
           <a:lstStyle/>
           <a:p>
-            <a:endParaRPr lang="en-US" dirty="0"/>
+            <a:endParaRPr lang="en-US"/>
           </a:p>
         </p:txBody>
       </p:sp>
@@ -4524,7 +6384,7 @@
               <a:rPr lang="en-US" dirty="0"/>
               <a:t>‹#›</a:t>
             </a:fld>
-            <a:endParaRPr lang="en-US" dirty="0"/>
+            <a:endParaRPr lang="en-US"/>
           </a:p>
         </p:txBody>
       </p:sp>
@@ -4575,9 +6435,9 @@
           <a:p>
             <a:fld id="{4509A250-FF31-4206-8172-F9D3106AACB1}" type="datetimeFigureOut">
               <a:rPr lang="en-US" dirty="0"/>
-              <a:t>12/8/18</a:t>
+              <a:t>12/12/18</a:t>
             </a:fld>
-            <a:endParaRPr lang="en-US" dirty="0"/>
+            <a:endParaRPr lang="en-US"/>
           </a:p>
         </p:txBody>
       </p:sp>
@@ -4596,7 +6456,7 @@
           <a:bodyPr/>
           <a:lstStyle/>
           <a:p>
-            <a:endParaRPr lang="en-US" dirty="0"/>
+            <a:endParaRPr lang="en-US"/>
           </a:p>
         </p:txBody>
       </p:sp>
@@ -4619,7 +6479,7 @@
               <a:rPr lang="en-US" dirty="0"/>
               <a:t>‹#›</a:t>
             </a:fld>
-            <a:endParaRPr lang="en-US" dirty="0"/>
+            <a:endParaRPr lang="en-US"/>
           </a:p>
         </p:txBody>
       </p:sp>
@@ -4678,7 +6538,7 @@
           </a:lstStyle>
           <a:p>
             <a:r>
-              <a:rPr lang="en-US" dirty="0"/>
+              <a:rPr lang="en-US"/>
               <a:t>Click to edit Master title style</a:t>
             </a:r>
           </a:p>
@@ -4736,35 +6596,35 @@
           <a:p>
             <a:pPr lvl="0"/>
             <a:r>
-              <a:rPr lang="en-US" dirty="0"/>
+              <a:rPr lang="en-US"/>
               <a:t>Edit Master text styles</a:t>
             </a:r>
           </a:p>
           <a:p>
             <a:pPr lvl="1"/>
             <a:r>
-              <a:rPr lang="en-US" dirty="0"/>
+              <a:rPr lang="en-US"/>
               <a:t>Second level</a:t>
             </a:r>
           </a:p>
           <a:p>
             <a:pPr lvl="2"/>
             <a:r>
-              <a:rPr lang="en-US" dirty="0"/>
+              <a:rPr lang="en-US"/>
               <a:t>Third level</a:t>
             </a:r>
           </a:p>
           <a:p>
             <a:pPr lvl="3"/>
             <a:r>
-              <a:rPr lang="en-US" dirty="0"/>
+              <a:rPr lang="en-US"/>
               <a:t>Fourth level</a:t>
             </a:r>
           </a:p>
           <a:p>
             <a:pPr lvl="4"/>
             <a:r>
-              <a:rPr lang="en-US" dirty="0"/>
+              <a:rPr lang="en-US"/>
               <a:t>Fifth level</a:t>
             </a:r>
           </a:p>
@@ -4829,7 +6689,7 @@
           <a:p>
             <a:pPr lvl="0"/>
             <a:r>
-              <a:rPr lang="en-US" dirty="0"/>
+              <a:rPr lang="en-US"/>
               <a:t>Edit Master text styles</a:t>
             </a:r>
           </a:p>
@@ -4852,9 +6712,9 @@
           <a:p>
             <a:fld id="{4509A250-FF31-4206-8172-F9D3106AACB1}" type="datetimeFigureOut">
               <a:rPr lang="en-US" dirty="0"/>
-              <a:t>12/8/18</a:t>
+              <a:t>12/12/18</a:t>
             </a:fld>
-            <a:endParaRPr lang="en-US" dirty="0"/>
+            <a:endParaRPr lang="en-US"/>
           </a:p>
         </p:txBody>
       </p:sp>
@@ -4873,7 +6733,7 @@
           <a:bodyPr/>
           <a:lstStyle/>
           <a:p>
-            <a:endParaRPr lang="en-US" dirty="0"/>
+            <a:endParaRPr lang="en-US"/>
           </a:p>
         </p:txBody>
       </p:sp>
@@ -4896,7 +6756,7 @@
               <a:rPr lang="en-US" dirty="0"/>
               <a:t>‹#›</a:t>
             </a:fld>
-            <a:endParaRPr lang="en-US" dirty="0"/>
+            <a:endParaRPr lang="en-US"/>
           </a:p>
         </p:txBody>
       </p:sp>
@@ -4957,7 +6817,7 @@
           </a:lstStyle>
           <a:p>
             <a:r>
-              <a:rPr lang="en-US" dirty="0"/>
+              <a:rPr lang="en-US"/>
               <a:t>Click to edit Master title style</a:t>
             </a:r>
           </a:p>
@@ -5035,7 +6895,7 @@
           </a:lstStyle>
           <a:p>
             <a:r>
-              <a:rPr lang="en-US" dirty="0"/>
+              <a:rPr lang="en-US"/>
               <a:t>Click icon to add picture</a:t>
             </a:r>
           </a:p>
@@ -5102,7 +6962,7 @@
           <a:p>
             <a:pPr lvl="0"/>
             <a:r>
-              <a:rPr lang="en-US" dirty="0"/>
+              <a:rPr lang="en-US"/>
               <a:t>Edit Master text styles</a:t>
             </a:r>
           </a:p>
@@ -5125,9 +6985,9 @@
           <a:p>
             <a:fld id="{4509A250-FF31-4206-8172-F9D3106AACB1}" type="datetimeFigureOut">
               <a:rPr lang="en-US" dirty="0"/>
-              <a:t>12/8/18</a:t>
+              <a:t>12/12/18</a:t>
             </a:fld>
-            <a:endParaRPr lang="en-US" dirty="0"/>
+            <a:endParaRPr lang="en-US"/>
           </a:p>
         </p:txBody>
       </p:sp>
@@ -5146,7 +7006,7 @@
           <a:bodyPr/>
           <a:lstStyle/>
           <a:p>
-            <a:endParaRPr lang="en-US" dirty="0"/>
+            <a:endParaRPr lang="en-US"/>
           </a:p>
         </p:txBody>
       </p:sp>
@@ -5169,7 +7029,7 @@
               <a:rPr lang="en-US" dirty="0"/>
               <a:t>‹#›</a:t>
             </a:fld>
-            <a:endParaRPr lang="en-US" dirty="0"/>
+            <a:endParaRPr lang="en-US"/>
           </a:p>
         </p:txBody>
       </p:sp>
@@ -5449,7 +7309,7 @@
           <a:lstStyle/>
           <a:p>
             <a:r>
-              <a:rPr lang="en-US" dirty="0"/>
+              <a:rPr lang="en-US"/>
               <a:t>Click to edit Master title style</a:t>
             </a:r>
           </a:p>
@@ -5482,35 +7342,35 @@
           <a:p>
             <a:pPr lvl="0"/>
             <a:r>
-              <a:rPr lang="en-US" dirty="0"/>
+              <a:rPr lang="en-US"/>
               <a:t>Edit Master text styles</a:t>
             </a:r>
           </a:p>
           <a:p>
             <a:pPr lvl="1"/>
             <a:r>
-              <a:rPr lang="en-US" dirty="0"/>
+              <a:rPr lang="en-US"/>
               <a:t>Second level</a:t>
             </a:r>
           </a:p>
           <a:p>
             <a:pPr lvl="2"/>
             <a:r>
-              <a:rPr lang="en-US" dirty="0"/>
+              <a:rPr lang="en-US"/>
               <a:t>Third level</a:t>
             </a:r>
           </a:p>
           <a:p>
             <a:pPr lvl="3"/>
             <a:r>
-              <a:rPr lang="en-US" dirty="0"/>
+              <a:rPr lang="en-US"/>
               <a:t>Fourth level</a:t>
             </a:r>
           </a:p>
           <a:p>
             <a:pPr lvl="4"/>
             <a:r>
-              <a:rPr lang="en-US" dirty="0"/>
+              <a:rPr lang="en-US"/>
               <a:t>Fifth level</a:t>
             </a:r>
           </a:p>
@@ -5552,9 +7412,9 @@
           <a:p>
             <a:fld id="{4AAD347D-5ACD-4C99-B74B-A9C85AD731AF}" type="datetimeFigureOut">
               <a:rPr lang="en-US" dirty="0"/>
-              <a:t>12/8/18</a:t>
+              <a:t>12/12/18</a:t>
             </a:fld>
-            <a:endParaRPr lang="en-US" dirty="0"/>
+            <a:endParaRPr lang="en-US"/>
           </a:p>
         </p:txBody>
       </p:sp>
@@ -5592,7 +7452,7 @@
             </a:lvl1pPr>
           </a:lstStyle>
           <a:p>
-            <a:endParaRPr lang="en-US" dirty="0"/>
+            <a:endParaRPr lang="en-US"/>
           </a:p>
         </p:txBody>
       </p:sp>
@@ -5633,7 +7493,7 @@
               <a:rPr lang="en-US" dirty="0"/>
               <a:t>‹#›</a:t>
             </a:fld>
-            <a:endParaRPr lang="en-US" dirty="0"/>
+            <a:endParaRPr lang="en-US"/>
           </a:p>
         </p:txBody>
       </p:sp>
@@ -6098,56 +7958,56 @@
           <a:p>
             <a:pPr algn="ctr"/>
             <a:r>
-              <a:rPr lang="en-US" sz="6600" dirty="0"/>
+              <a:rPr lang="en-US" sz="6600"/>
               <a:t>Expect</a:t>
             </a:r>
             <a:r>
-              <a:rPr lang="en-US" sz="6600" dirty="0">
+              <a:rPr lang="en-US" sz="6600">
                 <a:ea typeface="+mj-lt"/>
                 <a:cs typeface="+mj-lt"/>
               </a:rPr>
               <a:t> to Win:</a:t>
             </a:r>
             <a:br>
-              <a:rPr lang="en-US" sz="6600" dirty="0">
+              <a:rPr lang="en-US" sz="6600">
                 <a:ea typeface="+mj-lt"/>
                 <a:cs typeface="+mj-lt"/>
               </a:rPr>
             </a:br>
             <a:r>
-              <a:rPr lang="en-US" sz="4800" dirty="0">
+              <a:rPr lang="en-US" sz="4800">
                 <a:ea typeface="+mj-lt"/>
                 <a:cs typeface="+mj-lt"/>
               </a:rPr>
               <a:t>Predicting </a:t>
             </a:r>
             <a:br>
-              <a:rPr lang="en-US" sz="4800" dirty="0">
+              <a:rPr lang="en-US" sz="4800">
                 <a:ea typeface="+mj-lt"/>
                 <a:cs typeface="+mj-lt"/>
               </a:rPr>
             </a:br>
             <a:r>
-              <a:rPr lang="en-US" sz="4800" dirty="0">
+              <a:rPr lang="en-US" sz="4800">
                 <a:ea typeface="+mj-lt"/>
                 <a:cs typeface="+mj-lt"/>
               </a:rPr>
               <a:t>Winning (Proportion) in </a:t>
             </a:r>
             <a:br>
-              <a:rPr lang="en-US" sz="4800" dirty="0">
+              <a:rPr lang="en-US" sz="4800">
                 <a:ea typeface="+mj-lt"/>
                 <a:cs typeface="+mj-lt"/>
               </a:rPr>
             </a:br>
             <a:r>
-              <a:rPr lang="en-US" sz="4800" dirty="0">
+              <a:rPr lang="en-US" sz="4800">
                 <a:ea typeface="+mj-lt"/>
                 <a:cs typeface="+mj-lt"/>
               </a:rPr>
               <a:t>Major League Baseball</a:t>
             </a:r>
-            <a:endParaRPr lang="en-US" dirty="0"/>
+            <a:endParaRPr lang="en-US"/>
           </a:p>
         </p:txBody>
       </p:sp>
@@ -6170,15 +8030,14 @@
           <a:p>
             <a:pPr algn="ctr"/>
             <a:r>
-              <a:rPr lang="en-US" dirty="0"/>
+              <a:rPr lang="en-US"/>
               <a:t>Rob Sanchez &amp; Sydney Brougham</a:t>
             </a:r>
-            <a:endParaRPr lang="en-US"/>
           </a:p>
           <a:p>
             <a:pPr algn="ctr"/>
             <a:r>
-              <a:rPr lang="en-US" dirty="0"/>
+              <a:rPr lang="en-US"/>
               <a:t>STA631 F2018</a:t>
             </a:r>
           </a:p>
@@ -6236,7 +8095,7 @@
           <a:lstStyle/>
           <a:p>
             <a:r>
-              <a:rPr lang="en-US" dirty="0"/>
+              <a:rPr lang="en-US"/>
               <a:t>Weibull (1)</a:t>
             </a:r>
           </a:p>
@@ -6258,68 +8117,134 @@
             <p:ph idx="1"/>
           </p:nvPr>
         </p:nvSpPr>
-        <p:spPr/>
-        <p:txBody>
-          <a:bodyPr/>
+        <p:spPr>
+          <a:xfrm>
+            <a:off x="1103312" y="1378841"/>
+            <a:ext cx="8946541" cy="5064941"/>
+          </a:xfrm>
+        </p:spPr>
+        <p:txBody>
+          <a:bodyPr vert="horz" lIns="91440" tIns="45720" rIns="91440" bIns="45720" rtlCol="0" anchor="t">
+            <a:normAutofit/>
+          </a:bodyPr>
           <a:lstStyle/>
           <a:p>
             <a:r>
-              <a:rPr lang="en-US" dirty="0"/>
-              <a:t>Miller Paper (2005)</a:t>
-            </a:r>
-          </a:p>
-          <a:p>
-            <a:r>
-              <a:rPr lang="en-US" dirty="0"/>
-              <a:t>Derive Pythagorean expectation from random draws of a Weibull distribution</a:t>
-            </a:r>
-          </a:p>
-          <a:p>
-            <a:r>
-              <a:rPr lang="en-US" dirty="0"/>
-              <a:t>Using daily team runs histogram data</a:t>
+              <a:rPr lang="en-US"/>
+              <a:t>Miller, S. J. (2005). A Derivation of the Pythagorean Won-Loss Formula in Baseball. </a:t>
+            </a:r>
+          </a:p>
+          <a:p>
+            <a:r>
+              <a:rPr lang="en-US"/>
+              <a:t>PE formula from random draws of a Weibull distribution</a:t>
+            </a:r>
+          </a:p>
+          <a:p>
+            <a:r>
+              <a:rPr lang="en-US"/>
+              <a:t>Daily team runs histogram data – implemented in Julia</a:t>
             </a:r>
           </a:p>
           <a:p>
             <a:pPr lvl="1"/>
             <a:r>
-              <a:rPr lang="en-US" dirty="0"/>
-              <a:t>OLS</a:t>
-            </a:r>
-          </a:p>
-          <a:p>
-            <a:pPr lvl="2"/>
-            <a:r>
-              <a:rPr lang="en-US" dirty="0"/>
-              <a:t>Picture of formula</a:t>
+              <a:rPr lang="en-US"/>
+              <a:t>OLS – minimize sum-of-squares</a:t>
             </a:r>
           </a:p>
           <a:p>
             <a:pPr lvl="1"/>
-            <a:r>
-              <a:rPr lang="en-US" dirty="0"/>
-              <a:t>MLE</a:t>
-            </a:r>
-          </a:p>
-          <a:p>
-            <a:pPr lvl="2"/>
-            <a:r>
-              <a:rPr lang="en-US" dirty="0"/>
-              <a:t>Picture of formula</a:t>
-            </a:r>
+            <a:endParaRPr lang="en-US"/>
+          </a:p>
+          <a:p>
+            <a:pPr marL="914400" lvl="2" indent="0">
+              <a:buNone/>
+            </a:pPr>
+            <a:endParaRPr lang="en-US"/>
           </a:p>
           <a:p>
             <a:pPr lvl="1"/>
-            <a:r>
-              <a:rPr lang="en-US" dirty="0"/>
-              <a:t>Julia</a:t>
-            </a:r>
-          </a:p>
-          <a:p>
-            <a:endParaRPr lang="en-US" dirty="0"/>
-          </a:p>
-        </p:txBody>
-      </p:sp>
+            <a:endParaRPr lang="en-US"/>
+          </a:p>
+          <a:p>
+            <a:pPr lvl="1"/>
+            <a:r>
+              <a:rPr lang="en-US"/>
+              <a:t>MLE – maximum likelihood estimation</a:t>
+            </a:r>
+          </a:p>
+          <a:p>
+            <a:pPr marL="457200" lvl="1" indent="0">
+              <a:buNone/>
+            </a:pPr>
+            <a:endParaRPr lang="en-US"/>
+          </a:p>
+          <a:p>
+            <a:endParaRPr lang="en-US"/>
+          </a:p>
+        </p:txBody>
+      </p:sp>
+      <p:pic>
+        <p:nvPicPr>
+          <p:cNvPr id="6" name="Picture 6" descr="A close up of a logo&#10;&#10;Description generated with very high confidence">
+            <a:extLst>
+              <a:ext uri="{FF2B5EF4-FFF2-40B4-BE49-F238E27FC236}">
+                <a16:creationId xmlns:a16="http://schemas.microsoft.com/office/drawing/2014/main" id="{C83B5D6F-96DA-486A-8DD7-77FFF01CCEC1}"/>
+              </a:ext>
+            </a:extLst>
+          </p:cNvPr>
+          <p:cNvPicPr>
+            <a:picLocks noChangeAspect="1"/>
+          </p:cNvPicPr>
+          <p:nvPr/>
+        </p:nvPicPr>
+        <p:blipFill>
+          <a:blip r:embed="rId2"/>
+          <a:stretch>
+            <a:fillRect/>
+          </a:stretch>
+        </p:blipFill>
+        <p:spPr>
+          <a:xfrm>
+            <a:off x="1871785" y="3425942"/>
+            <a:ext cx="6152659" cy="963500"/>
+          </a:xfrm>
+          <a:prstGeom prst="rect">
+            <a:avLst/>
+          </a:prstGeom>
+        </p:spPr>
+      </p:pic>
+      <p:pic>
+        <p:nvPicPr>
+          <p:cNvPr id="8" name="Picture 8" descr="A close up of a logo&#10;&#10;Description generated with high confidence">
+            <a:extLst>
+              <a:ext uri="{FF2B5EF4-FFF2-40B4-BE49-F238E27FC236}">
+                <a16:creationId xmlns:a16="http://schemas.microsoft.com/office/drawing/2014/main" id="{1FBF891F-1037-4E88-83D1-900FBA76BC60}"/>
+              </a:ext>
+            </a:extLst>
+          </p:cNvPr>
+          <p:cNvPicPr>
+            <a:picLocks noChangeAspect="1"/>
+          </p:cNvPicPr>
+          <p:nvPr/>
+        </p:nvPicPr>
+        <p:blipFill>
+          <a:blip r:embed="rId3"/>
+          <a:stretch>
+            <a:fillRect/>
+          </a:stretch>
+        </p:blipFill>
+        <p:spPr>
+          <a:xfrm>
+            <a:off x="1871785" y="4930848"/>
+            <a:ext cx="6152661" cy="1460840"/>
+          </a:xfrm>
+          <a:prstGeom prst="rect">
+            <a:avLst/>
+          </a:prstGeom>
+        </p:spPr>
+      </p:pic>
     </p:spTree>
     <p:extLst>
       <p:ext uri="{BB962C8B-B14F-4D97-AF65-F5344CB8AC3E}">
@@ -6372,7 +8297,7 @@
           <a:lstStyle/>
           <a:p>
             <a:r>
-              <a:rPr lang="en-US" dirty="0"/>
+              <a:rPr lang="en-US"/>
               <a:t>Weibull (2)</a:t>
             </a:r>
           </a:p>
@@ -6400,25 +8325,25 @@
           <a:lstStyle/>
           <a:p>
             <a:r>
-              <a:rPr lang="en-US" dirty="0"/>
+              <a:rPr lang="en-US"/>
               <a:t>Table of 2004 MLB exponent estimates: Miller’s and ours, OLS and MLE</a:t>
             </a:r>
           </a:p>
           <a:p>
             <a:r>
-              <a:rPr lang="en-US" dirty="0"/>
+              <a:rPr lang="en-US"/>
               <a:t>Weibull fit images from Miller paper</a:t>
             </a:r>
           </a:p>
           <a:p>
             <a:r>
-              <a:rPr lang="en-US" dirty="0"/>
+              <a:rPr lang="en-US"/>
               <a:t>Pretty pictures from R code</a:t>
             </a:r>
           </a:p>
           <a:p>
             <a:r>
-              <a:rPr lang="en-US" dirty="0"/>
+              <a:rPr lang="en-US"/>
               <a:t>Bookies, Vegas, general managers, team owners, fans</a:t>
             </a:r>
           </a:p>
@@ -6476,7 +8401,7 @@
           <a:lstStyle/>
           <a:p>
             <a:r>
-              <a:rPr lang="en-US" dirty="0"/>
+              <a:rPr lang="en-US"/>
               <a:t>Conclusion</a:t>
             </a:r>
           </a:p>
@@ -6500,19 +8425,52 @@
         </p:nvSpPr>
         <p:spPr/>
         <p:txBody>
-          <a:bodyPr/>
+          <a:bodyPr vert="horz" lIns="91440" tIns="45720" rIns="91440" bIns="45720" rtlCol="0" anchor="t">
+            <a:normAutofit/>
+          </a:bodyPr>
           <a:lstStyle/>
           <a:p>
             <a:r>
-              <a:rPr lang="en-US" dirty="0"/>
+              <a:rPr lang="en-US"/>
               <a:t>Is the team performing to expectations?</a:t>
             </a:r>
           </a:p>
           <a:p>
             <a:pPr lvl="1"/>
             <a:r>
-              <a:rPr lang="en-US" dirty="0"/>
+              <a:rPr lang="en-US"/>
               <a:t>Will the team invest more/less in the off-season</a:t>
+            </a:r>
+          </a:p>
+          <a:p>
+            <a:pPr lvl="1"/>
+            <a:endParaRPr lang="en-US"/>
+          </a:p>
+          <a:p>
+            <a:r>
+              <a:rPr lang="en-US"/>
+              <a:t>If we had more time</a:t>
+            </a:r>
+          </a:p>
+          <a:p>
+            <a:pPr lvl="1"/>
+            <a:r>
+              <a:rPr lang="en-US"/>
+              <a:t>Variable transformations</a:t>
+            </a:r>
+          </a:p>
+          <a:p>
+            <a:pPr lvl="1"/>
+            <a:r>
+              <a:rPr lang="en-US"/>
+              <a:t>Interaction effects</a:t>
+            </a:r>
+          </a:p>
+          <a:p>
+            <a:pPr lvl="1"/>
+            <a:r>
+              <a:rPr lang="en-US"/>
+              <a:t>Stranded base runners</a:t>
             </a:r>
           </a:p>
         </p:txBody>
@@ -6569,7 +8527,7 @@
           <a:lstStyle/>
           <a:p>
             <a:r>
-              <a:rPr lang="en-US" dirty="0"/>
+              <a:rPr lang="en-US"/>
               <a:t>References</a:t>
             </a:r>
           </a:p>
@@ -6593,9 +8551,47 @@
         </p:nvSpPr>
         <p:spPr/>
         <p:txBody>
-          <a:bodyPr/>
+          <a:bodyPr vert="horz" lIns="91440" tIns="45720" rIns="91440" bIns="45720" rtlCol="0" anchor="t">
+            <a:normAutofit/>
+          </a:bodyPr>
           <a:lstStyle/>
           <a:p>
+            <a:pPr marL="0" indent="-457200">
+              <a:buNone/>
+            </a:pPr>
+            <a:r>
+              <a:rPr lang="en-US"/>
+              <a:t>Marchi, M., &amp; Albert, J. (2014). Analyzing Baseball Data with R. Boca Raton, FL: CRC Press, Taylor &amp; Francis Group.</a:t>
+            </a:r>
+          </a:p>
+          <a:p>
+            <a:pPr marL="0" indent="-457200">
+              <a:buNone/>
+            </a:pPr>
+            <a:r>
+              <a:rPr lang="en-US"/>
+              <a:t>Miller, S. J. (2005). A Derivation of the Pythagorean Won-Loss Formula in Baseball. </a:t>
+            </a:r>
+            <a:r>
+              <a:rPr lang="en-US" err="1"/>
+              <a:t>ArXiv:Math</a:t>
+            </a:r>
+            <a:r>
+              <a:rPr lang="en-US"/>
+              <a:t>/0509698. Retrieved from </a:t>
+            </a:r>
+            <a:r>
+              <a:rPr lang="en-US">
+                <a:hlinkClick r:id="rId2"/>
+              </a:rPr>
+              <a:t>http://arxiv.org/abs/math/0509698</a:t>
+            </a:r>
+            <a:endParaRPr lang="en-US"/>
+          </a:p>
+          <a:p>
+            <a:pPr marL="0" indent="0">
+              <a:buNone/>
+            </a:pPr>
             <a:endParaRPr lang="en-US"/>
           </a:p>
         </p:txBody>
@@ -6635,130 +8631,6 @@
           <p:cNvPr id="2" name="Title 1">
             <a:extLst>
               <a:ext uri="{FF2B5EF4-FFF2-40B4-BE49-F238E27FC236}">
-                <a16:creationId xmlns:a16="http://schemas.microsoft.com/office/drawing/2014/main" id="{020483FA-3C41-4D14-87FF-12E9DC69F70C}"/>
-              </a:ext>
-            </a:extLst>
-          </p:cNvPr>
-          <p:cNvSpPr>
-            <a:spLocks noGrp="1"/>
-          </p:cNvSpPr>
-          <p:nvPr>
-            <p:ph type="title"/>
-          </p:nvPr>
-        </p:nvSpPr>
-        <p:spPr/>
-        <p:txBody>
-          <a:bodyPr/>
-          <a:lstStyle/>
-          <a:p>
-            <a:r>
-              <a:rPr lang="en-US" dirty="0"/>
-              <a:t>Agenda</a:t>
-            </a:r>
-          </a:p>
-        </p:txBody>
-      </p:sp>
-      <p:sp>
-        <p:nvSpPr>
-          <p:cNvPr id="3" name="Content Placeholder 2">
-            <a:extLst>
-              <a:ext uri="{FF2B5EF4-FFF2-40B4-BE49-F238E27FC236}">
-                <a16:creationId xmlns:a16="http://schemas.microsoft.com/office/drawing/2014/main" id="{2781EC10-466C-4AE5-AC2D-79BFD06D27FA}"/>
-              </a:ext>
-            </a:extLst>
-          </p:cNvPr>
-          <p:cNvSpPr>
-            <a:spLocks noGrp="1"/>
-          </p:cNvSpPr>
-          <p:nvPr>
-            <p:ph idx="1"/>
-          </p:nvPr>
-        </p:nvSpPr>
-        <p:spPr/>
-        <p:txBody>
-          <a:bodyPr vert="horz" lIns="91440" tIns="45720" rIns="91440" bIns="45720" rtlCol="0" anchor="t">
-            <a:normAutofit/>
-          </a:bodyPr>
-          <a:lstStyle/>
-          <a:p>
-            <a:r>
-              <a:rPr lang="en-US" dirty="0"/>
-              <a:t>Project Goals</a:t>
-            </a:r>
-          </a:p>
-          <a:p>
-            <a:r>
-              <a:rPr lang="en-US" dirty="0"/>
-              <a:t>Regression Models</a:t>
-            </a:r>
-          </a:p>
-          <a:p>
-            <a:r>
-              <a:rPr lang="en-US" dirty="0"/>
-              <a:t>Model Performance</a:t>
-            </a:r>
-          </a:p>
-          <a:p>
-            <a:r>
-              <a:rPr lang="en-US" dirty="0"/>
-              <a:t>Pythagorean Expectation</a:t>
-            </a:r>
-          </a:p>
-          <a:p>
-            <a:r>
-              <a:rPr lang="en-US" dirty="0"/>
-              <a:t>Exponents</a:t>
-            </a:r>
-          </a:p>
-          <a:p>
-            <a:r>
-              <a:rPr lang="en-US" dirty="0"/>
-              <a:t>Weibull Distribution Fits</a:t>
-            </a:r>
-          </a:p>
-          <a:p>
-            <a:r>
-              <a:rPr lang="en-US" dirty="0"/>
-              <a:t>Conclusion</a:t>
-            </a:r>
-          </a:p>
-        </p:txBody>
-      </p:sp>
-    </p:spTree>
-    <p:extLst>
-      <p:ext uri="{BB962C8B-B14F-4D97-AF65-F5344CB8AC3E}">
-        <p14:creationId xmlns:p14="http://schemas.microsoft.com/office/powerpoint/2010/main" val="674387800"/>
-      </p:ext>
-    </p:extLst>
-  </p:cSld>
-  <p:clrMapOvr>
-    <a:masterClrMapping/>
-  </p:clrMapOvr>
-</p:sld>
-</file>
-
-<file path=ppt/slides/slide3.xml><?xml version="1.0" encoding="utf-8"?>
-<p:sld xmlns:a="http://schemas.openxmlformats.org/drawingml/2006/main" xmlns:r="http://schemas.openxmlformats.org/officeDocument/2006/relationships" xmlns:p="http://schemas.openxmlformats.org/presentationml/2006/main">
-  <p:cSld>
-    <p:spTree>
-      <p:nvGrpSpPr>
-        <p:cNvPr id="1" name=""/>
-        <p:cNvGrpSpPr/>
-        <p:nvPr/>
-      </p:nvGrpSpPr>
-      <p:grpSpPr>
-        <a:xfrm>
-          <a:off x="0" y="0"/>
-          <a:ext cx="0" cy="0"/>
-          <a:chOff x="0" y="0"/>
-          <a:chExt cx="0" cy="0"/>
-        </a:xfrm>
-      </p:grpSpPr>
-      <p:sp>
-        <p:nvSpPr>
-          <p:cNvPr id="2" name="Title 1">
-            <a:extLst>
-              <a:ext uri="{FF2B5EF4-FFF2-40B4-BE49-F238E27FC236}">
                 <a16:creationId xmlns:a16="http://schemas.microsoft.com/office/drawing/2014/main" id="{73BD6802-8B16-43C7-8EF4-A49A93A4A2FD}"/>
               </a:ext>
             </a:extLst>
@@ -6776,7 +8648,7 @@
           <a:lstStyle/>
           <a:p>
             <a:r>
-              <a:rPr lang="en-US" dirty="0"/>
+              <a:rPr lang="en-US"/>
               <a:t>Goals</a:t>
             </a:r>
           </a:p>
@@ -6800,16 +8672,35 @@
                 <p:ph idx="1"/>
               </p:nvPr>
             </p:nvSpPr>
-            <p:spPr/>
+            <p:spPr>
+              <a:xfrm>
+                <a:off x="1103312" y="1538244"/>
+                <a:ext cx="8946541" cy="4710156"/>
+              </a:xfrm>
+            </p:spPr>
             <p:txBody>
               <a:bodyPr vert="horz" lIns="91440" tIns="45720" rIns="91440" bIns="45720" rtlCol="0" anchor="t">
                 <a:normAutofit/>
               </a:bodyPr>
               <a:lstStyle/>
               <a:p>
+                <a:pPr marL="0" indent="0">
+                  <a:buNone/>
+                </a:pPr>
                 <a:r>
                   <a:rPr lang="en-US" dirty="0"/>
-                  <a:t>Prediction Models</a:t>
+                  <a:t>1.	OLS / Penalized / Dimension-Reducing Regression Models</a:t>
+                </a:r>
+              </a:p>
+              <a:p>
+                <a:pPr lvl="1"/>
+                <a:r>
+                  <a:rPr lang="en-US" dirty="0" err="1"/>
+                  <a:t>Lahman’s</a:t>
+                </a:r>
+                <a:r>
+                  <a:rPr lang="en-US" dirty="0"/>
+                  <a:t> Baseball Database: Teams table</a:t>
                 </a:r>
               </a:p>
               <a:p>
@@ -6820,7 +8711,10 @@
                 </a:r>
               </a:p>
               <a:p>
-                <a:pPr lvl="2"/>
+                <a:pPr lvl="2">
+                  <a:buFont typeface="Arial" panose="020B0604020202020204" pitchFamily="34" charset="0"/>
+                  <a:buChar char="•"/>
+                </a:pPr>
                 <a14:m>
                   <m:oMath xmlns:m="http://schemas.openxmlformats.org/officeDocument/2006/math">
                     <m:f>
@@ -6865,16 +8759,18 @@
                 <a:endParaRPr lang="en-US" dirty="0"/>
               </a:p>
               <a:p>
-                <a:pPr lvl="1"/>
+                <a:pPr marL="0" indent="0">
+                  <a:buNone/>
+                </a:pPr>
+                <a:endParaRPr lang="en-US" dirty="0"/>
+              </a:p>
+              <a:p>
+                <a:pPr marL="0" indent="0">
+                  <a:buNone/>
+                </a:pPr>
                 <a:r>
                   <a:rPr lang="en-US" dirty="0"/>
-                  <a:t>Predictors beyond run differential (runs scored – runs allowed)</a:t>
-                </a:r>
-              </a:p>
-              <a:p>
-                <a:r>
-                  <a:rPr lang="en-US" dirty="0"/>
-                  <a:t>Estimate Pythagorean Expectation Exponent</a:t>
+                  <a:t>2.	Estimate Pythagorean Expectation Exponent</a:t>
                 </a:r>
               </a:p>
               <a:p>
@@ -6892,9 +8788,18 @@
                 </a:r>
               </a:p>
               <a:p>
+                <a:pPr marL="457200" lvl="1" indent="0">
+                  <a:buNone/>
+                </a:pPr>
+                <a:endParaRPr lang="en-US" dirty="0"/>
+              </a:p>
+              <a:p>
+                <a:pPr marL="0" indent="0">
+                  <a:buNone/>
+                </a:pPr>
                 <a:r>
                   <a:rPr lang="en-US" dirty="0"/>
-                  <a:t>Fit Team Run Data to Weibull distribution</a:t>
+                  <a:t>3.	Fit Team Run Data to Weibull distribution</a:t>
                 </a:r>
               </a:p>
               <a:p>
@@ -6929,10 +8834,14 @@
               </p:nvPr>
             </p:nvSpPr>
             <p:spPr>
+              <a:xfrm>
+                <a:off x="1103312" y="1538244"/>
+                <a:ext cx="8946541" cy="4710156"/>
+              </a:xfrm>
               <a:blipFill>
                 <a:blip r:embed="rId2"/>
                 <a:stretch>
-                  <a:fillRect l="-284" t="-906"/>
+                  <a:fillRect l="-709" t="-538"/>
                 </a:stretch>
               </a:blipFill>
             </p:spPr>
@@ -6964,6 +8873,140 @@
 </p:sld>
 </file>
 
+<file path=ppt/slides/slide3.xml><?xml version="1.0" encoding="utf-8"?>
+<p:sld xmlns:a="http://schemas.openxmlformats.org/drawingml/2006/main" xmlns:r="http://schemas.openxmlformats.org/officeDocument/2006/relationships" xmlns:p="http://schemas.openxmlformats.org/presentationml/2006/main">
+  <p:cSld>
+    <p:spTree>
+      <p:nvGrpSpPr>
+        <p:cNvPr id="1" name=""/>
+        <p:cNvGrpSpPr/>
+        <p:nvPr/>
+      </p:nvGrpSpPr>
+      <p:grpSpPr>
+        <a:xfrm>
+          <a:off x="0" y="0"/>
+          <a:ext cx="0" cy="0"/>
+          <a:chOff x="0" y="0"/>
+          <a:chExt cx="0" cy="0"/>
+        </a:xfrm>
+      </p:grpSpPr>
+      <p:sp>
+        <p:nvSpPr>
+          <p:cNvPr id="2" name="Title 1">
+            <a:extLst>
+              <a:ext uri="{FF2B5EF4-FFF2-40B4-BE49-F238E27FC236}">
+                <a16:creationId xmlns:a16="http://schemas.microsoft.com/office/drawing/2014/main" id="{345C708F-9ABA-394C-9D44-EC5AD4F6DD40}"/>
+              </a:ext>
+            </a:extLst>
+          </p:cNvPr>
+          <p:cNvSpPr>
+            <a:spLocks noGrp="1"/>
+          </p:cNvSpPr>
+          <p:nvPr>
+            <p:ph type="title"/>
+          </p:nvPr>
+        </p:nvSpPr>
+        <p:spPr>
+          <a:xfrm>
+            <a:off x="646111" y="452718"/>
+            <a:ext cx="9404723" cy="1400530"/>
+          </a:xfrm>
+        </p:spPr>
+        <p:txBody>
+          <a:bodyPr/>
+          <a:lstStyle/>
+          <a:p>
+            <a:r>
+              <a:rPr lang="en-US" dirty="0"/>
+              <a:t>Data</a:t>
+            </a:r>
+          </a:p>
+        </p:txBody>
+      </p:sp>
+      <p:sp>
+        <p:nvSpPr>
+          <p:cNvPr id="3" name="Content Placeholder 2">
+            <a:extLst>
+              <a:ext uri="{FF2B5EF4-FFF2-40B4-BE49-F238E27FC236}">
+                <a16:creationId xmlns:a16="http://schemas.microsoft.com/office/drawing/2014/main" id="{33E51D26-3E03-8B45-BE1F-7AE62CDAAD34}"/>
+              </a:ext>
+            </a:extLst>
+          </p:cNvPr>
+          <p:cNvSpPr>
+            <a:spLocks noGrp="1"/>
+          </p:cNvSpPr>
+          <p:nvPr>
+            <p:ph idx="1"/>
+          </p:nvPr>
+        </p:nvSpPr>
+        <p:spPr>
+          <a:xfrm>
+            <a:off x="1104293" y="1152983"/>
+            <a:ext cx="8946541" cy="4195481"/>
+          </a:xfrm>
+        </p:spPr>
+        <p:txBody>
+          <a:bodyPr/>
+          <a:lstStyle/>
+          <a:p>
+            <a:r>
+              <a:rPr lang="en-US" dirty="0"/>
+              <a:t>Sean </a:t>
+            </a:r>
+            <a:r>
+              <a:rPr lang="en-US" dirty="0" err="1"/>
+              <a:t>Lahman’s</a:t>
+            </a:r>
+            <a:r>
+              <a:rPr lang="en-US" dirty="0"/>
+              <a:t> Baseball Database: Teams table</a:t>
+            </a:r>
+          </a:p>
+        </p:txBody>
+      </p:sp>
+      <p:pic>
+        <p:nvPicPr>
+          <p:cNvPr id="6" name="Picture 5">
+            <a:extLst>
+              <a:ext uri="{FF2B5EF4-FFF2-40B4-BE49-F238E27FC236}">
+                <a16:creationId xmlns:a16="http://schemas.microsoft.com/office/drawing/2014/main" id="{31AB83EB-30DA-49D8-A42B-A0AC07DE336A}"/>
+              </a:ext>
+            </a:extLst>
+          </p:cNvPr>
+          <p:cNvPicPr>
+            <a:picLocks noChangeAspect="1"/>
+          </p:cNvPicPr>
+          <p:nvPr/>
+        </p:nvPicPr>
+        <p:blipFill>
+          <a:blip r:embed="rId2"/>
+          <a:stretch>
+            <a:fillRect/>
+          </a:stretch>
+        </p:blipFill>
+        <p:spPr>
+          <a:xfrm>
+            <a:off x="819910" y="1622704"/>
+            <a:ext cx="10552180" cy="5235296"/>
+          </a:xfrm>
+          <a:prstGeom prst="rect">
+            <a:avLst/>
+          </a:prstGeom>
+        </p:spPr>
+      </p:pic>
+    </p:spTree>
+    <p:extLst>
+      <p:ext uri="{BB962C8B-B14F-4D97-AF65-F5344CB8AC3E}">
+        <p14:creationId xmlns:p14="http://schemas.microsoft.com/office/powerpoint/2010/main" val="204303838"/>
+      </p:ext>
+    </p:extLst>
+  </p:cSld>
+  <p:clrMapOvr>
+    <a:masterClrMapping/>
+  </p:clrMapOvr>
+</p:sld>
+</file>
+
 <file path=ppt/slides/slide4.xml><?xml version="1.0" encoding="utf-8"?>
 <p:sld xmlns:a="http://schemas.openxmlformats.org/drawingml/2006/main" xmlns:r="http://schemas.openxmlformats.org/officeDocument/2006/relationships" xmlns:p="http://schemas.openxmlformats.org/presentationml/2006/main">
   <p:cSld>
@@ -6986,7 +9029,7 @@
           <p:cNvPr id="2" name="Title 1">
             <a:extLst>
               <a:ext uri="{FF2B5EF4-FFF2-40B4-BE49-F238E27FC236}">
-                <a16:creationId xmlns:a16="http://schemas.microsoft.com/office/drawing/2014/main" id="{345C708F-9ABA-394C-9D44-EC5AD4F6DD40}"/>
+                <a16:creationId xmlns:a16="http://schemas.microsoft.com/office/drawing/2014/main" id="{BA5CE4E0-3267-46F1-ABF0-33B8EBD38556}"/>
               </a:ext>
             </a:extLst>
           </p:cNvPr>
@@ -7004,7 +9047,14 @@
           <a:p>
             <a:r>
               <a:rPr lang="en-US" dirty="0"/>
-              <a:t>Data</a:t>
+              <a:t>Regression </a:t>
+            </a:r>
+            <a:br>
+              <a:rPr lang="en-US" dirty="0"/>
+            </a:br>
+            <a:r>
+              <a:rPr lang="en-US" dirty="0"/>
+              <a:t>Models</a:t>
             </a:r>
           </a:p>
         </p:txBody>
@@ -7014,7 +9064,7 @@
           <p:cNvPr id="3" name="Content Placeholder 2">
             <a:extLst>
               <a:ext uri="{FF2B5EF4-FFF2-40B4-BE49-F238E27FC236}">
-                <a16:creationId xmlns:a16="http://schemas.microsoft.com/office/drawing/2014/main" id="{33E51D26-3E03-8B45-BE1F-7AE62CDAAD34}"/>
+                <a16:creationId xmlns:a16="http://schemas.microsoft.com/office/drawing/2014/main" id="{7CD049B3-7351-4032-963A-C17390A3373C}"/>
               </a:ext>
             </a:extLst>
           </p:cNvPr>
@@ -7025,37 +9075,110 @@
             <p:ph idx="1"/>
           </p:nvPr>
         </p:nvSpPr>
-        <p:spPr/>
+        <p:spPr>
+          <a:xfrm>
+            <a:off x="1103313" y="2052918"/>
+            <a:ext cx="3613966" cy="4195481"/>
+          </a:xfrm>
+        </p:spPr>
         <p:txBody>
           <a:bodyPr/>
           <a:lstStyle/>
           <a:p>
             <a:r>
               <a:rPr lang="en-US" dirty="0"/>
-              <a:t>Sean </a:t>
-            </a:r>
-            <a:r>
-              <a:rPr lang="en-US" dirty="0" err="1"/>
-              <a:t>Lahman’s</a:t>
-            </a:r>
+              <a:t>Variable Selection (SAS)</a:t>
+            </a:r>
+          </a:p>
+          <a:p>
+            <a:pPr lvl="1"/>
             <a:r>
               <a:rPr lang="en-US" dirty="0"/>
-              <a:t> Baseball Databank</a:t>
+              <a:t>Backward</a:t>
             </a:r>
           </a:p>
           <a:p>
             <a:pPr lvl="1"/>
             <a:r>
               <a:rPr lang="en-US" dirty="0"/>
-              <a:t>(image of variables here)</a:t>
-            </a:r>
-          </a:p>
-        </p:txBody>
-      </p:sp>
+              <a:t>Forward</a:t>
+            </a:r>
+          </a:p>
+          <a:p>
+            <a:pPr lvl="1"/>
+            <a:r>
+              <a:rPr lang="en-US" dirty="0"/>
+              <a:t>Stepwise</a:t>
+            </a:r>
+          </a:p>
+          <a:p>
+            <a:r>
+              <a:rPr lang="en-US" dirty="0"/>
+              <a:t>Penalized (SAS)</a:t>
+            </a:r>
+          </a:p>
+          <a:p>
+            <a:pPr lvl="1"/>
+            <a:r>
+              <a:rPr lang="en-US" dirty="0"/>
+              <a:t>Lasso</a:t>
+            </a:r>
+          </a:p>
+          <a:p>
+            <a:pPr lvl="1"/>
+            <a:r>
+              <a:rPr lang="en-US" dirty="0"/>
+              <a:t>Elastic Net</a:t>
+            </a:r>
+          </a:p>
+          <a:p>
+            <a:r>
+              <a:rPr lang="en-US" dirty="0"/>
+              <a:t>PCR (R)</a:t>
+            </a:r>
+          </a:p>
+          <a:p>
+            <a:r>
+              <a:rPr lang="en-US" dirty="0"/>
+              <a:t>PLS (R)</a:t>
+            </a:r>
+          </a:p>
+        </p:txBody>
+      </p:sp>
+      <p:pic>
+        <p:nvPicPr>
+          <p:cNvPr id="24" name="Picture 23">
+            <a:extLst>
+              <a:ext uri="{FF2B5EF4-FFF2-40B4-BE49-F238E27FC236}">
+                <a16:creationId xmlns:a16="http://schemas.microsoft.com/office/drawing/2014/main" id="{C45F78F7-5023-4779-9329-4EE10F76B6FA}"/>
+              </a:ext>
+            </a:extLst>
+          </p:cNvPr>
+          <p:cNvPicPr>
+            <a:picLocks noChangeAspect="1"/>
+          </p:cNvPicPr>
+          <p:nvPr/>
+        </p:nvPicPr>
+        <p:blipFill>
+          <a:blip r:embed="rId2"/>
+          <a:stretch>
+            <a:fillRect/>
+          </a:stretch>
+        </p:blipFill>
+        <p:spPr>
+          <a:xfrm>
+            <a:off x="5821951" y="425927"/>
+            <a:ext cx="5723938" cy="5979355"/>
+          </a:xfrm>
+          <a:prstGeom prst="rect">
+            <a:avLst/>
+          </a:prstGeom>
+        </p:spPr>
+      </p:pic>
     </p:spTree>
     <p:extLst>
       <p:ext uri="{BB962C8B-B14F-4D97-AF65-F5344CB8AC3E}">
-        <p14:creationId xmlns:p14="http://schemas.microsoft.com/office/powerpoint/2010/main" val="204303838"/>
+        <p14:creationId xmlns:p14="http://schemas.microsoft.com/office/powerpoint/2010/main" val="1415813509"/>
       </p:ext>
     </p:extLst>
   </p:cSld>
@@ -7087,7 +9210,7 @@
           <p:cNvPr id="2" name="Title 1">
             <a:extLst>
               <a:ext uri="{FF2B5EF4-FFF2-40B4-BE49-F238E27FC236}">
-                <a16:creationId xmlns:a16="http://schemas.microsoft.com/office/drawing/2014/main" id="{BA5CE4E0-3267-46F1-ABF0-33B8EBD38556}"/>
+                <a16:creationId xmlns:a16="http://schemas.microsoft.com/office/drawing/2014/main" id="{3D540E11-3C78-43E4-9DD4-598CB5F5122B}"/>
               </a:ext>
             </a:extLst>
           </p:cNvPr>
@@ -7104,8 +9227,8 @@
           <a:lstStyle/>
           <a:p>
             <a:r>
-              <a:rPr lang="en-US" dirty="0"/>
-              <a:t>Models</a:t>
+              <a:rPr lang="en-US"/>
+              <a:t>Pretty PCR and PLS Plots</a:t>
             </a:r>
           </a:p>
         </p:txBody>
@@ -7115,7 +9238,7 @@
           <p:cNvPr id="3" name="Content Placeholder 2">
             <a:extLst>
               <a:ext uri="{FF2B5EF4-FFF2-40B4-BE49-F238E27FC236}">
-                <a16:creationId xmlns:a16="http://schemas.microsoft.com/office/drawing/2014/main" id="{7CD049B3-7351-4032-963A-C17390A3373C}"/>
+                <a16:creationId xmlns:a16="http://schemas.microsoft.com/office/drawing/2014/main" id="{C45B66EB-0441-478B-B86C-1CA71CFA2572}"/>
               </a:ext>
             </a:extLst>
           </p:cNvPr>
@@ -7131,64 +9254,14 @@
           <a:bodyPr/>
           <a:lstStyle/>
           <a:p>
-            <a:r>
-              <a:rPr lang="en-US" dirty="0"/>
-              <a:t>Table of models:</a:t>
-            </a:r>
-          </a:p>
-          <a:p>
-            <a:pPr lvl="1"/>
-            <a:r>
-              <a:rPr lang="en-US" dirty="0"/>
-              <a:t>Forward Selection (SAS)</a:t>
-            </a:r>
-          </a:p>
-          <a:p>
-            <a:pPr lvl="1"/>
-            <a:r>
-              <a:rPr lang="en-US" dirty="0"/>
-              <a:t>Backward Selection (SAS)</a:t>
-            </a:r>
-          </a:p>
-          <a:p>
-            <a:pPr lvl="1"/>
-            <a:r>
-              <a:rPr lang="en-US" dirty="0"/>
-              <a:t>Lasso (SAS)</a:t>
-            </a:r>
-          </a:p>
-          <a:p>
-            <a:pPr lvl="1"/>
-            <a:r>
-              <a:rPr lang="en-US" dirty="0"/>
-              <a:t>Elastic Net (SAS)</a:t>
-            </a:r>
-          </a:p>
-          <a:p>
-            <a:r>
-              <a:rPr lang="en-US" dirty="0"/>
-              <a:t>PCR (R)</a:t>
-            </a:r>
-          </a:p>
-          <a:p>
-            <a:pPr lvl="1"/>
-            <a:r>
-              <a:rPr lang="en-US" dirty="0"/>
-              <a:t>Show component loadings</a:t>
-            </a:r>
-          </a:p>
-          <a:p>
-            <a:r>
-              <a:rPr lang="en-US" dirty="0"/>
-              <a:t>PLS (R)</a:t>
-            </a:r>
+            <a:endParaRPr lang="en-US"/>
           </a:p>
         </p:txBody>
       </p:sp>
     </p:spTree>
     <p:extLst>
       <p:ext uri="{BB962C8B-B14F-4D97-AF65-F5344CB8AC3E}">
-        <p14:creationId xmlns:p14="http://schemas.microsoft.com/office/powerpoint/2010/main" val="1415813509"/>
+        <p14:creationId xmlns:p14="http://schemas.microsoft.com/office/powerpoint/2010/main" val="3854098894"/>
       </p:ext>
     </p:extLst>
   </p:cSld>
@@ -7220,7 +9293,7 @@
           <p:cNvPr id="2" name="Title 1">
             <a:extLst>
               <a:ext uri="{FF2B5EF4-FFF2-40B4-BE49-F238E27FC236}">
-                <a16:creationId xmlns:a16="http://schemas.microsoft.com/office/drawing/2014/main" id="{3D540E11-3C78-43E4-9DD4-598CB5F5122B}"/>
+                <a16:creationId xmlns:a16="http://schemas.microsoft.com/office/drawing/2014/main" id="{968519A2-FDA0-4805-A342-CE4FF3887A25}"/>
               </a:ext>
             </a:extLst>
           </p:cNvPr>
@@ -7237,48 +9310,102 @@
           <a:lstStyle/>
           <a:p>
             <a:r>
-              <a:rPr lang="en-US" dirty="0"/>
-              <a:t>Model Performance</a:t>
-            </a:r>
-          </a:p>
-        </p:txBody>
-      </p:sp>
-      <p:sp>
-        <p:nvSpPr>
-          <p:cNvPr id="3" name="Content Placeholder 2">
+              <a:rPr lang="en-US"/>
+              <a:t>Run Differential</a:t>
+            </a:r>
+          </a:p>
+        </p:txBody>
+      </p:sp>
+      <p:pic>
+        <p:nvPicPr>
+          <p:cNvPr id="7" name="Content Placeholder 6" descr="A close up of a map&#10;&#10;Description automatically generated">
             <a:extLst>
               <a:ext uri="{FF2B5EF4-FFF2-40B4-BE49-F238E27FC236}">
-                <a16:creationId xmlns:a16="http://schemas.microsoft.com/office/drawing/2014/main" id="{C45B66EB-0441-478B-B86C-1CA71CFA2572}"/>
+                <a16:creationId xmlns:a16="http://schemas.microsoft.com/office/drawing/2014/main" id="{35D07031-F9C7-4095-A28E-EA3986C7F3D6}"/>
               </a:ext>
             </a:extLst>
           </p:cNvPr>
-          <p:cNvSpPr>
-            <a:spLocks noGrp="1"/>
-          </p:cNvSpPr>
+          <p:cNvPicPr>
+            <a:picLocks noGrp="1" noChangeAspect="1"/>
+          </p:cNvPicPr>
           <p:nvPr>
             <p:ph idx="1"/>
           </p:nvPr>
-        </p:nvSpPr>
-        <p:spPr/>
-        <p:txBody>
-          <a:bodyPr/>
+        </p:nvPicPr>
+        <p:blipFill>
+          <a:blip r:embed="rId3"/>
+          <a:stretch>
+            <a:fillRect/>
+          </a:stretch>
+        </p:blipFill>
+        <p:spPr>
+          <a:xfrm>
+            <a:off x="581567" y="1214387"/>
+            <a:ext cx="5514434" cy="4135826"/>
+          </a:xfrm>
+        </p:spPr>
+      </p:pic>
+      <p:pic>
+        <p:nvPicPr>
+          <p:cNvPr id="9" name="Picture 8">
+            <a:extLst>
+              <a:ext uri="{FF2B5EF4-FFF2-40B4-BE49-F238E27FC236}">
+                <a16:creationId xmlns:a16="http://schemas.microsoft.com/office/drawing/2014/main" id="{1147D4A3-467C-4737-8141-235D2473C405}"/>
+              </a:ext>
+            </a:extLst>
+          </p:cNvPr>
+          <p:cNvPicPr>
+            <a:picLocks noChangeAspect="1"/>
+          </p:cNvPicPr>
+          <p:nvPr/>
+        </p:nvPicPr>
+        <p:blipFill>
+          <a:blip r:embed="rId4"/>
+          <a:stretch>
+            <a:fillRect/>
+          </a:stretch>
+        </p:blipFill>
+        <p:spPr>
+          <a:xfrm>
+            <a:off x="6320375" y="1214386"/>
+            <a:ext cx="5514435" cy="4135827"/>
+          </a:xfrm>
+          <a:prstGeom prst="rect">
+            <a:avLst/>
+          </a:prstGeom>
+        </p:spPr>
+      </p:pic>
+      <p:sp>
+        <p:nvSpPr>
+          <p:cNvPr id="4" name="TextBox 3">
+            <a:extLst>
+              <a:ext uri="{FF2B5EF4-FFF2-40B4-BE49-F238E27FC236}">
+                <a16:creationId xmlns:a16="http://schemas.microsoft.com/office/drawing/2014/main" id="{F3B56569-6F55-4C4B-A618-08B3DB3A3908}"/>
+              </a:ext>
+            </a:extLst>
+          </p:cNvPr>
+          <p:cNvSpPr txBox="1"/>
+          <p:nvPr/>
+        </p:nvSpPr>
+        <p:spPr>
+          <a:xfrm>
+            <a:off x="940493" y="5458947"/>
+            <a:ext cx="4790094" cy="369332"/>
+          </a:xfrm>
+          <a:prstGeom prst="rect">
+            <a:avLst/>
+          </a:prstGeom>
+          <a:noFill/>
+        </p:spPr>
+        <p:txBody>
+          <a:bodyPr wrap="none" rtlCol="0">
+            <a:spAutoFit/>
+          </a:bodyPr>
           <a:lstStyle/>
           <a:p>
             <a:r>
-              <a:rPr lang="en-US" dirty="0"/>
-              <a:t>MSE?</a:t>
-            </a:r>
-          </a:p>
-          <a:p>
-            <a:r>
-              <a:rPr lang="en-US" dirty="0"/>
-              <a:t>Accuracy?</a:t>
-            </a:r>
-          </a:p>
-          <a:p>
-            <a:r>
-              <a:rPr lang="en-US" dirty="0"/>
-              <a:t>ROC curves?</a:t>
+              <a:rPr lang="en-US"/>
+              <a:t>Intercept: 0.5000	When R=RA, W%=0.5</a:t>
             </a:r>
           </a:p>
         </p:txBody>
@@ -7286,7 +9413,7 @@
     </p:spTree>
     <p:extLst>
       <p:ext uri="{BB962C8B-B14F-4D97-AF65-F5344CB8AC3E}">
-        <p14:creationId xmlns:p14="http://schemas.microsoft.com/office/powerpoint/2010/main" val="3854098894"/>
+        <p14:creationId xmlns:p14="http://schemas.microsoft.com/office/powerpoint/2010/main" val="1778679045"/>
       </p:ext>
     </p:extLst>
   </p:cSld>
@@ -7335,7 +9462,7 @@
           <a:lstStyle/>
           <a:p>
             <a:r>
-              <a:rPr lang="en-US" dirty="0"/>
+              <a:rPr lang="en-US"/>
               <a:t>Pythagorean Expectation</a:t>
             </a:r>
           </a:p>
@@ -7368,7 +9495,7 @@
               <a:p>
                 <a:r>
                   <a:rPr lang="en-US" dirty="0"/>
-                  <a:t>Derived by Bill James in the 1980s</a:t>
+                  <a:t>Derived empirically by Bill James in the 1980s</a:t>
                 </a:r>
               </a:p>
               <a:p>
@@ -7382,13 +9509,13 @@
                 <a14:m>
                   <m:oMath xmlns:m="http://schemas.openxmlformats.org/officeDocument/2006/math">
                     <m:r>
-                      <a:rPr lang="en-US" b="0" i="1" smtClean="0">
+                      <a:rPr lang="en-US" sz="2400" b="0" i="1" smtClean="0">
                         <a:latin typeface="Cambria Math" panose="02040503050406030204" pitchFamily="18" charset="0"/>
                       </a:rPr>
                       <m:t>𝑊</m:t>
                     </m:r>
                     <m:r>
-                      <a:rPr lang="en-US" b="0" i="1" smtClean="0">
+                      <a:rPr lang="en-US" sz="2400" b="0" i="1" smtClean="0">
                         <a:latin typeface="Cambria Math" panose="02040503050406030204" pitchFamily="18" charset="0"/>
                       </a:rPr>
                       <m:t>%=</m:t>
@@ -7396,7 +9523,7 @@
                     <m:f>
                       <m:fPr>
                         <m:ctrlPr>
-                          <a:rPr lang="en-US" i="1">
+                          <a:rPr lang="en-US" sz="2400" i="1">
                             <a:latin typeface="Cambria Math" panose="02040503050406030204" pitchFamily="18" charset="0"/>
                           </a:rPr>
                         </m:ctrlPr>
@@ -7405,20 +9532,20 @@
                         <m:sSup>
                           <m:sSupPr>
                             <m:ctrlPr>
-                              <a:rPr lang="en-US" i="1">
+                              <a:rPr lang="en-US" sz="2400" i="1">
                                 <a:latin typeface="Cambria Math" panose="02040503050406030204" pitchFamily="18" charset="0"/>
                               </a:rPr>
                             </m:ctrlPr>
                           </m:sSupPr>
                           <m:e>
                             <m:r>
-                              <a:rPr lang="en-US" i="1">
+                              <a:rPr lang="en-US" sz="2400" i="1">
                                 <a:latin typeface="Cambria Math" panose="02040503050406030204" pitchFamily="18" charset="0"/>
                               </a:rPr>
                               <m:t>𝑅</m:t>
                             </m:r>
                             <m:r>
-                              <a:rPr lang="en-US" b="0" i="1" smtClean="0">
+                              <a:rPr lang="en-US" sz="2400" b="0" i="1" smtClean="0">
                                 <a:latin typeface="Cambria Math" panose="02040503050406030204" pitchFamily="18" charset="0"/>
                               </a:rPr>
                               <m:t>𝑆</m:t>
@@ -7426,7 +9553,7 @@
                           </m:e>
                           <m:sup>
                             <m:r>
-                              <a:rPr lang="en-US" b="0" i="1" smtClean="0">
+                              <a:rPr lang="en-US" sz="2400" b="0" i="1" smtClean="0">
                                 <a:latin typeface="Cambria Math" panose="02040503050406030204" pitchFamily="18" charset="0"/>
                               </a:rPr>
                               <m:t>𝑘</m:t>
@@ -7438,20 +9565,20 @@
                         <m:sSup>
                           <m:sSupPr>
                             <m:ctrlPr>
-                              <a:rPr lang="en-US" i="1">
+                              <a:rPr lang="en-US" sz="2400" i="1">
                                 <a:latin typeface="Cambria Math" panose="02040503050406030204" pitchFamily="18" charset="0"/>
                               </a:rPr>
                             </m:ctrlPr>
                           </m:sSupPr>
                           <m:e>
                             <m:r>
-                              <a:rPr lang="en-US" i="1">
+                              <a:rPr lang="en-US" sz="2400" i="1">
                                 <a:latin typeface="Cambria Math" panose="02040503050406030204" pitchFamily="18" charset="0"/>
                               </a:rPr>
                               <m:t>𝑅</m:t>
                             </m:r>
                             <m:r>
-                              <a:rPr lang="en-US" b="0" i="1" smtClean="0">
+                              <a:rPr lang="en-US" sz="2400" b="0" i="1" smtClean="0">
                                 <a:latin typeface="Cambria Math" panose="02040503050406030204" pitchFamily="18" charset="0"/>
                               </a:rPr>
                               <m:t>𝑆</m:t>
@@ -7459,7 +9586,7 @@
                           </m:e>
                           <m:sup>
                             <m:r>
-                              <a:rPr lang="en-US" b="0" i="1" smtClean="0">
+                              <a:rPr lang="en-US" sz="2400" b="0" i="1" smtClean="0">
                                 <a:latin typeface="Cambria Math" panose="02040503050406030204" pitchFamily="18" charset="0"/>
                               </a:rPr>
                               <m:t>𝑘</m:t>
@@ -7467,7 +9594,7 @@
                           </m:sup>
                         </m:sSup>
                         <m:r>
-                          <a:rPr lang="en-US" i="1">
+                          <a:rPr lang="en-US" sz="2400" i="1">
                             <a:latin typeface="Cambria Math" panose="02040503050406030204" pitchFamily="18" charset="0"/>
                           </a:rPr>
                           <m:t>+</m:t>
@@ -7475,14 +9602,14 @@
                         <m:sSup>
                           <m:sSupPr>
                             <m:ctrlPr>
-                              <a:rPr lang="en-US" i="1" smtClean="0">
+                              <a:rPr lang="en-US" sz="2400" i="1" smtClean="0">
                                 <a:latin typeface="Cambria Math" panose="02040503050406030204" pitchFamily="18" charset="0"/>
                               </a:rPr>
                             </m:ctrlPr>
                           </m:sSupPr>
                           <m:e>
                             <m:r>
-                              <a:rPr lang="en-US" i="1">
+                              <a:rPr lang="en-US" sz="2400" i="1">
                                 <a:latin typeface="Cambria Math" panose="02040503050406030204" pitchFamily="18" charset="0"/>
                               </a:rPr>
                               <m:t>𝑅𝐴</m:t>
@@ -7490,7 +9617,7 @@
                           </m:e>
                           <m:sup>
                             <m:r>
-                              <a:rPr lang="en-US" b="0" i="1" smtClean="0">
+                              <a:rPr lang="en-US" sz="2400" b="0" i="1" smtClean="0">
                                 <a:latin typeface="Cambria Math" panose="02040503050406030204" pitchFamily="18" charset="0"/>
                               </a:rPr>
                               <m:t>𝑘</m:t>
@@ -7500,7 +9627,7 @@
                       </m:den>
                     </m:f>
                     <m:r>
-                      <a:rPr lang="en-US" b="0" i="1" smtClean="0">
+                      <a:rPr lang="en-US" sz="2400" b="0" i="1" smtClean="0">
                         <a:latin typeface="Cambria Math" panose="02040503050406030204" pitchFamily="18" charset="0"/>
                       </a:rPr>
                       <m:t>=</m:t>
@@ -7508,7 +9635,7 @@
                     <m:f>
                       <m:fPr>
                         <m:ctrlPr>
-                          <a:rPr lang="en-US" i="1" smtClean="0">
+                          <a:rPr lang="en-US" sz="2400" i="1" smtClean="0">
                             <a:latin typeface="Cambria Math" panose="02040503050406030204" pitchFamily="18" charset="0"/>
                           </a:rPr>
                         </m:ctrlPr>
@@ -7517,14 +9644,14 @@
                         <m:sSup>
                           <m:sSupPr>
                             <m:ctrlPr>
-                              <a:rPr lang="en-US" i="1" smtClean="0">
+                              <a:rPr lang="en-US" sz="2400" i="1" smtClean="0">
                                 <a:latin typeface="Cambria Math" panose="02040503050406030204" pitchFamily="18" charset="0"/>
                               </a:rPr>
                             </m:ctrlPr>
                           </m:sSupPr>
                           <m:e>
                             <m:r>
-                              <a:rPr lang="en-US" b="0" i="1" smtClean="0">
+                              <a:rPr lang="en-US" sz="2400" b="0" i="1" smtClean="0">
                                 <a:latin typeface="Cambria Math" panose="02040503050406030204" pitchFamily="18" charset="0"/>
                               </a:rPr>
                               <m:t>𝑅𝑆</m:t>
@@ -7532,7 +9659,7 @@
                           </m:e>
                           <m:sup>
                             <m:r>
-                              <a:rPr lang="en-US" b="0" i="1" smtClean="0">
+                              <a:rPr lang="en-US" sz="2400" b="0" i="1" smtClean="0">
                                 <a:latin typeface="Cambria Math" panose="02040503050406030204" pitchFamily="18" charset="0"/>
                               </a:rPr>
                               <m:t>2</m:t>
@@ -7544,14 +9671,14 @@
                         <m:sSup>
                           <m:sSupPr>
                             <m:ctrlPr>
-                              <a:rPr lang="en-US" i="1" smtClean="0">
+                              <a:rPr lang="en-US" sz="2400" i="1" smtClean="0">
                                 <a:latin typeface="Cambria Math" panose="02040503050406030204" pitchFamily="18" charset="0"/>
                               </a:rPr>
                             </m:ctrlPr>
                           </m:sSupPr>
                           <m:e>
                             <m:r>
-                              <a:rPr lang="en-US" b="0" i="1" smtClean="0">
+                              <a:rPr lang="en-US" sz="2400" b="0" i="1" smtClean="0">
                                 <a:latin typeface="Cambria Math" panose="02040503050406030204" pitchFamily="18" charset="0"/>
                               </a:rPr>
                               <m:t>𝑅𝑆</m:t>
@@ -7559,7 +9686,7 @@
                           </m:e>
                           <m:sup>
                             <m:r>
-                              <a:rPr lang="en-US" b="0" i="1" smtClean="0">
+                              <a:rPr lang="en-US" sz="2400" b="0" i="1" smtClean="0">
                                 <a:latin typeface="Cambria Math" panose="02040503050406030204" pitchFamily="18" charset="0"/>
                               </a:rPr>
                               <m:t>2</m:t>
@@ -7567,7 +9694,7 @@
                           </m:sup>
                         </m:sSup>
                         <m:r>
-                          <a:rPr lang="en-US" b="0" i="1" smtClean="0">
+                          <a:rPr lang="en-US" sz="2400" b="0" i="1" smtClean="0">
                             <a:latin typeface="Cambria Math" panose="02040503050406030204" pitchFamily="18" charset="0"/>
                           </a:rPr>
                           <m:t>+</m:t>
@@ -7575,14 +9702,14 @@
                         <m:sSup>
                           <m:sSupPr>
                             <m:ctrlPr>
-                              <a:rPr lang="en-US" b="0" i="1" smtClean="0">
+                              <a:rPr lang="en-US" sz="2400" b="0" i="1" smtClean="0">
                                 <a:latin typeface="Cambria Math" panose="02040503050406030204" pitchFamily="18" charset="0"/>
                               </a:rPr>
                             </m:ctrlPr>
                           </m:sSupPr>
                           <m:e>
                             <m:r>
-                              <a:rPr lang="en-US" b="0" i="1" smtClean="0">
+                              <a:rPr lang="en-US" sz="2400" b="0" i="1" smtClean="0">
                                 <a:latin typeface="Cambria Math" panose="02040503050406030204" pitchFamily="18" charset="0"/>
                               </a:rPr>
                               <m:t>𝑅𝐴</m:t>
@@ -7590,7 +9717,7 @@
                           </m:e>
                           <m:sup>
                             <m:r>
-                              <a:rPr lang="en-US" b="0" i="1" smtClean="0">
+                              <a:rPr lang="en-US" sz="2400" b="0" i="1" smtClean="0">
                                 <a:latin typeface="Cambria Math" panose="02040503050406030204" pitchFamily="18" charset="0"/>
                               </a:rPr>
                               <m:t>2</m:t>
@@ -7601,21 +9728,42 @@
                     </m:f>
                   </m:oMath>
                 </a14:m>
-                <a:r>
-                  <a:rPr lang="en-US" dirty="0"/>
-                  <a:t> where RS = runs scored and RA = runs allowed</a:t>
-                </a:r>
+                <a:endParaRPr lang="en-US" dirty="0"/>
+              </a:p>
+              <a:p>
+                <a:endParaRPr lang="en-US" dirty="0"/>
               </a:p>
               <a:p>
                 <a:r>
                   <a:rPr lang="en-US" dirty="0"/>
-                  <a:t>Recent research suggests the exponent is between 1.8 and 1.95</a:t>
+                  <a:t>Recent research suggests </a:t>
                 </a:r>
+                <a:r>
+                  <a:rPr lang="en-US"/>
+                  <a:t>the long-term exponent </a:t>
+                </a:r>
+                <a:r>
+                  <a:rPr lang="en-US" dirty="0"/>
+                  <a:t>is between 1.8 </a:t>
+                </a:r>
+                <a:r>
+                  <a:rPr lang="en-US"/>
+                  <a:t>and 1.9</a:t>
+                </a:r>
+                <a:endParaRPr lang="en-US" dirty="0"/>
               </a:p>
               <a:p>
                 <a:r>
                   <a:rPr lang="en-US" dirty="0"/>
-                  <a:t>Regression problem:</a:t>
+                  <a:t>Estimating </a:t>
+                </a:r>
+                <a:r>
+                  <a:rPr lang="en-US" i="1" dirty="0"/>
+                  <a:t>k</a:t>
+                </a:r>
+                <a:r>
+                  <a:rPr lang="en-US" dirty="0"/>
+                  <a:t> can be formulated as a regression problem:</a:t>
                 </a:r>
               </a:p>
               <a:p>
@@ -7734,79 +9882,6 @@
                 </a14:m>
                 <a:endParaRPr lang="en-US" dirty="0"/>
               </a:p>
-              <a:p>
-                <a:pPr lvl="1"/>
-                <a:r>
-                  <a:rPr lang="en-US" dirty="0"/>
-                  <a:t>Model: </a:t>
-                </a:r>
-                <a14:m>
-                  <m:oMath xmlns:m="http://schemas.openxmlformats.org/officeDocument/2006/math">
-                    <m:r>
-                      <a:rPr lang="en-US" b="0" i="1" smtClean="0">
-                        <a:latin typeface="Cambria Math" panose="02040503050406030204" pitchFamily="18" charset="0"/>
-                      </a:rPr>
-                      <m:t>𝑙𝑜𝑔𝑊𝑟𝑎𝑡𝑖𝑜</m:t>
-                    </m:r>
-                    <m:r>
-                      <a:rPr lang="en-US" b="0" i="1" smtClean="0">
-                        <a:latin typeface="Cambria Math" panose="02040503050406030204" pitchFamily="18" charset="0"/>
-                      </a:rPr>
-                      <m:t>=0+</m:t>
-                    </m:r>
-                    <m:r>
-                      <a:rPr lang="en-US" b="0" i="1" smtClean="0">
-                        <a:latin typeface="Cambria Math" panose="02040503050406030204" pitchFamily="18" charset="0"/>
-                      </a:rPr>
-                      <m:t>𝑙𝑜𝑔𝑅𝑟𝑎𝑡𝑖𝑜</m:t>
-                    </m:r>
-                  </m:oMath>
-                </a14:m>
-                <a:r>
-                  <a:rPr lang="en-US" dirty="0"/>
-                  <a:t> (no intercept)</a:t>
-                </a:r>
-              </a:p>
-              <a:p>
-                <a:pPr lvl="2"/>
-                <a14:m>
-                  <m:oMath xmlns:m="http://schemas.openxmlformats.org/officeDocument/2006/math">
-                    <m:r>
-                      <a:rPr lang="en-US" b="0" i="1" smtClean="0">
-                        <a:latin typeface="Cambria Math" panose="02040503050406030204" pitchFamily="18" charset="0"/>
-                      </a:rPr>
-                      <m:t>𝑘</m:t>
-                    </m:r>
-                    <m:r>
-                      <a:rPr lang="en-US" b="0" i="1" smtClean="0">
-                        <a:latin typeface="Cambria Math" panose="02040503050406030204" pitchFamily="18" charset="0"/>
-                      </a:rPr>
-                      <m:t>→</m:t>
-                    </m:r>
-                    <m:r>
-                      <a:rPr lang="en-US" b="0" i="1" smtClean="0">
-                        <a:latin typeface="Cambria Math" panose="02040503050406030204" pitchFamily="18" charset="0"/>
-                      </a:rPr>
-                      <m:t>𝑙𝑜𝑔𝑅𝑟𝑎𝑡𝑖𝑜</m:t>
-                    </m:r>
-                  </m:oMath>
-                </a14:m>
-                <a:r>
-                  <a:rPr lang="en-US" dirty="0"/>
-                  <a:t> parameter estimate (exponent)</a:t>
-                </a:r>
-              </a:p>
-              <a:p>
-                <a:r>
-                  <a:rPr lang="en-US" dirty="0"/>
-                  <a:t>Research exists adapting the formula for NBA, NHL, </a:t>
-                </a:r>
-                <a:r>
-                  <a:rPr lang="en-US"/>
-                  <a:t>and NFL</a:t>
-                </a:r>
-                <a:endParaRPr lang="en-US" dirty="0"/>
-              </a:p>
             </p:txBody>
           </p:sp>
         </mc:Choice>
@@ -7829,7 +9904,7 @@
             </p:nvSpPr>
             <p:spPr>
               <a:blipFill>
-                <a:blip r:embed="rId2"/>
+                <a:blip r:embed="rId3"/>
                 <a:stretch>
                   <a:fillRect l="-284" t="-906"/>
                 </a:stretch>
@@ -7885,7 +9960,7 @@
           <p:cNvPr id="2" name="Title 1">
             <a:extLst>
               <a:ext uri="{FF2B5EF4-FFF2-40B4-BE49-F238E27FC236}">
-                <a16:creationId xmlns:a16="http://schemas.microsoft.com/office/drawing/2014/main" id="{0B2B2562-F5A0-461B-B73A-3C7652BDEEBB}"/>
+                <a16:creationId xmlns:a16="http://schemas.microsoft.com/office/drawing/2014/main" id="{EFD5F03B-00AC-4F8C-8D25-02EDC468F49C}"/>
               </a:ext>
             </a:extLst>
           </p:cNvPr>
@@ -7902,44 +9977,837 @@
           <a:lstStyle/>
           <a:p>
             <a:r>
-              <a:rPr lang="en-US" dirty="0"/>
-              <a:t>Exponents (1)</a:t>
-            </a:r>
-          </a:p>
-        </p:txBody>
-      </p:sp>
-      <p:sp>
-        <p:nvSpPr>
-          <p:cNvPr id="3" name="Content Placeholder 2">
+              <a:rPr lang="en-US"/>
+              <a:t>Overall Exponent Estimation</a:t>
+            </a:r>
+          </a:p>
+        </p:txBody>
+      </p:sp>
+      <mc:AlternateContent xmlns:mc="http://schemas.openxmlformats.org/markup-compatibility/2006" xmlns:a14="http://schemas.microsoft.com/office/drawing/2010/main">
+        <mc:Choice Requires="a14">
+          <p:sp>
+            <p:nvSpPr>
+              <p:cNvPr id="3" name="Content Placeholder 2">
+                <a:extLst>
+                  <a:ext uri="{FF2B5EF4-FFF2-40B4-BE49-F238E27FC236}">
+                    <a16:creationId xmlns:a16="http://schemas.microsoft.com/office/drawing/2014/main" id="{3A597E3D-2780-4DE5-AFB6-DDCCE0A5135B}"/>
+                  </a:ext>
+                </a:extLst>
+              </p:cNvPr>
+              <p:cNvSpPr>
+                <a:spLocks noGrp="1"/>
+              </p:cNvSpPr>
+              <p:nvPr>
+                <p:ph idx="1"/>
+              </p:nvPr>
+            </p:nvSpPr>
+            <p:spPr>
+              <a:xfrm>
+                <a:off x="1084263" y="1645481"/>
+                <a:ext cx="5087938" cy="4195481"/>
+              </a:xfrm>
+            </p:spPr>
+            <p:txBody>
+              <a:bodyPr/>
+              <a:lstStyle/>
+              <a:p>
+                <a:r>
+                  <a:rPr lang="en-US"/>
+                  <a:t>Simple Linear Regression</a:t>
+                </a:r>
+              </a:p>
+              <a:p>
+                <a:pPr lvl="1"/>
+                <a14:m>
+                  <m:oMath xmlns:m="http://schemas.openxmlformats.org/officeDocument/2006/math">
+                    <m:r>
+                      <a:rPr lang="en-US" i="1">
+                        <a:latin typeface="Cambria Math" panose="02040503050406030204" pitchFamily="18" charset="0"/>
+                      </a:rPr>
+                      <m:t>𝑙𝑜𝑔</m:t>
+                    </m:r>
+                    <m:d>
+                      <m:dPr>
+                        <m:ctrlPr>
+                          <a:rPr lang="en-US" i="1">
+                            <a:latin typeface="Cambria Math" panose="02040503050406030204" pitchFamily="18" charset="0"/>
+                          </a:rPr>
+                        </m:ctrlPr>
+                      </m:dPr>
+                      <m:e>
+                        <m:f>
+                          <m:fPr>
+                            <m:ctrlPr>
+                              <a:rPr lang="en-US" i="1">
+                                <a:latin typeface="Cambria Math" panose="02040503050406030204" pitchFamily="18" charset="0"/>
+                              </a:rPr>
+                            </m:ctrlPr>
+                          </m:fPr>
+                          <m:num>
+                            <m:r>
+                              <a:rPr lang="en-US" i="1">
+                                <a:latin typeface="Cambria Math" panose="02040503050406030204" pitchFamily="18" charset="0"/>
+                              </a:rPr>
+                              <m:t>𝑊</m:t>
+                            </m:r>
+                          </m:num>
+                          <m:den>
+                            <m:r>
+                              <a:rPr lang="en-US" i="1">
+                                <a:latin typeface="Cambria Math" panose="02040503050406030204" pitchFamily="18" charset="0"/>
+                              </a:rPr>
+                              <m:t>𝐿</m:t>
+                            </m:r>
+                          </m:den>
+                        </m:f>
+                      </m:e>
+                    </m:d>
+                    <m:r>
+                      <a:rPr lang="en-US" i="1">
+                        <a:latin typeface="Cambria Math" panose="02040503050406030204" pitchFamily="18" charset="0"/>
+                      </a:rPr>
+                      <m:t>=</m:t>
+                    </m:r>
+                    <m:r>
+                      <a:rPr lang="en-US" i="1">
+                        <a:latin typeface="Cambria Math" panose="02040503050406030204" pitchFamily="18" charset="0"/>
+                      </a:rPr>
+                      <m:t>𝑘</m:t>
+                    </m:r>
+                    <m:r>
+                      <a:rPr lang="en-US" i="1">
+                        <a:latin typeface="Cambria Math" panose="02040503050406030204" pitchFamily="18" charset="0"/>
+                        <a:ea typeface="Cambria Math" panose="02040503050406030204" pitchFamily="18" charset="0"/>
+                      </a:rPr>
+                      <m:t>∙</m:t>
+                    </m:r>
+                    <m:r>
+                      <a:rPr lang="en-US" i="1">
+                        <a:latin typeface="Cambria Math" panose="02040503050406030204" pitchFamily="18" charset="0"/>
+                        <a:ea typeface="Cambria Math" panose="02040503050406030204" pitchFamily="18" charset="0"/>
+                      </a:rPr>
+                      <m:t>𝑙𝑜𝑔</m:t>
+                    </m:r>
+                    <m:d>
+                      <m:dPr>
+                        <m:ctrlPr>
+                          <a:rPr lang="en-US" i="1">
+                            <a:latin typeface="Cambria Math" panose="02040503050406030204" pitchFamily="18" charset="0"/>
+                            <a:ea typeface="Cambria Math" panose="02040503050406030204" pitchFamily="18" charset="0"/>
+                          </a:rPr>
+                        </m:ctrlPr>
+                      </m:dPr>
+                      <m:e>
+                        <m:f>
+                          <m:fPr>
+                            <m:ctrlPr>
+                              <a:rPr lang="en-US" i="1">
+                                <a:latin typeface="Cambria Math" panose="02040503050406030204" pitchFamily="18" charset="0"/>
+                                <a:ea typeface="Cambria Math" panose="02040503050406030204" pitchFamily="18" charset="0"/>
+                              </a:rPr>
+                            </m:ctrlPr>
+                          </m:fPr>
+                          <m:num>
+                            <m:r>
+                              <a:rPr lang="en-US" i="1">
+                                <a:latin typeface="Cambria Math" panose="02040503050406030204" pitchFamily="18" charset="0"/>
+                                <a:ea typeface="Cambria Math" panose="02040503050406030204" pitchFamily="18" charset="0"/>
+                              </a:rPr>
+                              <m:t>𝑅</m:t>
+                            </m:r>
+                          </m:num>
+                          <m:den>
+                            <m:r>
+                              <a:rPr lang="en-US" i="1">
+                                <a:latin typeface="Cambria Math" panose="02040503050406030204" pitchFamily="18" charset="0"/>
+                                <a:ea typeface="Cambria Math" panose="02040503050406030204" pitchFamily="18" charset="0"/>
+                              </a:rPr>
+                              <m:t>𝑅𝐴</m:t>
+                            </m:r>
+                          </m:den>
+                        </m:f>
+                      </m:e>
+                    </m:d>
+                  </m:oMath>
+                </a14:m>
+                <a:endParaRPr lang="en-US"/>
+              </a:p>
+              <a:p>
+                <a:pPr lvl="1"/>
+                <a:endParaRPr lang="en-US"/>
+              </a:p>
+              <a:p>
+                <a:pPr lvl="1"/>
+                <a:endParaRPr lang="en-US"/>
+              </a:p>
+              <a:p>
+                <a:pPr lvl="1"/>
+                <a:endParaRPr lang="en-US"/>
+              </a:p>
+              <a:p>
+                <a:pPr marL="457200" lvl="1" indent="0">
+                  <a:buNone/>
+                </a:pPr>
+                <a:endParaRPr lang="en-US"/>
+              </a:p>
+              <a:p>
+                <a:pPr marL="457200" lvl="1" indent="0">
+                  <a:buNone/>
+                </a:pPr>
+                <a:endParaRPr lang="en-US"/>
+              </a:p>
+              <a:p>
+                <a:pPr lvl="1"/>
+                <a:r>
+                  <a:rPr lang="en-US"/>
+                  <a:t>Exponent = 1.87752 ± 0.02212</a:t>
+                </a:r>
+              </a:p>
+            </p:txBody>
+          </p:sp>
+        </mc:Choice>
+        <mc:Fallback xmlns="">
+          <p:sp>
+            <p:nvSpPr>
+              <p:cNvPr id="3" name="Content Placeholder 2">
+                <a:extLst>
+                  <a:ext uri="{FF2B5EF4-FFF2-40B4-BE49-F238E27FC236}">
+                    <a16:creationId xmlns:a16="http://schemas.microsoft.com/office/drawing/2014/main" id="{3A597E3D-2780-4DE5-AFB6-DDCCE0A5135B}"/>
+                  </a:ext>
+                </a:extLst>
+              </p:cNvPr>
+              <p:cNvSpPr>
+                <a:spLocks noGrp="1" noRot="1" noChangeAspect="1" noMove="1" noResize="1" noEditPoints="1" noAdjustHandles="1" noChangeArrowheads="1" noChangeShapeType="1" noTextEdit="1"/>
+              </p:cNvSpPr>
+              <p:nvPr>
+                <p:ph idx="1"/>
+              </p:nvPr>
+            </p:nvSpPr>
+            <p:spPr>
+              <a:xfrm>
+                <a:off x="1084263" y="1645481"/>
+                <a:ext cx="5087938" cy="4195481"/>
+              </a:xfrm>
+              <a:blipFill>
+                <a:blip r:embed="rId3"/>
+                <a:stretch>
+                  <a:fillRect l="-719" t="-872"/>
+                </a:stretch>
+              </a:blipFill>
+            </p:spPr>
+            <p:txBody>
+              <a:bodyPr/>
+              <a:lstStyle/>
+              <a:p>
+                <a:r>
+                  <a:rPr lang="en-US">
+                    <a:noFill/>
+                  </a:rPr>
+                  <a:t> </a:t>
+                </a:r>
+              </a:p>
+            </p:txBody>
+          </p:sp>
+        </mc:Fallback>
+      </mc:AlternateContent>
+      <p:pic>
+        <p:nvPicPr>
+          <p:cNvPr id="4" name="Picture 3">
             <a:extLst>
               <a:ext uri="{FF2B5EF4-FFF2-40B4-BE49-F238E27FC236}">
-                <a16:creationId xmlns:a16="http://schemas.microsoft.com/office/drawing/2014/main" id="{B18CCB84-2B3F-4DA6-839C-E3ED75289343}"/>
+                <a16:creationId xmlns:a16="http://schemas.microsoft.com/office/drawing/2014/main" id="{2B0A74D6-1F3A-439C-B474-7D4EEEE690CF}"/>
               </a:ext>
             </a:extLst>
           </p:cNvPr>
-          <p:cNvSpPr>
-            <a:spLocks noGrp="1"/>
-          </p:cNvSpPr>
-          <p:nvPr>
-            <p:ph idx="1"/>
-          </p:nvPr>
-        </p:nvSpPr>
-        <p:spPr/>
-        <p:txBody>
-          <a:bodyPr/>
-          <a:lstStyle/>
-          <a:p>
-            <a:r>
-              <a:rPr lang="en-US" dirty="0"/>
-              <a:t>By Decade</a:t>
-            </a:r>
-          </a:p>
-        </p:txBody>
-      </p:sp>
+          <p:cNvPicPr>
+            <a:picLocks noChangeAspect="1"/>
+          </p:cNvPicPr>
+          <p:nvPr/>
+        </p:nvPicPr>
+        <p:blipFill>
+          <a:blip r:embed="rId4"/>
+          <a:stretch>
+            <a:fillRect/>
+          </a:stretch>
+        </p:blipFill>
+        <p:spPr>
+          <a:xfrm>
+            <a:off x="6424041" y="2687268"/>
+            <a:ext cx="4658916" cy="866775"/>
+          </a:xfrm>
+          <a:prstGeom prst="rect">
+            <a:avLst/>
+          </a:prstGeom>
+        </p:spPr>
+      </p:pic>
+      <mc:AlternateContent xmlns:mc="http://schemas.openxmlformats.org/markup-compatibility/2006" xmlns:a14="http://schemas.microsoft.com/office/drawing/2010/main">
+        <mc:Choice Requires="a14">
+          <p:sp>
+            <p:nvSpPr>
+              <p:cNvPr id="6" name="Content Placeholder 2">
+                <a:extLst>
+                  <a:ext uri="{FF2B5EF4-FFF2-40B4-BE49-F238E27FC236}">
+                    <a16:creationId xmlns:a16="http://schemas.microsoft.com/office/drawing/2014/main" id="{28702943-E2D8-4867-8701-A59906C916F3}"/>
+                  </a:ext>
+                </a:extLst>
+              </p:cNvPr>
+              <p:cNvSpPr txBox="1">
+                <a:spLocks/>
+              </p:cNvSpPr>
+              <p:nvPr/>
+            </p:nvSpPr>
+            <p:spPr>
+              <a:xfrm>
+                <a:off x="6172201" y="1645480"/>
+                <a:ext cx="5087938" cy="4307645"/>
+              </a:xfrm>
+              <a:prstGeom prst="rect">
+                <a:avLst/>
+              </a:prstGeom>
+            </p:spPr>
+            <p:txBody>
+              <a:bodyPr vert="horz" lIns="91440" tIns="45720" rIns="91440" bIns="45720" rtlCol="0">
+                <a:normAutofit/>
+              </a:bodyPr>
+              <a:lstStyle>
+                <a:lvl1pPr marL="342900" indent="-342900" algn="l" defTabSz="457200" rtl="0" eaLnBrk="1" latinLnBrk="0" hangingPunct="1">
+                  <a:spcBef>
+                    <a:spcPts val="1000"/>
+                  </a:spcBef>
+                  <a:spcAft>
+                    <a:spcPts val="0"/>
+                  </a:spcAft>
+                  <a:buClr>
+                    <a:schemeClr val="bg2">
+                      <a:lumMod val="40000"/>
+                      <a:lumOff val="60000"/>
+                    </a:schemeClr>
+                  </a:buClr>
+                  <a:buSzPct val="80000"/>
+                  <a:buFont typeface="Wingdings 3" charset="2"/>
+                  <a:buChar char=""/>
+                  <a:defRPr sz="2000" b="0" i="0" kern="1200">
+                    <a:solidFill>
+                      <a:schemeClr val="tx1"/>
+                    </a:solidFill>
+                    <a:latin typeface="+mj-lt"/>
+                    <a:ea typeface="+mj-ea"/>
+                    <a:cs typeface="+mj-cs"/>
+                  </a:defRPr>
+                </a:lvl1pPr>
+                <a:lvl2pPr marL="742950" indent="-285750" algn="l" defTabSz="457200" rtl="0" eaLnBrk="1" latinLnBrk="0" hangingPunct="1">
+                  <a:spcBef>
+                    <a:spcPts val="1000"/>
+                  </a:spcBef>
+                  <a:spcAft>
+                    <a:spcPts val="0"/>
+                  </a:spcAft>
+                  <a:buClr>
+                    <a:schemeClr val="bg2">
+                      <a:lumMod val="40000"/>
+                      <a:lumOff val="60000"/>
+                    </a:schemeClr>
+                  </a:buClr>
+                  <a:buSzPct val="80000"/>
+                  <a:buFont typeface="Wingdings 3" charset="2"/>
+                  <a:buChar char=""/>
+                  <a:defRPr sz="1800" b="0" i="0" kern="1200">
+                    <a:solidFill>
+                      <a:schemeClr val="tx1"/>
+                    </a:solidFill>
+                    <a:latin typeface="+mj-lt"/>
+                    <a:ea typeface="+mj-ea"/>
+                    <a:cs typeface="+mj-cs"/>
+                  </a:defRPr>
+                </a:lvl2pPr>
+                <a:lvl3pPr marL="1143000" indent="-228600" algn="l" defTabSz="457200" rtl="0" eaLnBrk="1" latinLnBrk="0" hangingPunct="1">
+                  <a:spcBef>
+                    <a:spcPts val="1000"/>
+                  </a:spcBef>
+                  <a:spcAft>
+                    <a:spcPts val="0"/>
+                  </a:spcAft>
+                  <a:buClr>
+                    <a:schemeClr val="bg2">
+                      <a:lumMod val="40000"/>
+                      <a:lumOff val="60000"/>
+                    </a:schemeClr>
+                  </a:buClr>
+                  <a:buSzPct val="80000"/>
+                  <a:buFont typeface="Wingdings 3" charset="2"/>
+                  <a:buChar char=""/>
+                  <a:defRPr sz="1600" b="0" i="0" kern="1200">
+                    <a:solidFill>
+                      <a:schemeClr val="tx1"/>
+                    </a:solidFill>
+                    <a:latin typeface="+mj-lt"/>
+                    <a:ea typeface="+mj-ea"/>
+                    <a:cs typeface="+mj-cs"/>
+                  </a:defRPr>
+                </a:lvl3pPr>
+                <a:lvl4pPr marL="1600200" indent="-228600" algn="l" defTabSz="457200" rtl="0" eaLnBrk="1" latinLnBrk="0" hangingPunct="1">
+                  <a:spcBef>
+                    <a:spcPts val="1000"/>
+                  </a:spcBef>
+                  <a:spcAft>
+                    <a:spcPts val="0"/>
+                  </a:spcAft>
+                  <a:buClr>
+                    <a:schemeClr val="bg2">
+                      <a:lumMod val="40000"/>
+                      <a:lumOff val="60000"/>
+                    </a:schemeClr>
+                  </a:buClr>
+                  <a:buSzPct val="80000"/>
+                  <a:buFont typeface="Wingdings 3" charset="2"/>
+                  <a:buChar char=""/>
+                  <a:defRPr sz="1400" b="0" i="0" kern="1200">
+                    <a:solidFill>
+                      <a:schemeClr val="tx1"/>
+                    </a:solidFill>
+                    <a:latin typeface="+mj-lt"/>
+                    <a:ea typeface="+mj-ea"/>
+                    <a:cs typeface="+mj-cs"/>
+                  </a:defRPr>
+                </a:lvl4pPr>
+                <a:lvl5pPr marL="2057400" indent="-228600" algn="l" defTabSz="457200" rtl="0" eaLnBrk="1" latinLnBrk="0" hangingPunct="1">
+                  <a:spcBef>
+                    <a:spcPts val="1000"/>
+                  </a:spcBef>
+                  <a:spcAft>
+                    <a:spcPts val="0"/>
+                  </a:spcAft>
+                  <a:buClr>
+                    <a:schemeClr val="bg2">
+                      <a:lumMod val="40000"/>
+                      <a:lumOff val="60000"/>
+                    </a:schemeClr>
+                  </a:buClr>
+                  <a:buSzPct val="80000"/>
+                  <a:buFont typeface="Wingdings 3" charset="2"/>
+                  <a:buChar char=""/>
+                  <a:defRPr sz="1400" b="0" i="0" kern="1200">
+                    <a:solidFill>
+                      <a:schemeClr val="tx1"/>
+                    </a:solidFill>
+                    <a:latin typeface="+mj-lt"/>
+                    <a:ea typeface="+mj-ea"/>
+                    <a:cs typeface="+mj-cs"/>
+                  </a:defRPr>
+                </a:lvl5pPr>
+                <a:lvl6pPr marL="2506000" indent="-228600" algn="l" defTabSz="457200" rtl="0" eaLnBrk="1" latinLnBrk="0" hangingPunct="1">
+                  <a:spcBef>
+                    <a:spcPts val="1000"/>
+                  </a:spcBef>
+                  <a:spcAft>
+                    <a:spcPts val="0"/>
+                  </a:spcAft>
+                  <a:buClr>
+                    <a:schemeClr val="bg2">
+                      <a:lumMod val="40000"/>
+                      <a:lumOff val="60000"/>
+                    </a:schemeClr>
+                  </a:buClr>
+                  <a:buSzPct val="80000"/>
+                  <a:buFont typeface="Wingdings 3" charset="2"/>
+                  <a:buChar char=""/>
+                  <a:defRPr sz="1400" b="0" i="0" kern="1200">
+                    <a:solidFill>
+                      <a:schemeClr val="tx1"/>
+                    </a:solidFill>
+                    <a:latin typeface="+mj-lt"/>
+                    <a:ea typeface="+mj-ea"/>
+                    <a:cs typeface="+mj-cs"/>
+                  </a:defRPr>
+                </a:lvl6pPr>
+                <a:lvl7pPr marL="2971800" indent="-228600" algn="l" defTabSz="457200" rtl="0" eaLnBrk="1" latinLnBrk="0" hangingPunct="1">
+                  <a:spcBef>
+                    <a:spcPts val="1000"/>
+                  </a:spcBef>
+                  <a:spcAft>
+                    <a:spcPts val="0"/>
+                  </a:spcAft>
+                  <a:buClr>
+                    <a:schemeClr val="bg2">
+                      <a:lumMod val="40000"/>
+                      <a:lumOff val="60000"/>
+                    </a:schemeClr>
+                  </a:buClr>
+                  <a:buSzPct val="80000"/>
+                  <a:buFont typeface="Wingdings 3" charset="2"/>
+                  <a:buChar char=""/>
+                  <a:defRPr sz="1400" b="0" i="0" kern="1200">
+                    <a:solidFill>
+                      <a:schemeClr val="tx1"/>
+                    </a:solidFill>
+                    <a:latin typeface="+mj-lt"/>
+                    <a:ea typeface="+mj-ea"/>
+                    <a:cs typeface="+mj-cs"/>
+                  </a:defRPr>
+                </a:lvl7pPr>
+                <a:lvl8pPr marL="3429000" indent="-228600" algn="l" defTabSz="457200" rtl="0" eaLnBrk="1" latinLnBrk="0" hangingPunct="1">
+                  <a:spcBef>
+                    <a:spcPts val="1000"/>
+                  </a:spcBef>
+                  <a:spcAft>
+                    <a:spcPts val="0"/>
+                  </a:spcAft>
+                  <a:buClr>
+                    <a:schemeClr val="bg2">
+                      <a:lumMod val="40000"/>
+                      <a:lumOff val="60000"/>
+                    </a:schemeClr>
+                  </a:buClr>
+                  <a:buSzPct val="80000"/>
+                  <a:buFont typeface="Wingdings 3" charset="2"/>
+                  <a:buChar char=""/>
+                  <a:defRPr sz="1400" b="0" i="0" kern="1200">
+                    <a:solidFill>
+                      <a:schemeClr val="tx1"/>
+                    </a:solidFill>
+                    <a:latin typeface="+mj-lt"/>
+                    <a:ea typeface="+mj-ea"/>
+                    <a:cs typeface="+mj-cs"/>
+                  </a:defRPr>
+                </a:lvl8pPr>
+                <a:lvl9pPr marL="3886200" indent="-228600" algn="l" defTabSz="457200" rtl="0" eaLnBrk="1" latinLnBrk="0" hangingPunct="1">
+                  <a:spcBef>
+                    <a:spcPts val="1000"/>
+                  </a:spcBef>
+                  <a:spcAft>
+                    <a:spcPts val="0"/>
+                  </a:spcAft>
+                  <a:buClr>
+                    <a:schemeClr val="bg2">
+                      <a:lumMod val="40000"/>
+                      <a:lumOff val="60000"/>
+                    </a:schemeClr>
+                  </a:buClr>
+                  <a:buSzPct val="80000"/>
+                  <a:buFont typeface="Wingdings 3" charset="2"/>
+                  <a:buChar char=""/>
+                  <a:defRPr sz="1400" b="0" i="0" kern="1200">
+                    <a:solidFill>
+                      <a:schemeClr val="tx1"/>
+                    </a:solidFill>
+                    <a:latin typeface="+mj-lt"/>
+                    <a:ea typeface="+mj-ea"/>
+                    <a:cs typeface="+mj-cs"/>
+                  </a:defRPr>
+                </a:lvl9pPr>
+              </a:lstStyle>
+              <a:p>
+                <a:r>
+                  <a:rPr lang="en-US"/>
+                  <a:t>Nonlinear Regression</a:t>
+                </a:r>
+              </a:p>
+              <a:p>
+                <a:pPr lvl="1"/>
+                <a14:m>
+                  <m:oMath xmlns:m="http://schemas.openxmlformats.org/officeDocument/2006/math">
+                    <m:r>
+                      <a:rPr lang="en-US" b="0" i="1" smtClean="0">
+                        <a:latin typeface="Cambria Math" panose="02040503050406030204" pitchFamily="18" charset="0"/>
+                      </a:rPr>
+                      <m:t>𝑊𝑖𝑛</m:t>
+                    </m:r>
+                    <m:r>
+                      <a:rPr lang="en-US" b="0" i="1" smtClean="0">
+                        <a:latin typeface="Cambria Math" panose="02040503050406030204" pitchFamily="18" charset="0"/>
+                      </a:rPr>
+                      <m:t>_</m:t>
+                    </m:r>
+                    <m:r>
+                      <a:rPr lang="en-US" b="0" i="1" smtClean="0">
+                        <a:latin typeface="Cambria Math" panose="02040503050406030204" pitchFamily="18" charset="0"/>
+                      </a:rPr>
+                      <m:t>𝑝𝑒𝑟𝑐</m:t>
+                    </m:r>
+                    <m:r>
+                      <a:rPr lang="en-US" i="1">
+                        <a:latin typeface="Cambria Math" panose="02040503050406030204" pitchFamily="18" charset="0"/>
+                      </a:rPr>
+                      <m:t>=</m:t>
+                    </m:r>
+                    <m:f>
+                      <m:fPr>
+                        <m:ctrlPr>
+                          <a:rPr lang="en-US" i="1">
+                            <a:latin typeface="Cambria Math" panose="02040503050406030204" pitchFamily="18" charset="0"/>
+                          </a:rPr>
+                        </m:ctrlPr>
+                      </m:fPr>
+                      <m:num>
+                        <m:sSup>
+                          <m:sSupPr>
+                            <m:ctrlPr>
+                              <a:rPr lang="en-US" i="1">
+                                <a:latin typeface="Cambria Math" panose="02040503050406030204" pitchFamily="18" charset="0"/>
+                              </a:rPr>
+                            </m:ctrlPr>
+                          </m:sSupPr>
+                          <m:e>
+                            <m:r>
+                              <a:rPr lang="en-US" i="1">
+                                <a:latin typeface="Cambria Math" panose="02040503050406030204" pitchFamily="18" charset="0"/>
+                              </a:rPr>
+                              <m:t>𝑅</m:t>
+                            </m:r>
+                          </m:e>
+                          <m:sup>
+                            <m:r>
+                              <a:rPr lang="en-US" i="1">
+                                <a:latin typeface="Cambria Math" panose="02040503050406030204" pitchFamily="18" charset="0"/>
+                              </a:rPr>
+                              <m:t>2</m:t>
+                            </m:r>
+                          </m:sup>
+                        </m:sSup>
+                      </m:num>
+                      <m:den>
+                        <m:sSup>
+                          <m:sSupPr>
+                            <m:ctrlPr>
+                              <a:rPr lang="en-US" i="1">
+                                <a:latin typeface="Cambria Math" panose="02040503050406030204" pitchFamily="18" charset="0"/>
+                              </a:rPr>
+                            </m:ctrlPr>
+                          </m:sSupPr>
+                          <m:e>
+                            <m:r>
+                              <a:rPr lang="en-US" i="1">
+                                <a:latin typeface="Cambria Math" panose="02040503050406030204" pitchFamily="18" charset="0"/>
+                              </a:rPr>
+                              <m:t>𝑅</m:t>
+                            </m:r>
+                          </m:e>
+                          <m:sup>
+                            <m:r>
+                              <a:rPr lang="en-US" i="1">
+                                <a:latin typeface="Cambria Math" panose="02040503050406030204" pitchFamily="18" charset="0"/>
+                              </a:rPr>
+                              <m:t>2</m:t>
+                            </m:r>
+                          </m:sup>
+                        </m:sSup>
+                        <m:r>
+                          <a:rPr lang="en-US" i="1">
+                            <a:latin typeface="Cambria Math" panose="02040503050406030204" pitchFamily="18" charset="0"/>
+                          </a:rPr>
+                          <m:t>+</m:t>
+                        </m:r>
+                        <m:sSup>
+                          <m:sSupPr>
+                            <m:ctrlPr>
+                              <a:rPr lang="en-US" i="1">
+                                <a:latin typeface="Cambria Math" panose="02040503050406030204" pitchFamily="18" charset="0"/>
+                              </a:rPr>
+                            </m:ctrlPr>
+                          </m:sSupPr>
+                          <m:e>
+                            <m:r>
+                              <a:rPr lang="en-US" i="1">
+                                <a:latin typeface="Cambria Math" panose="02040503050406030204" pitchFamily="18" charset="0"/>
+                              </a:rPr>
+                              <m:t>𝑅𝐴</m:t>
+                            </m:r>
+                          </m:e>
+                          <m:sup>
+                            <m:r>
+                              <a:rPr lang="en-US" i="1">
+                                <a:latin typeface="Cambria Math" panose="02040503050406030204" pitchFamily="18" charset="0"/>
+                              </a:rPr>
+                              <m:t>2</m:t>
+                            </m:r>
+                          </m:sup>
+                        </m:sSup>
+                      </m:den>
+                    </m:f>
+                  </m:oMath>
+                </a14:m>
+                <a:endParaRPr lang="en-US"/>
+              </a:p>
+              <a:p>
+                <a:pPr lvl="1"/>
+                <a:endParaRPr lang="en-US"/>
+              </a:p>
+              <a:p>
+                <a:pPr lvl="1"/>
+                <a:endParaRPr lang="en-US"/>
+              </a:p>
+              <a:p>
+                <a:pPr lvl="1"/>
+                <a:endParaRPr lang="en-US"/>
+              </a:p>
+              <a:p>
+                <a:pPr lvl="1"/>
+                <a:endParaRPr lang="en-US"/>
+              </a:p>
+              <a:p>
+                <a:pPr lvl="1"/>
+                <a:endParaRPr lang="en-US"/>
+              </a:p>
+              <a:p>
+                <a:pPr marL="457200" lvl="1" indent="0">
+                  <a:buNone/>
+                </a:pPr>
+                <a:endParaRPr lang="en-US"/>
+              </a:p>
+              <a:p>
+                <a:pPr marL="457200" lvl="1" indent="0">
+                  <a:buNone/>
+                </a:pPr>
+                <a:endParaRPr lang="en-US"/>
+              </a:p>
+              <a:p>
+                <a:pPr lvl="1"/>
+                <a:r>
+                  <a:rPr lang="en-US"/>
+                  <a:t>Exponent = 1.8681 ± 0.0234</a:t>
+                </a:r>
+              </a:p>
+            </p:txBody>
+          </p:sp>
+        </mc:Choice>
+        <mc:Fallback xmlns="">
+          <p:sp>
+            <p:nvSpPr>
+              <p:cNvPr id="6" name="Content Placeholder 2">
+                <a:extLst>
+                  <a:ext uri="{FF2B5EF4-FFF2-40B4-BE49-F238E27FC236}">
+                    <a16:creationId xmlns:a16="http://schemas.microsoft.com/office/drawing/2014/main" id="{28702943-E2D8-4867-8701-A59906C916F3}"/>
+                  </a:ext>
+                </a:extLst>
+              </p:cNvPr>
+              <p:cNvSpPr txBox="1">
+                <a:spLocks noRot="1" noChangeAspect="1" noMove="1" noResize="1" noEditPoints="1" noAdjustHandles="1" noChangeArrowheads="1" noChangeShapeType="1" noTextEdit="1"/>
+              </p:cNvSpPr>
+              <p:nvPr/>
+            </p:nvSpPr>
+            <p:spPr>
+              <a:xfrm>
+                <a:off x="6172201" y="1645480"/>
+                <a:ext cx="5087938" cy="4307645"/>
+              </a:xfrm>
+              <a:prstGeom prst="rect">
+                <a:avLst/>
+              </a:prstGeom>
+              <a:blipFill>
+                <a:blip r:embed="rId5"/>
+                <a:stretch>
+                  <a:fillRect l="-719" t="-849"/>
+                </a:stretch>
+              </a:blipFill>
+            </p:spPr>
+            <p:txBody>
+              <a:bodyPr/>
+              <a:lstStyle/>
+              <a:p>
+                <a:r>
+                  <a:rPr lang="en-US">
+                    <a:noFill/>
+                  </a:rPr>
+                  <a:t> </a:t>
+                </a:r>
+              </a:p>
+            </p:txBody>
+          </p:sp>
+        </mc:Fallback>
+      </mc:AlternateContent>
+      <p:pic>
+        <p:nvPicPr>
+          <p:cNvPr id="7" name="Picture 6">
+            <a:extLst>
+              <a:ext uri="{FF2B5EF4-FFF2-40B4-BE49-F238E27FC236}">
+                <a16:creationId xmlns:a16="http://schemas.microsoft.com/office/drawing/2014/main" id="{BA42A510-321D-4BC1-931D-0BF39EDCB3EF}"/>
+              </a:ext>
+            </a:extLst>
+          </p:cNvPr>
+          <p:cNvPicPr>
+            <a:picLocks noChangeAspect="1"/>
+          </p:cNvPicPr>
+          <p:nvPr/>
+        </p:nvPicPr>
+        <p:blipFill rotWithShape="1">
+          <a:blip r:embed="rId6"/>
+          <a:srcRect t="8724"/>
+          <a:stretch/>
+        </p:blipFill>
+        <p:spPr>
+          <a:xfrm>
+            <a:off x="7677174" y="3685978"/>
+            <a:ext cx="2152650" cy="1695345"/>
+          </a:xfrm>
+          <a:prstGeom prst="rect">
+            <a:avLst/>
+          </a:prstGeom>
+        </p:spPr>
+      </p:pic>
+      <p:pic>
+        <p:nvPicPr>
+          <p:cNvPr id="8" name="Picture 7">
+            <a:extLst>
+              <a:ext uri="{FF2B5EF4-FFF2-40B4-BE49-F238E27FC236}">
+                <a16:creationId xmlns:a16="http://schemas.microsoft.com/office/drawing/2014/main" id="{59B823EB-5649-47D1-8F89-3C9D6748768C}"/>
+              </a:ext>
+            </a:extLst>
+          </p:cNvPr>
+          <p:cNvPicPr>
+            <a:picLocks noChangeAspect="1"/>
+          </p:cNvPicPr>
+          <p:nvPr/>
+        </p:nvPicPr>
+        <p:blipFill>
+          <a:blip r:embed="rId7"/>
+          <a:stretch>
+            <a:fillRect/>
+          </a:stretch>
+        </p:blipFill>
+        <p:spPr>
+          <a:xfrm>
+            <a:off x="971924" y="3743220"/>
+            <a:ext cx="4629150" cy="723900"/>
+          </a:xfrm>
+          <a:prstGeom prst="rect">
+            <a:avLst/>
+          </a:prstGeom>
+        </p:spPr>
+      </p:pic>
+      <p:pic>
+        <p:nvPicPr>
+          <p:cNvPr id="9" name="Picture 8">
+            <a:extLst>
+              <a:ext uri="{FF2B5EF4-FFF2-40B4-BE49-F238E27FC236}">
+                <a16:creationId xmlns:a16="http://schemas.microsoft.com/office/drawing/2014/main" id="{944B6939-248E-4823-BD7D-76DDB4B864FE}"/>
+              </a:ext>
+            </a:extLst>
+          </p:cNvPr>
+          <p:cNvPicPr>
+            <a:picLocks noChangeAspect="1"/>
+          </p:cNvPicPr>
+          <p:nvPr/>
+        </p:nvPicPr>
+        <p:blipFill>
+          <a:blip r:embed="rId8"/>
+          <a:stretch>
+            <a:fillRect/>
+          </a:stretch>
+        </p:blipFill>
+        <p:spPr>
+          <a:xfrm>
+            <a:off x="1282080" y="2869508"/>
+            <a:ext cx="4008838" cy="606743"/>
+          </a:xfrm>
+          <a:prstGeom prst="rect">
+            <a:avLst/>
+          </a:prstGeom>
+        </p:spPr>
+      </p:pic>
     </p:spTree>
     <p:extLst>
       <p:ext uri="{BB962C8B-B14F-4D97-AF65-F5344CB8AC3E}">
-        <p14:creationId xmlns:p14="http://schemas.microsoft.com/office/powerpoint/2010/main" val="1039510516"/>
+        <p14:creationId xmlns:p14="http://schemas.microsoft.com/office/powerpoint/2010/main" val="2030640651"/>
       </p:ext>
     </p:extLst>
   </p:cSld>
@@ -7971,7 +10839,7 @@
           <p:cNvPr id="2" name="Title 1">
             <a:extLst>
               <a:ext uri="{FF2B5EF4-FFF2-40B4-BE49-F238E27FC236}">
-                <a16:creationId xmlns:a16="http://schemas.microsoft.com/office/drawing/2014/main" id="{EFD5F03B-00AC-4F8C-8D25-02EDC468F49C}"/>
+                <a16:creationId xmlns:a16="http://schemas.microsoft.com/office/drawing/2014/main" id="{0B2B2562-F5A0-461B-B73A-3C7652BDEEBB}"/>
               </a:ext>
             </a:extLst>
           </p:cNvPr>
@@ -7982,50 +10850,238 @@
             <p:ph type="title"/>
           </p:nvPr>
         </p:nvSpPr>
-        <p:spPr/>
+        <p:spPr>
+          <a:xfrm>
+            <a:off x="626013" y="452718"/>
+            <a:ext cx="10027925" cy="1400530"/>
+          </a:xfrm>
+        </p:spPr>
         <p:txBody>
           <a:bodyPr/>
           <a:lstStyle/>
           <a:p>
             <a:r>
-              <a:rPr lang="en-US" dirty="0"/>
-              <a:t>Exponents (2)</a:t>
-            </a:r>
-          </a:p>
-        </p:txBody>
-      </p:sp>
-      <p:sp>
-        <p:nvSpPr>
-          <p:cNvPr id="3" name="Content Placeholder 2">
+              <a:rPr lang="en-US"/>
+              <a:t>Change in Exponent Over Time</a:t>
+            </a:r>
+          </a:p>
+        </p:txBody>
+      </p:sp>
+      <p:sp>
+        <p:nvSpPr>
+          <p:cNvPr id="4" name="AutoShape 1" descr="img0.png">
             <a:extLst>
               <a:ext uri="{FF2B5EF4-FFF2-40B4-BE49-F238E27FC236}">
-                <a16:creationId xmlns:a16="http://schemas.microsoft.com/office/drawing/2014/main" id="{3A597E3D-2780-4DE5-AFB6-DDCCE0A5135B}"/>
+                <a16:creationId xmlns:a16="http://schemas.microsoft.com/office/drawing/2014/main" id="{5090BD3F-38B8-4ECC-B4D6-1D08E05C5539}"/>
               </a:ext>
             </a:extLst>
           </p:cNvPr>
           <p:cNvSpPr>
-            <a:spLocks noGrp="1"/>
-          </p:cNvSpPr>
-          <p:nvPr>
-            <p:ph idx="1"/>
-          </p:nvPr>
-        </p:nvSpPr>
-        <p:spPr/>
-        <p:txBody>
-          <a:bodyPr/>
+            <a:spLocks noChangeAspect="1" noChangeArrowheads="1"/>
+          </p:cNvSpPr>
+          <p:nvPr/>
+        </p:nvSpPr>
+        <p:spPr bwMode="auto">
+          <a:xfrm>
+            <a:off x="0" y="0"/>
+            <a:ext cx="304800" cy="304800"/>
+          </a:xfrm>
+          <a:prstGeom prst="rect">
+            <a:avLst/>
+          </a:prstGeom>
+          <a:noFill/>
+          <a:extLst>
+            <a:ext uri="{909E8E84-426E-40DD-AFC4-6F175D3DCCD1}">
+              <a14:hiddenFill xmlns:a14="http://schemas.microsoft.com/office/drawing/2010/main">
+                <a:solidFill>
+                  <a:srgbClr val="FFFFFF"/>
+                </a:solidFill>
+              </a14:hiddenFill>
+            </a:ext>
+          </a:extLst>
+        </p:spPr>
+        <p:txBody>
+          <a:bodyPr vert="horz" wrap="square" lIns="91440" tIns="45720" rIns="91440" bIns="45720" numCol="1" anchor="t" anchorCtr="0" compatLnSpc="1">
+            <a:prstTxWarp prst="textNoShape">
+              <a:avLst/>
+            </a:prstTxWarp>
+          </a:bodyPr>
           <a:lstStyle/>
           <a:p>
-            <a:r>
-              <a:rPr lang="en-US" dirty="0"/>
-              <a:t>By Year</a:t>
-            </a:r>
-          </a:p>
-        </p:txBody>
-      </p:sp>
+            <a:endParaRPr lang="en-US"/>
+          </a:p>
+        </p:txBody>
+      </p:sp>
+      <p:sp>
+        <p:nvSpPr>
+          <p:cNvPr id="5" name="Rectangle 2">
+            <a:extLst>
+              <a:ext uri="{FF2B5EF4-FFF2-40B4-BE49-F238E27FC236}">
+                <a16:creationId xmlns:a16="http://schemas.microsoft.com/office/drawing/2014/main" id="{D1E36563-941D-4088-8377-0B405560840A}"/>
+              </a:ext>
+            </a:extLst>
+          </p:cNvPr>
+          <p:cNvSpPr>
+            <a:spLocks noChangeArrowheads="1"/>
+          </p:cNvSpPr>
+          <p:nvPr/>
+        </p:nvSpPr>
+        <p:spPr bwMode="auto">
+          <a:xfrm>
+            <a:off x="0" y="0"/>
+            <a:ext cx="12192000" cy="0"/>
+          </a:xfrm>
+          <a:prstGeom prst="rect">
+            <a:avLst/>
+          </a:prstGeom>
+          <a:noFill/>
+          <a:ln>
+            <a:noFill/>
+          </a:ln>
+          <a:effectLst/>
+          <a:extLst>
+            <a:ext uri="{909E8E84-426E-40DD-AFC4-6F175D3DCCD1}">
+              <a14:hiddenFill xmlns:a14="http://schemas.microsoft.com/office/drawing/2010/main">
+                <a:solidFill>
+                  <a:schemeClr val="accent1"/>
+                </a:solidFill>
+              </a14:hiddenFill>
+            </a:ext>
+            <a:ext uri="{91240B29-F687-4F45-9708-019B960494DF}">
+              <a14:hiddenLine xmlns:a14="http://schemas.microsoft.com/office/drawing/2010/main" w="9525">
+                <a:solidFill>
+                  <a:schemeClr val="tx1"/>
+                </a:solidFill>
+                <a:miter lim="800000"/>
+                <a:headEnd/>
+                <a:tailEnd/>
+              </a14:hiddenLine>
+            </a:ext>
+            <a:ext uri="{AF507438-7753-43E0-B8FC-AC1667EBCBE1}">
+              <a14:hiddenEffects xmlns:a14="http://schemas.microsoft.com/office/drawing/2010/main">
+                <a:effectLst>
+                  <a:outerShdw dist="35921" dir="2700000" algn="ctr" rotWithShape="0">
+                    <a:schemeClr val="bg2"/>
+                  </a:outerShdw>
+                </a:effectLst>
+              </a14:hiddenEffects>
+            </a:ext>
+          </a:extLst>
+        </p:spPr>
+        <p:txBody>
+          <a:bodyPr vert="horz" wrap="none" lIns="91440" tIns="45720" rIns="91440" bIns="45720" numCol="1" anchor="ctr" anchorCtr="0" compatLnSpc="1">
+            <a:prstTxWarp prst="textNoShape">
+              <a:avLst/>
+            </a:prstTxWarp>
+            <a:spAutoFit/>
+          </a:bodyPr>
+          <a:lstStyle/>
+          <a:p>
+            <a:pPr marL="0" marR="0" lvl="0" indent="0" algn="ctr" defTabSz="914400" rtl="0" eaLnBrk="0" fontAlgn="base" latinLnBrk="0" hangingPunct="0">
+              <a:lnSpc>
+                <a:spcPct val="100000"/>
+              </a:lnSpc>
+              <a:spcBef>
+                <a:spcPct val="0"/>
+              </a:spcBef>
+              <a:spcAft>
+                <a:spcPct val="0"/>
+              </a:spcAft>
+              <a:buClrTx/>
+              <a:buSzTx/>
+              <a:buFontTx/>
+              <a:buNone/>
+              <a:tabLst/>
+            </a:pPr>
+            <a:br>
+              <a:rPr kumimoji="0" lang="en-US" altLang="en-US" sz="1800" b="0" i="0" u="none" strike="noStrike" cap="none" normalizeH="0" baseline="0">
+                <a:ln>
+                  <a:noFill/>
+                </a:ln>
+                <a:solidFill>
+                  <a:schemeClr val="tx1"/>
+                </a:solidFill>
+                <a:effectLst/>
+                <a:latin typeface="Arial" panose="020B0604020202020204" pitchFamily="34" charset="0"/>
+              </a:rPr>
+            </a:br>
+            <a:endParaRPr kumimoji="0" lang="en-US" altLang="en-US" sz="1800" b="0" i="0" u="none" strike="noStrike" cap="none" normalizeH="0" baseline="0">
+              <a:ln>
+                <a:noFill/>
+              </a:ln>
+              <a:solidFill>
+                <a:schemeClr val="tx1"/>
+              </a:solidFill>
+              <a:effectLst/>
+              <a:latin typeface="Arial" panose="020B0604020202020204" pitchFamily="34" charset="0"/>
+            </a:endParaRPr>
+          </a:p>
+        </p:txBody>
+      </p:sp>
+      <p:pic>
+        <p:nvPicPr>
+          <p:cNvPr id="8" name="Picture 7">
+            <a:extLst>
+              <a:ext uri="{FF2B5EF4-FFF2-40B4-BE49-F238E27FC236}">
+                <a16:creationId xmlns:a16="http://schemas.microsoft.com/office/drawing/2014/main" id="{3414CEAB-FC8D-405A-B538-0AA760478C37}"/>
+              </a:ext>
+            </a:extLst>
+          </p:cNvPr>
+          <p:cNvPicPr>
+            <a:picLocks noChangeAspect="1"/>
+          </p:cNvPicPr>
+          <p:nvPr/>
+        </p:nvPicPr>
+        <p:blipFill>
+          <a:blip r:embed="rId3"/>
+          <a:stretch>
+            <a:fillRect/>
+          </a:stretch>
+        </p:blipFill>
+        <p:spPr>
+          <a:xfrm>
+            <a:off x="646111" y="1650975"/>
+            <a:ext cx="5156864" cy="3875655"/>
+          </a:xfrm>
+          <a:prstGeom prst="rect">
+            <a:avLst/>
+          </a:prstGeom>
+        </p:spPr>
+      </p:pic>
+      <p:pic>
+        <p:nvPicPr>
+          <p:cNvPr id="9" name="Picture 8">
+            <a:extLst>
+              <a:ext uri="{FF2B5EF4-FFF2-40B4-BE49-F238E27FC236}">
+                <a16:creationId xmlns:a16="http://schemas.microsoft.com/office/drawing/2014/main" id="{0C8CECD6-43EE-4B87-A466-E48A5F06718B}"/>
+              </a:ext>
+            </a:extLst>
+          </p:cNvPr>
+          <p:cNvPicPr>
+            <a:picLocks noChangeAspect="1"/>
+          </p:cNvPicPr>
+          <p:nvPr/>
+        </p:nvPicPr>
+        <p:blipFill>
+          <a:blip r:embed="rId4"/>
+          <a:stretch>
+            <a:fillRect/>
+          </a:stretch>
+        </p:blipFill>
+        <p:spPr>
+          <a:xfrm>
+            <a:off x="6389027" y="1650975"/>
+            <a:ext cx="5156865" cy="3871640"/>
+          </a:xfrm>
+          <a:prstGeom prst="rect">
+            <a:avLst/>
+          </a:prstGeom>
+        </p:spPr>
+      </p:pic>
     </p:spTree>
     <p:extLst>
       <p:ext uri="{BB962C8B-B14F-4D97-AF65-F5344CB8AC3E}">
-        <p14:creationId xmlns:p14="http://schemas.microsoft.com/office/powerpoint/2010/main" val="2030640651"/>
+        <p14:creationId xmlns:p14="http://schemas.microsoft.com/office/powerpoint/2010/main" val="1039510516"/>
       </p:ext>
     </p:extLst>
   </p:cSld>
@@ -8299,4 +11355,299 @@
     </a:ext>
   </a:extLst>
 </a:theme>
+</file>
+
+<file path=ppt/theme/theme2.xml><?xml version="1.0" encoding="utf-8"?>
+<a:theme xmlns:a="http://schemas.openxmlformats.org/drawingml/2006/main" name="Office Theme">
+  <a:themeElements>
+    <a:clrScheme name="Office">
+      <a:dk1>
+        <a:sysClr val="windowText" lastClr="000000"/>
+      </a:dk1>
+      <a:lt1>
+        <a:sysClr val="window" lastClr="FFFFFF"/>
+      </a:lt1>
+      <a:dk2>
+        <a:srgbClr val="44546A"/>
+      </a:dk2>
+      <a:lt2>
+        <a:srgbClr val="E7E6E6"/>
+      </a:lt2>
+      <a:accent1>
+        <a:srgbClr val="4472C4"/>
+      </a:accent1>
+      <a:accent2>
+        <a:srgbClr val="ED7D31"/>
+      </a:accent2>
+      <a:accent3>
+        <a:srgbClr val="A5A5A5"/>
+      </a:accent3>
+      <a:accent4>
+        <a:srgbClr val="FFC000"/>
+      </a:accent4>
+      <a:accent5>
+        <a:srgbClr val="5B9BD5"/>
+      </a:accent5>
+      <a:accent6>
+        <a:srgbClr val="70AD47"/>
+      </a:accent6>
+      <a:hlink>
+        <a:srgbClr val="0563C1"/>
+      </a:hlink>
+      <a:folHlink>
+        <a:srgbClr val="954F72"/>
+      </a:folHlink>
+    </a:clrScheme>
+    <a:fontScheme name="Office">
+      <a:majorFont>
+        <a:latin typeface="Calibri Light" panose="020F0302020204030204"/>
+        <a:ea typeface=""/>
+        <a:cs typeface=""/>
+        <a:font script="Jpan" typeface="游ゴシック Light"/>
+        <a:font script="Hang" typeface="맑은 고딕"/>
+        <a:font script="Hans" typeface="等线 Light"/>
+        <a:font script="Hant" typeface="新細明體"/>
+        <a:font script="Arab" typeface="Times New Roman"/>
+        <a:font script="Hebr" typeface="Times New Roman"/>
+        <a:font script="Thai" typeface="Angsana New"/>
+        <a:font script="Ethi" typeface="Nyala"/>
+        <a:font script="Beng" typeface="Vrinda"/>
+        <a:font script="Gujr" typeface="Shruti"/>
+        <a:font script="Khmr" typeface="MoolBoran"/>
+        <a:font script="Knda" typeface="Tunga"/>
+        <a:font script="Guru" typeface="Raavi"/>
+        <a:font script="Cans" typeface="Euphemia"/>
+        <a:font script="Cher" typeface="Plantagenet Cherokee"/>
+        <a:font script="Yiii" typeface="Microsoft Yi Baiti"/>
+        <a:font script="Tibt" typeface="Microsoft Himalaya"/>
+        <a:font script="Thaa" typeface="MV Boli"/>
+        <a:font script="Deva" typeface="Mangal"/>
+        <a:font script="Telu" typeface="Gautami"/>
+        <a:font script="Taml" typeface="Latha"/>
+        <a:font script="Syrc" typeface="Estrangelo Edessa"/>
+        <a:font script="Orya" typeface="Kalinga"/>
+        <a:font script="Mlym" typeface="Kartika"/>
+        <a:font script="Laoo" typeface="DokChampa"/>
+        <a:font script="Sinh" typeface="Iskoola Pota"/>
+        <a:font script="Mong" typeface="Mongolian Baiti"/>
+        <a:font script="Viet" typeface="Times New Roman"/>
+        <a:font script="Uigh" typeface="Microsoft Uighur"/>
+        <a:font script="Geor" typeface="Sylfaen"/>
+        <a:font script="Armn" typeface="Arial"/>
+        <a:font script="Bugi" typeface="Leelawadee UI"/>
+        <a:font script="Bopo" typeface="Microsoft JhengHei"/>
+        <a:font script="Java" typeface="Javanese Text"/>
+        <a:font script="Lisu" typeface="Segoe UI"/>
+        <a:font script="Mymr" typeface="Myanmar Text"/>
+        <a:font script="Nkoo" typeface="Ebrima"/>
+        <a:font script="Olck" typeface="Nirmala UI"/>
+        <a:font script="Osma" typeface="Ebrima"/>
+        <a:font script="Phag" typeface="Phagspa"/>
+        <a:font script="Syrn" typeface="Estrangelo Edessa"/>
+        <a:font script="Syrj" typeface="Estrangelo Edessa"/>
+        <a:font script="Syre" typeface="Estrangelo Edessa"/>
+        <a:font script="Sora" typeface="Nirmala UI"/>
+        <a:font script="Tale" typeface="Microsoft Tai Le"/>
+        <a:font script="Talu" typeface="Microsoft New Tai Lue"/>
+        <a:font script="Tfng" typeface="Ebrima"/>
+      </a:majorFont>
+      <a:minorFont>
+        <a:latin typeface="Calibri" panose="020F0502020204030204"/>
+        <a:ea typeface=""/>
+        <a:cs typeface=""/>
+        <a:font script="Jpan" typeface="游ゴシック"/>
+        <a:font script="Hang" typeface="맑은 고딕"/>
+        <a:font script="Hans" typeface="等线"/>
+        <a:font script="Hant" typeface="新細明體"/>
+        <a:font script="Arab" typeface="Arial"/>
+        <a:font script="Hebr" typeface="Arial"/>
+        <a:font script="Thai" typeface="Cordia New"/>
+        <a:font script="Ethi" typeface="Nyala"/>
+        <a:font script="Beng" typeface="Vrinda"/>
+        <a:font script="Gujr" typeface="Shruti"/>
+        <a:font script="Khmr" typeface="DaunPenh"/>
+        <a:font script="Knda" typeface="Tunga"/>
+        <a:font script="Guru" typeface="Raavi"/>
+        <a:font script="Cans" typeface="Euphemia"/>
+        <a:font script="Cher" typeface="Plantagenet Cherokee"/>
+        <a:font script="Yiii" typeface="Microsoft Yi Baiti"/>
+        <a:font script="Tibt" typeface="Microsoft Himalaya"/>
+        <a:font script="Thaa" typeface="MV Boli"/>
+        <a:font script="Deva" typeface="Mangal"/>
+        <a:font script="Telu" typeface="Gautami"/>
+        <a:font script="Taml" typeface="Latha"/>
+        <a:font script="Syrc" typeface="Estrangelo Edessa"/>
+        <a:font script="Orya" typeface="Kalinga"/>
+        <a:font script="Mlym" typeface="Kartika"/>
+        <a:font script="Laoo" typeface="DokChampa"/>
+        <a:font script="Sinh" typeface="Iskoola Pota"/>
+        <a:font script="Mong" typeface="Mongolian Baiti"/>
+        <a:font script="Viet" typeface="Arial"/>
+        <a:font script="Uigh" typeface="Microsoft Uighur"/>
+        <a:font script="Geor" typeface="Sylfaen"/>
+        <a:font script="Armn" typeface="Arial"/>
+        <a:font script="Bugi" typeface="Leelawadee UI"/>
+        <a:font script="Bopo" typeface="Microsoft JhengHei"/>
+        <a:font script="Java" typeface="Javanese Text"/>
+        <a:font script="Lisu" typeface="Segoe UI"/>
+        <a:font script="Mymr" typeface="Myanmar Text"/>
+        <a:font script="Nkoo" typeface="Ebrima"/>
+        <a:font script="Olck" typeface="Nirmala UI"/>
+        <a:font script="Osma" typeface="Ebrima"/>
+        <a:font script="Phag" typeface="Phagspa"/>
+        <a:font script="Syrn" typeface="Estrangelo Edessa"/>
+        <a:font script="Syrj" typeface="Estrangelo Edessa"/>
+        <a:font script="Syre" typeface="Estrangelo Edessa"/>
+        <a:font script="Sora" typeface="Nirmala UI"/>
+        <a:font script="Tale" typeface="Microsoft Tai Le"/>
+        <a:font script="Talu" typeface="Microsoft New Tai Lue"/>
+        <a:font script="Tfng" typeface="Ebrima"/>
+      </a:minorFont>
+    </a:fontScheme>
+    <a:fmtScheme name="Office">
+      <a:fillStyleLst>
+        <a:solidFill>
+          <a:schemeClr val="phClr"/>
+        </a:solidFill>
+        <a:gradFill rotWithShape="1">
+          <a:gsLst>
+            <a:gs pos="0">
+              <a:schemeClr val="phClr">
+                <a:lumMod val="110000"/>
+                <a:satMod val="105000"/>
+                <a:tint val="67000"/>
+              </a:schemeClr>
+            </a:gs>
+            <a:gs pos="50000">
+              <a:schemeClr val="phClr">
+                <a:lumMod val="105000"/>
+                <a:satMod val="103000"/>
+                <a:tint val="73000"/>
+              </a:schemeClr>
+            </a:gs>
+            <a:gs pos="100000">
+              <a:schemeClr val="phClr">
+                <a:lumMod val="105000"/>
+                <a:satMod val="109000"/>
+                <a:tint val="81000"/>
+              </a:schemeClr>
+            </a:gs>
+          </a:gsLst>
+          <a:lin ang="5400000" scaled="0"/>
+        </a:gradFill>
+        <a:gradFill rotWithShape="1">
+          <a:gsLst>
+            <a:gs pos="0">
+              <a:schemeClr val="phClr">
+                <a:satMod val="103000"/>
+                <a:lumMod val="102000"/>
+                <a:tint val="94000"/>
+              </a:schemeClr>
+            </a:gs>
+            <a:gs pos="50000">
+              <a:schemeClr val="phClr">
+                <a:satMod val="110000"/>
+                <a:lumMod val="100000"/>
+                <a:shade val="100000"/>
+              </a:schemeClr>
+            </a:gs>
+            <a:gs pos="100000">
+              <a:schemeClr val="phClr">
+                <a:lumMod val="99000"/>
+                <a:satMod val="120000"/>
+                <a:shade val="78000"/>
+              </a:schemeClr>
+            </a:gs>
+          </a:gsLst>
+          <a:lin ang="5400000" scaled="0"/>
+        </a:gradFill>
+      </a:fillStyleLst>
+      <a:lnStyleLst>
+        <a:ln w="6350" cap="flat" cmpd="sng" algn="ctr">
+          <a:solidFill>
+            <a:schemeClr val="phClr"/>
+          </a:solidFill>
+          <a:prstDash val="solid"/>
+          <a:miter lim="800000"/>
+        </a:ln>
+        <a:ln w="12700" cap="flat" cmpd="sng" algn="ctr">
+          <a:solidFill>
+            <a:schemeClr val="phClr"/>
+          </a:solidFill>
+          <a:prstDash val="solid"/>
+          <a:miter lim="800000"/>
+        </a:ln>
+        <a:ln w="19050" cap="flat" cmpd="sng" algn="ctr">
+          <a:solidFill>
+            <a:schemeClr val="phClr"/>
+          </a:solidFill>
+          <a:prstDash val="solid"/>
+          <a:miter lim="800000"/>
+        </a:ln>
+      </a:lnStyleLst>
+      <a:effectStyleLst>
+        <a:effectStyle>
+          <a:effectLst/>
+        </a:effectStyle>
+        <a:effectStyle>
+          <a:effectLst/>
+        </a:effectStyle>
+        <a:effectStyle>
+          <a:effectLst>
+            <a:outerShdw blurRad="57150" dist="19050" dir="5400000" algn="ctr" rotWithShape="0">
+              <a:srgbClr val="000000">
+                <a:alpha val="63000"/>
+              </a:srgbClr>
+            </a:outerShdw>
+          </a:effectLst>
+        </a:effectStyle>
+      </a:effectStyleLst>
+      <a:bgFillStyleLst>
+        <a:solidFill>
+          <a:schemeClr val="phClr"/>
+        </a:solidFill>
+        <a:solidFill>
+          <a:schemeClr val="phClr">
+            <a:tint val="95000"/>
+            <a:satMod val="170000"/>
+          </a:schemeClr>
+        </a:solidFill>
+        <a:gradFill rotWithShape="1">
+          <a:gsLst>
+            <a:gs pos="0">
+              <a:schemeClr val="phClr">
+                <a:tint val="93000"/>
+                <a:satMod val="150000"/>
+                <a:shade val="98000"/>
+                <a:lumMod val="102000"/>
+              </a:schemeClr>
+            </a:gs>
+            <a:gs pos="50000">
+              <a:schemeClr val="phClr">
+                <a:tint val="98000"/>
+                <a:satMod val="130000"/>
+                <a:shade val="90000"/>
+                <a:lumMod val="103000"/>
+              </a:schemeClr>
+            </a:gs>
+            <a:gs pos="100000">
+              <a:schemeClr val="phClr">
+                <a:shade val="63000"/>
+                <a:satMod val="120000"/>
+              </a:schemeClr>
+            </a:gs>
+          </a:gsLst>
+          <a:lin ang="5400000" scaled="0"/>
+        </a:gradFill>
+      </a:bgFillStyleLst>
+    </a:fmtScheme>
+  </a:themeElements>
+  <a:objectDefaults/>
+  <a:extraClrSchemeLst/>
+  <a:extLst>
+    <a:ext uri="{05A4C25C-085E-4340-85A3-A5531E510DB2}">
+      <thm15:themeFamily xmlns:thm15="http://schemas.microsoft.com/office/thememl/2012/main" name="Office Theme" id="{62F939B6-93AF-4DB8-9C6B-D6C7DFDC589F}" vid="{4A3C46E8-61CC-4603-A589-7422A47A8E4A}"/>
+    </a:ext>
+  </a:extLst>
+</a:theme>
 </file>